--- a/CMP KEM Support.pptx
+++ b/CMP KEM Support.pptx
@@ -5,17 +5,13 @@
     <p:sldMasterId id="2147483648" r:id="rId4"/>
   </p:sldMasterIdLst>
   <p:notesMasterIdLst>
-    <p:notesMasterId r:id="rId13"/>
+    <p:notesMasterId r:id="rId9"/>
   </p:notesMasterIdLst>
   <p:sldIdLst>
     <p:sldId id="2010" r:id="rId5"/>
     <p:sldId id="2022" r:id="rId6"/>
-    <p:sldId id="2013" r:id="rId7"/>
-    <p:sldId id="2020" r:id="rId8"/>
-    <p:sldId id="2021" r:id="rId9"/>
-    <p:sldId id="2019" r:id="rId10"/>
-    <p:sldId id="2018" r:id="rId11"/>
-    <p:sldId id="2017" r:id="rId12"/>
+    <p:sldId id="2023" r:id="rId7"/>
+    <p:sldId id="2024" r:id="rId8"/>
   </p:sldIdLst>
   <p:sldSz cx="12192000" cy="6858000"/>
   <p:notesSz cx="6797675" cy="9874250"/>
@@ -1116,80 +1112,6 @@
 </pc:chgInfo>
 </file>
 
-<file path=ppt/comments/modernComment_7DA_3399F313.xml><?xml version="1.0" encoding="utf-8"?>
-<p188:cmLst xmlns:a="http://schemas.openxmlformats.org/drawingml/2006/main" xmlns:r="http://schemas.openxmlformats.org/officeDocument/2006/relationships" xmlns:p188="http://schemas.microsoft.com/office/powerpoint/2018/8/main">
-  <p188:cm id="{1A4921AB-D4B0-4BD7-BEC1-28342AC304BB}" authorId="{B967323E-F649-FFF1-AAEC-E3E26500F898}" created="2022-10-14T15:03:23.149">
-    <pc:sldMkLst xmlns:pc="http://schemas.microsoft.com/office/powerpoint/2013/main/command">
-      <pc:docMk/>
-      <pc:sldMk cId="865727251" sldId="2010"/>
-    </pc:sldMkLst>
-    <p188:replyLst>
-      <p188:reply id="{BE911DC8-AE89-4BE6-ACEC-FF9F97253DFE}" authorId="{59D703B0-5D0C-3187-E192-3DE34F2DA597}" created="2022-10-14T15:36:29.484">
-        <p188:txBody>
-          <a:bodyPr/>
-          <a:lstStyle/>
-          <a:p>
-            <a:r>
-              <a:rPr lang="de-DE"/>
-              <a:t>Using CMP V3, the new certificate is provided as EnvelopedData in the response message. As soon as CMS EnvelopedData is available for KEM, this should out of the box work.</a:t>
-            </a:r>
-          </a:p>
-        </p188:txBody>
-      </p188:reply>
-      <p188:reply id="{24688D7B-4A6A-4E00-9424-C1AB6ED0F0B7}" authorId="{59D703B0-5D0C-3187-E192-3DE34F2DA597}" created="2022-10-14T15:37:53.409">
-        <p188:txBody>
-          <a:bodyPr/>
-          <a:lstStyle/>
-          <a:p>
-            <a:r>
-              <a:rPr lang="de-DE"/>
-              <a:t>In your comment 1), what 'other CMP actions' do you have in mind?</a:t>
-            </a:r>
-          </a:p>
-        </p188:txBody>
-      </p188:reply>
-      <p188:reply id="{F1F646EC-B67C-4919-B61B-06399988CA17}" authorId="{B967323E-F649-FFF1-AAEC-E3E26500F898}" created="2022-10-14T15:48:20.812">
-        <p188:txBody>
-          <a:bodyPr/>
-          <a:lstStyle/>
-          <a:p>
-            <a:r>
-              <a:rPr lang="en-US"/>
-              <a:t>Revocation? Key Update? Those need to be authenticated, right?</a:t>
-            </a:r>
-          </a:p>
-        </p188:txBody>
-      </p188:reply>
-      <p188:reply id="{0C79556A-B485-4FFD-9D33-73CCE930A0E0}" authorId="{59D703B0-5D0C-3187-E192-3DE34F2DA597}" created="2022-10-14T15:53:26.090">
-        <p188:txBody>
-          <a:bodyPr/>
-          <a:lstStyle/>
-          <a:p>
-            <a:r>
-              <a:rPr lang="de-DE"/>
-              <a:t>Yes, but this is performed by standard message protection and not by a POP as within a certificate request.</a:t>
-            </a:r>
-          </a:p>
-        </p188:txBody>
-      </p188:reply>
-    </p188:replyLst>
-    <p188:txBody>
-      <a:bodyPr/>
-      <a:lstStyle/>
-      <a:p>
-        <a:r>
-          <a:rPr lang="en-US"/>
-          <a:t>Good point about indirect POP.
-Questions: 
-1) This is useful during enrollment, but I assume there are other CMP actions that would not be possible if this is the only available POP method?
-2) Would indirect POP we possible without any new message types? IE will it fit perfectly into the message types designed for RSA Key Transport?</a:t>
-        </a:r>
-      </a:p>
-    </p188:txBody>
-  </p188:cm>
-</p188:cmLst>
-</file>
-
 <file path=ppt/notesMasters/notesMaster1.xml><?xml version="1.0" encoding="utf-8"?>
 <p:notesMaster xmlns:a="http://schemas.openxmlformats.org/drawingml/2006/main" xmlns:r="http://schemas.openxmlformats.org/officeDocument/2006/relationships" xmlns:p="http://schemas.openxmlformats.org/presentationml/2006/main">
   <p:cSld>
@@ -1272,7 +1194,7 @@
           <a:p>
             <a:fld id="{33B5B5E8-CA78-4A82-83A0-867EF5A818AE}" type="datetimeFigureOut">
               <a:rPr lang="en-US" smtClean="0"/>
-              <a:t>11/28/2022</a:t>
+              <a:t>3/20/2024</a:t>
             </a:fld>
             <a:endParaRPr lang="en-US"/>
           </a:p>
@@ -3277,7 +3199,7 @@
         <p:spPr/>
         <p:txBody>
           <a:bodyPr vert="horz" lIns="91440" tIns="45720" rIns="91440" bIns="45720" rtlCol="0" anchor="t">
-            <a:normAutofit fontScale="92500"/>
+            <a:normAutofit fontScale="85000" lnSpcReduction="20000"/>
           </a:bodyPr>
           <a:lstStyle/>
           <a:p>
@@ -3292,7 +3214,44 @@
           <a:p>
             <a:r>
               <a:rPr lang="en-US" dirty="0"/>
-              <a:t>The authors will wait for a new I-D on POP for KEM keys.</a:t>
+              <a:t>Section 4.3.4 Key Encapsulation Mechanism Keys</a:t>
+            </a:r>
+          </a:p>
+          <a:p>
+            <a:r>
+              <a:rPr lang="en-US" dirty="0"/>
+              <a:t>In Section 5.2.8 Proof-of-Possession Structures the </a:t>
+            </a:r>
+            <a:r>
+              <a:rPr lang="en-US" dirty="0" err="1"/>
+              <a:t>POPOPrivKey</a:t>
+            </a:r>
+            <a:r>
+              <a:rPr lang="en-US" dirty="0"/>
+              <a:t> structure supports KEM as described in Section 5.2.8.3.</a:t>
+            </a:r>
+          </a:p>
+          <a:p>
+            <a:r>
+              <a:rPr lang="en-US" dirty="0"/>
+              <a:t>The recommended POP mechanism for KEM keys is the indirect POP delivering the issued certificate in encrypted form and providing a hash of the decrypted cert in the </a:t>
+            </a:r>
+            <a:r>
+              <a:rPr lang="en-US" dirty="0" err="1"/>
+              <a:t>certConf</a:t>
+            </a:r>
+            <a:r>
+              <a:rPr lang="en-US" dirty="0"/>
+              <a:t> message.</a:t>
+            </a:r>
+          </a:p>
+          <a:p>
+            <a:pPr marL="0" indent="0">
+              <a:buNone/>
+            </a:pPr>
+            <a:r>
+              <a:rPr lang="en-US" dirty="0"/>
+              <a:t>CMP message protection</a:t>
             </a:r>
             <a:endParaRPr lang="en-US" dirty="0">
               <a:cs typeface="Calibri"/>
@@ -3301,44 +3260,32 @@
           <a:p>
             <a:r>
               <a:rPr lang="en-US" dirty="0"/>
-              <a:t>Currently an indirect POP could be used with certificate requests for KEM keys like for encryption-only keys. In CMP the newly issued certificate can be delivered in encrypted form and the recipient provides POP by sending a </a:t>
+              <a:t>Section 5.1.3.4 Key Encapsulation describes the KEM-based message protection.</a:t>
+            </a:r>
+          </a:p>
+          <a:p>
+            <a:r>
+              <a:rPr lang="en-US" dirty="0"/>
+              <a:t>In most cases, it requires an additional roundtrip establishing a KEM shared secret using the </a:t>
             </a:r>
             <a:r>
               <a:rPr lang="en-US" dirty="0" err="1"/>
-              <a:t>certHash</a:t>
+              <a:t>KemCiphertextInfo</a:t>
             </a:r>
             <a:r>
               <a:rPr lang="en-US" dirty="0"/>
-              <a:t> in the </a:t>
-            </a:r>
-            <a:r>
-              <a:rPr lang="en-US" dirty="0" err="1"/>
-              <a:t>CertConf</a:t>
-            </a:r>
+              <a:t> structure defined in Section 5.1.1.5 and </a:t>
+            </a:r>
+            <a:r>
+              <a:rPr lang="en-US"/>
+              <a:t>5.3.19.18.</a:t>
+            </a:r>
+            <a:endParaRPr lang="en-US" dirty="0"/>
+          </a:p>
+          <a:p>
             <a:r>
               <a:rPr lang="en-US" dirty="0"/>
-              <a:t> message.</a:t>
-            </a:r>
-            <a:endParaRPr lang="en-US" dirty="0">
-              <a:cs typeface="Calibri"/>
-            </a:endParaRPr>
-          </a:p>
-          <a:p>
-            <a:pPr marL="0" indent="0">
-              <a:buNone/>
-            </a:pPr>
-            <a:r>
-              <a:rPr lang="en-US" dirty="0"/>
-              <a:t>CMP message protection</a:t>
-            </a:r>
-            <a:endParaRPr lang="en-US" dirty="0">
-              <a:cs typeface="Calibri"/>
-            </a:endParaRPr>
-          </a:p>
-          <a:p>
-            <a:r>
-              <a:rPr lang="en-US" dirty="0"/>
-              <a:t>MAC-based message protection can be used at the cost of an additional roundtrip in advance to a PKI management operation establishing a authenticated shared key, see message flow on the next slide.</a:t>
+              <a:t>Further detailed are described in Appendix E.</a:t>
             </a:r>
             <a:endParaRPr lang="en-US" dirty="0">
               <a:cs typeface="Calibri"/>
@@ -3441,11 +3388,6 @@
   <p:clrMapOvr>
     <a:masterClrMapping/>
   </p:clrMapOvr>
-  <p:extLst>
-    <p:ext uri="{6950BFC3-D8DA-4A85-94F7-54DA5524770B}">
-      <p188:commentRel xmlns:p188="http://schemas.microsoft.com/office/powerpoint/2018/8/main" r:id="rId2"/>
-    </p:ext>
-  </p:extLst>
 </p:sld>
 </file>
 
@@ -3471,7 +3413,7 @@
           <p:cNvPr id="2" name="Titel 1">
             <a:extLst>
               <a:ext uri="{FF2B5EF4-FFF2-40B4-BE49-F238E27FC236}">
-                <a16:creationId xmlns:a16="http://schemas.microsoft.com/office/drawing/2014/main" id="{7D792ACC-1B89-710A-A46F-2710792B7C2A}"/>
+                <a16:creationId xmlns:a16="http://schemas.microsoft.com/office/drawing/2014/main" id="{12AEA28B-EEBD-908D-CAF7-141C56F28EDB}"/>
               </a:ext>
             </a:extLst>
           </p:cNvPr>
@@ -3482,30 +3424,21 @@
             <p:ph type="title"/>
           </p:nvPr>
         </p:nvSpPr>
-        <p:spPr/>
+        <p:spPr>
+          <a:xfrm>
+            <a:off x="838199" y="365125"/>
+            <a:ext cx="10733489" cy="1325563"/>
+          </a:xfrm>
+        </p:spPr>
         <p:txBody>
-          <a:bodyPr/>
+          <a:bodyPr>
+            <a:normAutofit/>
+          </a:bodyPr>
           <a:lstStyle/>
           <a:p>
             <a:r>
-              <a:rPr lang="de-DE" dirty="0"/>
-              <a:t>Add </a:t>
-            </a:r>
-            <a:r>
-              <a:rPr lang="de-DE" dirty="0" err="1"/>
-              <a:t>new</a:t>
-            </a:r>
-            <a:r>
-              <a:rPr lang="de-DE" dirty="0"/>
-              <a:t> </a:t>
-            </a:r>
-            <a:r>
-              <a:rPr lang="de-DE" dirty="0" err="1"/>
-              <a:t>Section</a:t>
-            </a:r>
-            <a:r>
-              <a:rPr lang="de-DE" dirty="0"/>
-              <a:t> 4.3.4</a:t>
+              <a:rPr lang="en-US" sz="3600"/>
+              <a:t>New ASN.1 structures for KEM-based message protection</a:t>
             </a:r>
           </a:p>
         </p:txBody>
@@ -3515,7 +3448,7 @@
           <p:cNvPr id="3" name="Inhaltsplatzhalter 2">
             <a:extLst>
               <a:ext uri="{FF2B5EF4-FFF2-40B4-BE49-F238E27FC236}">
-                <a16:creationId xmlns:a16="http://schemas.microsoft.com/office/drawing/2014/main" id="{9560141B-037E-23CE-41CD-CF5A4272F2A6}"/>
+                <a16:creationId xmlns:a16="http://schemas.microsoft.com/office/drawing/2014/main" id="{9E577F57-27AE-2D9F-41F7-AAC50DD44712}"/>
               </a:ext>
             </a:extLst>
           </p:cNvPr>
@@ -3526,111 +3459,664 @@
             <p:ph idx="1"/>
           </p:nvPr>
         </p:nvSpPr>
-        <p:spPr/>
+        <p:spPr>
+          <a:xfrm>
+            <a:off x="838200" y="1381991"/>
+            <a:ext cx="10515600" cy="5110881"/>
+          </a:xfrm>
+        </p:spPr>
         <p:txBody>
-          <a:bodyPr>
-            <a:normAutofit/>
+          <a:bodyPr vert="horz" lIns="91440" tIns="45720" rIns="91440" bIns="45720" rtlCol="0" anchor="t">
+            <a:normAutofit fontScale="47500" lnSpcReduction="20000"/>
           </a:bodyPr>
           <a:lstStyle/>
           <a:p>
             <a:pPr marL="0" indent="0">
+              <a:lnSpc>
+                <a:spcPct val="120000"/>
+              </a:lnSpc>
+              <a:spcBef>
+                <a:spcPts val="0"/>
+              </a:spcBef>
               <a:buNone/>
             </a:pPr>
             <a:r>
-              <a:rPr lang="en-US" sz="1800" dirty="0">
-                <a:effectLst/>
+              <a:rPr lang="en-US" sz="2800" dirty="0">
                 <a:latin typeface="Courier New" panose="02070309020205020404" pitchFamily="49" charset="0"/>
-                <a:ea typeface="Calibri" panose="020F0502020204030204" pitchFamily="34" charset="0"/>
-                <a:cs typeface="Times New Roman" panose="02020603050405020304" pitchFamily="18" charset="0"/>
-              </a:rPr>
-              <a:t>4.3.4.  Key Encapsulation Mechanism Keys</a:t>
-            </a:r>
-            <a:endParaRPr lang="de-DE" sz="1800" dirty="0">
-              <a:effectLst/>
-              <a:latin typeface="Consolas" panose="020B0609020204030204" pitchFamily="49" charset="0"/>
-              <a:ea typeface="Calibri" panose="020F0502020204030204" pitchFamily="34" charset="0"/>
-              <a:cs typeface="Times New Roman" panose="02020603050405020304" pitchFamily="18" charset="0"/>
-            </a:endParaRPr>
+                <a:cs typeface="Courier New" panose="02070309020205020404" pitchFamily="49" charset="0"/>
+              </a:rPr>
+              <a:t>id-</a:t>
+            </a:r>
+            <a:r>
+              <a:rPr lang="en-US" sz="2800" dirty="0" err="1">
+                <a:latin typeface="Courier New" panose="02070309020205020404" pitchFamily="49" charset="0"/>
+                <a:cs typeface="Courier New" panose="02070309020205020404" pitchFamily="49" charset="0"/>
+              </a:rPr>
+              <a:t>KemBasedMac</a:t>
+            </a:r>
+            <a:r>
+              <a:rPr lang="en-US" sz="2800" dirty="0">
+                <a:latin typeface="Courier New" panose="02070309020205020404" pitchFamily="49" charset="0"/>
+                <a:cs typeface="Courier New" panose="02070309020205020404" pitchFamily="49" charset="0"/>
+              </a:rPr>
+              <a:t> OBJECT IDENTIFIER ::= {1 2 840 113533 7 66 </a:t>
+            </a:r>
+            <a:r>
+              <a:rPr lang="en-US" dirty="0">
+                <a:latin typeface="Courier New" panose="02070309020205020404" pitchFamily="49" charset="0"/>
+                <a:cs typeface="Courier New" panose="02070309020205020404" pitchFamily="49" charset="0"/>
+              </a:rPr>
+              <a:t>16</a:t>
+            </a:r>
+            <a:r>
+              <a:rPr lang="en-US" sz="2800" dirty="0">
+                <a:latin typeface="Courier New" panose="02070309020205020404" pitchFamily="49" charset="0"/>
+                <a:cs typeface="Courier New" panose="02070309020205020404" pitchFamily="49" charset="0"/>
+              </a:rPr>
+              <a:t>}</a:t>
+            </a:r>
           </a:p>
           <a:p>
             <a:pPr marL="0" indent="0">
+              <a:lnSpc>
+                <a:spcPct val="120000"/>
+              </a:lnSpc>
+              <a:spcBef>
+                <a:spcPts val="0"/>
+              </a:spcBef>
               <a:buNone/>
             </a:pPr>
-            <a:r>
-              <a:rPr lang="en-US" sz="1800" dirty="0">
-                <a:effectLst/>
-                <a:latin typeface="Courier New" panose="02070309020205020404" pitchFamily="49" charset="0"/>
-                <a:ea typeface="Calibri" panose="020F0502020204030204" pitchFamily="34" charset="0"/>
-                <a:cs typeface="Times New Roman" panose="02020603050405020304" pitchFamily="18" charset="0"/>
-              </a:rPr>
-              <a:t>For key encapsulation mechanism keys, the end entity can be required to decrypt a value in order to prove possession of the private key (see Section 5.2.8).  Decrypting a value can be achieved either directly or indirectly.</a:t>
-            </a:r>
-            <a:endParaRPr lang="de-DE" sz="1800" dirty="0">
-              <a:effectLst/>
-              <a:latin typeface="Consolas" panose="020B0609020204030204" pitchFamily="49" charset="0"/>
-              <a:ea typeface="Calibri" panose="020F0502020204030204" pitchFamily="34" charset="0"/>
-              <a:cs typeface="Times New Roman" panose="02020603050405020304" pitchFamily="18" charset="0"/>
+            <a:endParaRPr lang="en-US" sz="2800" dirty="0">
+              <a:latin typeface="Courier New" panose="02070309020205020404" pitchFamily="49" charset="0"/>
+              <a:cs typeface="Courier New" panose="02070309020205020404" pitchFamily="49" charset="0"/>
             </a:endParaRPr>
           </a:p>
           <a:p>
             <a:pPr marL="0" indent="0">
+              <a:lnSpc>
+                <a:spcPct val="120000"/>
+              </a:lnSpc>
+              <a:spcBef>
+                <a:spcPts val="0"/>
+              </a:spcBef>
               <a:buNone/>
             </a:pPr>
             <a:r>
-              <a:rPr lang="en-US" sz="1800" dirty="0">
-                <a:effectLst/>
+              <a:rPr lang="en-US" sz="2800" dirty="0" err="1">
                 <a:latin typeface="Courier New" panose="02070309020205020404" pitchFamily="49" charset="0"/>
-                <a:ea typeface="Calibri" panose="020F0502020204030204" pitchFamily="34" charset="0"/>
-                <a:cs typeface="Times New Roman" panose="02020603050405020304" pitchFamily="18" charset="0"/>
-              </a:rPr>
-              <a:t>The direct method is for the RA/CA to issue a random challenge to which an immediate response by the EE is required. </a:t>
-            </a:r>
-            <a:endParaRPr lang="de-DE" sz="1800" dirty="0">
-              <a:effectLst/>
-              <a:latin typeface="Consolas" panose="020B0609020204030204" pitchFamily="49" charset="0"/>
-              <a:ea typeface="Calibri" panose="020F0502020204030204" pitchFamily="34" charset="0"/>
-              <a:cs typeface="Times New Roman" panose="02020603050405020304" pitchFamily="18" charset="0"/>
-            </a:endParaRPr>
+                <a:cs typeface="Courier New" panose="02070309020205020404" pitchFamily="49" charset="0"/>
+              </a:rPr>
+              <a:t>KemBMParameter</a:t>
+            </a:r>
+            <a:r>
+              <a:rPr lang="en-US" sz="2800" dirty="0">
+                <a:latin typeface="Courier New" panose="02070309020205020404" pitchFamily="49" charset="0"/>
+                <a:cs typeface="Courier New" panose="02070309020205020404" pitchFamily="49" charset="0"/>
+              </a:rPr>
+              <a:t> ::= SEQUENCE {</a:t>
+            </a:r>
           </a:p>
           <a:p>
             <a:pPr marL="0" indent="0">
+              <a:lnSpc>
+                <a:spcPct val="120000"/>
+              </a:lnSpc>
+              <a:spcBef>
+                <a:spcPts val="0"/>
+              </a:spcBef>
               <a:buNone/>
             </a:pPr>
             <a:r>
-              <a:rPr lang="en-US" sz="1800" dirty="0">
-                <a:effectLst/>
+              <a:rPr lang="en-US" sz="2800" dirty="0">
                 <a:latin typeface="Courier New" panose="02070309020205020404" pitchFamily="49" charset="0"/>
-                <a:ea typeface="Calibri" panose="020F0502020204030204" pitchFamily="34" charset="0"/>
-                <a:cs typeface="Times New Roman" panose="02020603050405020304" pitchFamily="18" charset="0"/>
-              </a:rPr>
-              <a:t>The indirect method is to issue a certificate that is encrypted for the end entity (and have the end entity demonstrate its ability to decrypt this certificate in the confirmation message).  This allows a CA to issue a certificate in a form that can only be used by the intended end entity. </a:t>
-            </a:r>
-            <a:endParaRPr lang="de-DE" sz="1800" dirty="0">
-              <a:effectLst/>
-              <a:latin typeface="Consolas" panose="020B0609020204030204" pitchFamily="49" charset="0"/>
-              <a:ea typeface="Calibri" panose="020F0502020204030204" pitchFamily="34" charset="0"/>
-              <a:cs typeface="Times New Roman" panose="02020603050405020304" pitchFamily="18" charset="0"/>
-            </a:endParaRPr>
+                <a:cs typeface="Courier New" panose="02070309020205020404" pitchFamily="49" charset="0"/>
+              </a:rPr>
+              <a:t>  </a:t>
+            </a:r>
+            <a:r>
+              <a:rPr lang="en-US" sz="2800" dirty="0" err="1">
+                <a:latin typeface="Courier New" panose="02070309020205020404" pitchFamily="49" charset="0"/>
+                <a:cs typeface="Courier New" panose="02070309020205020404" pitchFamily="49" charset="0"/>
+              </a:rPr>
+              <a:t>kdf</a:t>
+            </a:r>
+            <a:r>
+              <a:rPr lang="en-US" sz="2800" dirty="0">
+                <a:latin typeface="Courier New" panose="02070309020205020404" pitchFamily="49" charset="0"/>
+                <a:cs typeface="Courier New" panose="02070309020205020404" pitchFamily="49" charset="0"/>
+              </a:rPr>
+              <a:t>               </a:t>
+            </a:r>
+            <a:r>
+              <a:rPr lang="en-US" sz="2800" dirty="0" err="1">
+                <a:latin typeface="Courier New" panose="02070309020205020404" pitchFamily="49" charset="0"/>
+                <a:cs typeface="Courier New" panose="02070309020205020404" pitchFamily="49" charset="0"/>
+              </a:rPr>
+              <a:t>AlgorithmIdentifier</a:t>
+            </a:r>
+            <a:r>
+              <a:rPr lang="en-US" sz="2800" dirty="0">
+                <a:latin typeface="Courier New" panose="02070309020205020404" pitchFamily="49" charset="0"/>
+                <a:cs typeface="Courier New" panose="02070309020205020404" pitchFamily="49" charset="0"/>
+              </a:rPr>
+              <a:t>{KEY-DERIVATION, {...}},</a:t>
+            </a:r>
           </a:p>
           <a:p>
             <a:pPr marL="0" indent="0">
+              <a:lnSpc>
+                <a:spcPct val="120000"/>
+              </a:lnSpc>
+              <a:spcBef>
+                <a:spcPts val="0"/>
+              </a:spcBef>
               <a:buNone/>
             </a:pPr>
             <a:r>
-              <a:rPr lang="en-US" sz="1800" dirty="0">
-                <a:effectLst/>
+              <a:rPr lang="en-US" sz="2800" dirty="0">
                 <a:latin typeface="Courier New" panose="02070309020205020404" pitchFamily="49" charset="0"/>
-                <a:ea typeface="Calibri" panose="020F0502020204030204" pitchFamily="34" charset="0"/>
-                <a:cs typeface="Times New Roman" panose="02020603050405020304" pitchFamily="18" charset="0"/>
-              </a:rPr>
-              <a:t>This specification encourages use of the indirect method because it requires no extra messages to be sent (i.e., the proof can be demonstrated using the {request, response, confirmation} triple of messages).</a:t>
-            </a:r>
-            <a:endParaRPr lang="de-DE" sz="1800" dirty="0">
-              <a:effectLst/>
-              <a:latin typeface="Consolas" panose="020B0609020204030204" pitchFamily="49" charset="0"/>
-              <a:ea typeface="Calibri" panose="020F0502020204030204" pitchFamily="34" charset="0"/>
-              <a:cs typeface="Times New Roman" panose="02020603050405020304" pitchFamily="18" charset="0"/>
+                <a:cs typeface="Courier New" panose="02070309020205020404" pitchFamily="49" charset="0"/>
+              </a:rPr>
+              <a:t>  </a:t>
+            </a:r>
+            <a:r>
+              <a:rPr lang="en-US" sz="2800" dirty="0" err="1">
+                <a:latin typeface="Courier New" panose="02070309020205020404" pitchFamily="49" charset="0"/>
+                <a:cs typeface="Courier New" panose="02070309020205020404" pitchFamily="49" charset="0"/>
+              </a:rPr>
+              <a:t>kemContext</a:t>
+            </a:r>
+            <a:r>
+              <a:rPr lang="en-US" sz="2800" dirty="0">
+                <a:latin typeface="Courier New" panose="02070309020205020404" pitchFamily="49" charset="0"/>
+                <a:cs typeface="Courier New" panose="02070309020205020404" pitchFamily="49" charset="0"/>
+              </a:rPr>
+              <a:t>    [0] OCTET STRING     OPTIONAL,</a:t>
+            </a:r>
+          </a:p>
+          <a:p>
+            <a:pPr marL="0" indent="0">
+              <a:lnSpc>
+                <a:spcPct val="120000"/>
+              </a:lnSpc>
+              <a:spcBef>
+                <a:spcPts val="0"/>
+              </a:spcBef>
+              <a:buNone/>
+            </a:pPr>
+            <a:r>
+              <a:rPr lang="en-US" sz="2800" dirty="0">
+                <a:latin typeface="Courier New" panose="02070309020205020404" pitchFamily="49" charset="0"/>
+                <a:cs typeface="Courier New" panose="02070309020205020404" pitchFamily="49" charset="0"/>
+              </a:rPr>
+              <a:t>  </a:t>
+            </a:r>
+            <a:r>
+              <a:rPr lang="en-US" sz="2800" dirty="0" err="1">
+                <a:latin typeface="Courier New" panose="02070309020205020404" pitchFamily="49" charset="0"/>
+                <a:cs typeface="Courier New" panose="02070309020205020404" pitchFamily="49" charset="0"/>
+              </a:rPr>
+              <a:t>len</a:t>
+            </a:r>
+            <a:r>
+              <a:rPr lang="en-US" sz="2800" dirty="0">
+                <a:latin typeface="Courier New" panose="02070309020205020404" pitchFamily="49" charset="0"/>
+                <a:cs typeface="Courier New" panose="02070309020205020404" pitchFamily="49" charset="0"/>
+              </a:rPr>
+              <a:t>               INTEGER (1..MAX),</a:t>
+            </a:r>
+          </a:p>
+          <a:p>
+            <a:pPr marL="0" indent="0">
+              <a:lnSpc>
+                <a:spcPct val="120000"/>
+              </a:lnSpc>
+              <a:spcBef>
+                <a:spcPts val="0"/>
+              </a:spcBef>
+              <a:buNone/>
+            </a:pPr>
+            <a:r>
+              <a:rPr lang="en-US" sz="2800" dirty="0">
+                <a:latin typeface="Courier New" panose="02070309020205020404" pitchFamily="49" charset="0"/>
+                <a:cs typeface="Courier New" panose="02070309020205020404" pitchFamily="49" charset="0"/>
+              </a:rPr>
+              <a:t>  mac               </a:t>
+            </a:r>
+            <a:r>
+              <a:rPr lang="en-US" sz="2800" dirty="0" err="1">
+                <a:latin typeface="Courier New" panose="02070309020205020404" pitchFamily="49" charset="0"/>
+                <a:cs typeface="Courier New" panose="02070309020205020404" pitchFamily="49" charset="0"/>
+              </a:rPr>
+              <a:t>AlgorithmIdentifier</a:t>
+            </a:r>
+            <a:r>
+              <a:rPr lang="en-US" sz="2800" dirty="0">
+                <a:latin typeface="Courier New" panose="02070309020205020404" pitchFamily="49" charset="0"/>
+                <a:cs typeface="Courier New" panose="02070309020205020404" pitchFamily="49" charset="0"/>
+              </a:rPr>
+              <a:t>{MAC-ALGORITHM, {...}}</a:t>
+            </a:r>
+          </a:p>
+          <a:p>
+            <a:pPr marL="0" indent="0">
+              <a:lnSpc>
+                <a:spcPct val="120000"/>
+              </a:lnSpc>
+              <a:spcBef>
+                <a:spcPts val="0"/>
+              </a:spcBef>
+              <a:buNone/>
+            </a:pPr>
+            <a:r>
+              <a:rPr lang="en-US" sz="2800" dirty="0">
+                <a:latin typeface="Courier New" panose="02070309020205020404" pitchFamily="49" charset="0"/>
+                <a:cs typeface="Courier New" panose="02070309020205020404" pitchFamily="49" charset="0"/>
+              </a:rPr>
+              <a:t>}</a:t>
+            </a:r>
+          </a:p>
+          <a:p>
+            <a:pPr marL="0" indent="0">
+              <a:lnSpc>
+                <a:spcPct val="120000"/>
+              </a:lnSpc>
+              <a:spcBef>
+                <a:spcPts val="0"/>
+              </a:spcBef>
+              <a:buNone/>
+            </a:pPr>
+            <a:endParaRPr lang="en-US" sz="2800" dirty="0">
+              <a:latin typeface="Courier New" panose="02070309020205020404" pitchFamily="49" charset="0"/>
+              <a:cs typeface="Courier New" panose="02070309020205020404" pitchFamily="49" charset="0"/>
             </a:endParaRPr>
+          </a:p>
+          <a:p>
+            <a:pPr marL="0" indent="0">
+              <a:lnSpc>
+                <a:spcPct val="120000"/>
+              </a:lnSpc>
+              <a:spcBef>
+                <a:spcPts val="0"/>
+              </a:spcBef>
+              <a:buNone/>
+            </a:pPr>
+            <a:endParaRPr lang="en-US" sz="2800" dirty="0">
+              <a:latin typeface="Courier New" panose="02070309020205020404" pitchFamily="49" charset="0"/>
+              <a:cs typeface="Courier New" panose="02070309020205020404" pitchFamily="49" charset="0"/>
+            </a:endParaRPr>
+          </a:p>
+          <a:p>
+            <a:pPr marL="0" indent="0">
+              <a:lnSpc>
+                <a:spcPct val="120000"/>
+              </a:lnSpc>
+              <a:spcBef>
+                <a:spcPts val="0"/>
+              </a:spcBef>
+              <a:buNone/>
+            </a:pPr>
+            <a:r>
+              <a:rPr lang="en-US" sz="2800" dirty="0">
+                <a:latin typeface="Courier New" panose="02070309020205020404" pitchFamily="49" charset="0"/>
+                <a:cs typeface="Courier New" panose="02070309020205020404" pitchFamily="49" charset="0"/>
+              </a:rPr>
+              <a:t>id-it-</a:t>
+            </a:r>
+            <a:r>
+              <a:rPr lang="en-US" sz="2800" dirty="0" err="1">
+                <a:latin typeface="Courier New" panose="02070309020205020404" pitchFamily="49" charset="0"/>
+                <a:cs typeface="Courier New" panose="02070309020205020404" pitchFamily="49" charset="0"/>
+              </a:rPr>
+              <a:t>KemCiphertextInfo</a:t>
+            </a:r>
+            <a:r>
+              <a:rPr lang="en-US" sz="2800" dirty="0">
+                <a:latin typeface="Courier New" panose="02070309020205020404" pitchFamily="49" charset="0"/>
+                <a:cs typeface="Courier New" panose="02070309020205020404" pitchFamily="49" charset="0"/>
+              </a:rPr>
+              <a:t> OBJECT IDENTIFIER ::= { id-it TBD1 }</a:t>
+            </a:r>
+          </a:p>
+          <a:p>
+            <a:pPr marL="0" indent="0">
+              <a:lnSpc>
+                <a:spcPct val="120000"/>
+              </a:lnSpc>
+              <a:spcBef>
+                <a:spcPts val="0"/>
+              </a:spcBef>
+              <a:buNone/>
+            </a:pPr>
+            <a:r>
+              <a:rPr lang="en-US" sz="2800" dirty="0" err="1">
+                <a:latin typeface="Courier New" panose="02070309020205020404" pitchFamily="49" charset="0"/>
+                <a:cs typeface="Courier New" panose="02070309020205020404" pitchFamily="49" charset="0"/>
+              </a:rPr>
+              <a:t>KemCiphertextInfoValue</a:t>
+            </a:r>
+            <a:r>
+              <a:rPr lang="en-US" sz="2800" dirty="0">
+                <a:latin typeface="Courier New" panose="02070309020205020404" pitchFamily="49" charset="0"/>
+                <a:cs typeface="Courier New" panose="02070309020205020404" pitchFamily="49" charset="0"/>
+              </a:rPr>
+              <a:t> ::= </a:t>
+            </a:r>
+            <a:r>
+              <a:rPr lang="en-US" sz="2800" dirty="0" err="1">
+                <a:latin typeface="Courier New" panose="02070309020205020404" pitchFamily="49" charset="0"/>
+                <a:cs typeface="Courier New" panose="02070309020205020404" pitchFamily="49" charset="0"/>
+              </a:rPr>
+              <a:t>KemCiphertextInfo</a:t>
+            </a:r>
+            <a:endParaRPr lang="en-US" sz="2800" dirty="0">
+              <a:latin typeface="Courier New" panose="02070309020205020404" pitchFamily="49" charset="0"/>
+              <a:cs typeface="Courier New" panose="02070309020205020404" pitchFamily="49" charset="0"/>
+            </a:endParaRPr>
+          </a:p>
+          <a:p>
+            <a:pPr marL="0" indent="0">
+              <a:lnSpc>
+                <a:spcPct val="120000"/>
+              </a:lnSpc>
+              <a:spcBef>
+                <a:spcPts val="0"/>
+              </a:spcBef>
+              <a:buNone/>
+            </a:pPr>
+            <a:endParaRPr lang="en-US" sz="2800" dirty="0">
+              <a:latin typeface="Courier New" panose="02070309020205020404" pitchFamily="49" charset="0"/>
+              <a:cs typeface="Courier New" panose="02070309020205020404" pitchFamily="49" charset="0"/>
+            </a:endParaRPr>
+          </a:p>
+          <a:p>
+            <a:pPr marL="0" indent="0">
+              <a:lnSpc>
+                <a:spcPct val="120000"/>
+              </a:lnSpc>
+              <a:spcBef>
+                <a:spcPts val="0"/>
+              </a:spcBef>
+              <a:buNone/>
+            </a:pPr>
+            <a:r>
+              <a:rPr lang="en-US" sz="2800" dirty="0" err="1">
+                <a:latin typeface="Courier New" panose="02070309020205020404" pitchFamily="49" charset="0"/>
+                <a:cs typeface="Courier New" panose="02070309020205020404" pitchFamily="49" charset="0"/>
+              </a:rPr>
+              <a:t>KemCiphertextInfo</a:t>
+            </a:r>
+            <a:r>
+              <a:rPr lang="en-US" sz="2800" dirty="0">
+                <a:latin typeface="Courier New" panose="02070309020205020404" pitchFamily="49" charset="0"/>
+                <a:cs typeface="Courier New" panose="02070309020205020404" pitchFamily="49" charset="0"/>
+              </a:rPr>
+              <a:t> ::= SEQUENCE {</a:t>
+            </a:r>
+          </a:p>
+          <a:p>
+            <a:pPr marL="0" indent="0">
+              <a:lnSpc>
+                <a:spcPct val="120000"/>
+              </a:lnSpc>
+              <a:spcBef>
+                <a:spcPts val="0"/>
+              </a:spcBef>
+              <a:buNone/>
+            </a:pPr>
+            <a:r>
+              <a:rPr lang="en-US" sz="2800" dirty="0">
+                <a:latin typeface="Courier New" panose="02070309020205020404" pitchFamily="49" charset="0"/>
+                <a:cs typeface="Courier New" panose="02070309020205020404" pitchFamily="49" charset="0"/>
+              </a:rPr>
+              <a:t>  </a:t>
+            </a:r>
+            <a:r>
+              <a:rPr lang="en-US" sz="2800" dirty="0" err="1">
+                <a:latin typeface="Courier New" panose="02070309020205020404" pitchFamily="49" charset="0"/>
+                <a:cs typeface="Courier New" panose="02070309020205020404" pitchFamily="49" charset="0"/>
+              </a:rPr>
+              <a:t>kem</a:t>
+            </a:r>
+            <a:r>
+              <a:rPr lang="en-US" sz="2800" dirty="0">
+                <a:latin typeface="Courier New" panose="02070309020205020404" pitchFamily="49" charset="0"/>
+                <a:cs typeface="Courier New" panose="02070309020205020404" pitchFamily="49" charset="0"/>
+              </a:rPr>
+              <a:t>               </a:t>
+            </a:r>
+            <a:r>
+              <a:rPr lang="en-US" sz="2800" dirty="0" err="1">
+                <a:latin typeface="Courier New" panose="02070309020205020404" pitchFamily="49" charset="0"/>
+                <a:cs typeface="Courier New" panose="02070309020205020404" pitchFamily="49" charset="0"/>
+              </a:rPr>
+              <a:t>AlgorithmIdentifier</a:t>
+            </a:r>
+            <a:r>
+              <a:rPr lang="en-US" sz="2800" dirty="0">
+                <a:latin typeface="Courier New" panose="02070309020205020404" pitchFamily="49" charset="0"/>
+                <a:cs typeface="Courier New" panose="02070309020205020404" pitchFamily="49" charset="0"/>
+              </a:rPr>
+              <a:t>{KEM-ALGORITHM, {...}},</a:t>
+            </a:r>
+          </a:p>
+          <a:p>
+            <a:pPr marL="0" indent="0">
+              <a:lnSpc>
+                <a:spcPct val="120000"/>
+              </a:lnSpc>
+              <a:spcBef>
+                <a:spcPts val="0"/>
+              </a:spcBef>
+              <a:buNone/>
+            </a:pPr>
+            <a:r>
+              <a:rPr lang="en-US" sz="2800" dirty="0">
+                <a:latin typeface="Courier New" panose="02070309020205020404" pitchFamily="49" charset="0"/>
+                <a:cs typeface="Courier New" panose="02070309020205020404" pitchFamily="49" charset="0"/>
+              </a:rPr>
+              <a:t>  </a:t>
+            </a:r>
+            <a:r>
+              <a:rPr lang="en-US" sz="2800" dirty="0" err="1">
+                <a:latin typeface="Courier New" panose="02070309020205020404" pitchFamily="49" charset="0"/>
+                <a:cs typeface="Courier New" panose="02070309020205020404" pitchFamily="49" charset="0"/>
+              </a:rPr>
+              <a:t>ct</a:t>
+            </a:r>
+            <a:r>
+              <a:rPr lang="en-US" sz="2800" dirty="0">
+                <a:latin typeface="Courier New" panose="02070309020205020404" pitchFamily="49" charset="0"/>
+                <a:cs typeface="Courier New" panose="02070309020205020404" pitchFamily="49" charset="0"/>
+              </a:rPr>
+              <a:t>                OCTET STRING</a:t>
+            </a:r>
+          </a:p>
+          <a:p>
+            <a:pPr marL="0" indent="0">
+              <a:lnSpc>
+                <a:spcPct val="120000"/>
+              </a:lnSpc>
+              <a:spcBef>
+                <a:spcPts val="0"/>
+              </a:spcBef>
+              <a:buNone/>
+            </a:pPr>
+            <a:r>
+              <a:rPr lang="en-US" sz="2800" dirty="0">
+                <a:latin typeface="Courier New" panose="02070309020205020404" pitchFamily="49" charset="0"/>
+                <a:cs typeface="Courier New" panose="02070309020205020404" pitchFamily="49" charset="0"/>
+              </a:rPr>
+              <a:t>}</a:t>
+            </a:r>
+          </a:p>
+          <a:p>
+            <a:pPr marL="0" indent="0">
+              <a:lnSpc>
+                <a:spcPct val="120000"/>
+              </a:lnSpc>
+              <a:spcBef>
+                <a:spcPts val="0"/>
+              </a:spcBef>
+              <a:buNone/>
+            </a:pPr>
+            <a:endParaRPr lang="en-US" sz="2800" dirty="0">
+              <a:latin typeface="Courier New" panose="02070309020205020404" pitchFamily="49" charset="0"/>
+              <a:cs typeface="Courier New" panose="02070309020205020404" pitchFamily="49" charset="0"/>
+            </a:endParaRPr>
+          </a:p>
+          <a:p>
+            <a:pPr marL="0" indent="0">
+              <a:lnSpc>
+                <a:spcPct val="120000"/>
+              </a:lnSpc>
+              <a:spcBef>
+                <a:spcPts val="0"/>
+              </a:spcBef>
+              <a:buNone/>
+            </a:pPr>
+            <a:r>
+              <a:rPr lang="en-US" sz="2800" dirty="0" err="1">
+                <a:latin typeface="Courier New" panose="02070309020205020404" pitchFamily="49" charset="0"/>
+                <a:cs typeface="Courier New" panose="02070309020205020404" pitchFamily="49" charset="0"/>
+              </a:rPr>
+              <a:t>KemOtherInfo</a:t>
+            </a:r>
+            <a:r>
+              <a:rPr lang="en-US" sz="2800" dirty="0">
+                <a:latin typeface="Courier New" panose="02070309020205020404" pitchFamily="49" charset="0"/>
+                <a:cs typeface="Courier New" panose="02070309020205020404" pitchFamily="49" charset="0"/>
+              </a:rPr>
+              <a:t> ::= SEQUENCE {</a:t>
+            </a:r>
+          </a:p>
+          <a:p>
+            <a:pPr marL="0" indent="0">
+              <a:lnSpc>
+                <a:spcPct val="120000"/>
+              </a:lnSpc>
+              <a:spcBef>
+                <a:spcPts val="0"/>
+              </a:spcBef>
+              <a:buNone/>
+            </a:pPr>
+            <a:r>
+              <a:rPr lang="en-US" sz="2800" dirty="0">
+                <a:latin typeface="Courier New" panose="02070309020205020404" pitchFamily="49" charset="0"/>
+                <a:cs typeface="Courier New" panose="02070309020205020404" pitchFamily="49" charset="0"/>
+              </a:rPr>
+              <a:t>  </a:t>
+            </a:r>
+            <a:r>
+              <a:rPr lang="en-US" sz="2800" dirty="0" err="1">
+                <a:latin typeface="Courier New" panose="02070309020205020404" pitchFamily="49" charset="0"/>
+                <a:cs typeface="Courier New" panose="02070309020205020404" pitchFamily="49" charset="0"/>
+              </a:rPr>
+              <a:t>staticString</a:t>
+            </a:r>
+            <a:r>
+              <a:rPr lang="en-US" sz="2800" dirty="0">
+                <a:latin typeface="Courier New" panose="02070309020205020404" pitchFamily="49" charset="0"/>
+                <a:cs typeface="Courier New" panose="02070309020205020404" pitchFamily="49" charset="0"/>
+              </a:rPr>
+              <a:t>      </a:t>
+            </a:r>
+            <a:r>
+              <a:rPr lang="en-US" sz="2800" dirty="0" err="1">
+                <a:latin typeface="Courier New" panose="02070309020205020404" pitchFamily="49" charset="0"/>
+                <a:cs typeface="Courier New" panose="02070309020205020404" pitchFamily="49" charset="0"/>
+              </a:rPr>
+              <a:t>PKIFreeText</a:t>
+            </a:r>
+            <a:r>
+              <a:rPr lang="en-US" sz="2800" dirty="0">
+                <a:latin typeface="Courier New" panose="02070309020205020404" pitchFamily="49" charset="0"/>
+                <a:cs typeface="Courier New" panose="02070309020205020404" pitchFamily="49" charset="0"/>
+              </a:rPr>
+              <a:t>,</a:t>
+            </a:r>
+          </a:p>
+          <a:p>
+            <a:pPr marL="0" indent="0">
+              <a:lnSpc>
+                <a:spcPct val="120000"/>
+              </a:lnSpc>
+              <a:spcBef>
+                <a:spcPts val="0"/>
+              </a:spcBef>
+              <a:buNone/>
+            </a:pPr>
+            <a:r>
+              <a:rPr lang="en-US" sz="2800" dirty="0">
+                <a:latin typeface="Courier New" panose="02070309020205020404" pitchFamily="49" charset="0"/>
+                <a:cs typeface="Courier New" panose="02070309020205020404" pitchFamily="49" charset="0"/>
+              </a:rPr>
+              <a:t>  </a:t>
+            </a:r>
+            <a:r>
+              <a:rPr lang="en-US" sz="2800" dirty="0" err="1">
+                <a:latin typeface="Courier New" panose="02070309020205020404" pitchFamily="49" charset="0"/>
+                <a:cs typeface="Courier New" panose="02070309020205020404" pitchFamily="49" charset="0"/>
+              </a:rPr>
+              <a:t>transactionID</a:t>
+            </a:r>
+            <a:r>
+              <a:rPr lang="en-US" sz="2800" dirty="0">
+                <a:latin typeface="Courier New" panose="02070309020205020404" pitchFamily="49" charset="0"/>
+                <a:cs typeface="Courier New" panose="02070309020205020404" pitchFamily="49" charset="0"/>
+              </a:rPr>
+              <a:t>     OCTET STRING,</a:t>
+            </a:r>
+          </a:p>
+          <a:p>
+            <a:pPr marL="0" indent="0">
+              <a:lnSpc>
+                <a:spcPct val="120000"/>
+              </a:lnSpc>
+              <a:spcBef>
+                <a:spcPts val="0"/>
+              </a:spcBef>
+              <a:buNone/>
+            </a:pPr>
+            <a:r>
+              <a:rPr lang="en-US" sz="2800" dirty="0">
+                <a:latin typeface="Courier New" panose="02070309020205020404" pitchFamily="49" charset="0"/>
+                <a:cs typeface="Courier New" panose="02070309020205020404" pitchFamily="49" charset="0"/>
+              </a:rPr>
+              <a:t>  </a:t>
+            </a:r>
+            <a:r>
+              <a:rPr lang="en-US" sz="2800" dirty="0" err="1">
+                <a:latin typeface="Courier New" panose="02070309020205020404" pitchFamily="49" charset="0"/>
+                <a:cs typeface="Courier New" panose="02070309020205020404" pitchFamily="49" charset="0"/>
+              </a:rPr>
+              <a:t>kemContext</a:t>
+            </a:r>
+            <a:r>
+              <a:rPr lang="en-US" sz="2800" dirty="0">
+                <a:latin typeface="Courier New" panose="02070309020205020404" pitchFamily="49" charset="0"/>
+                <a:cs typeface="Courier New" panose="02070309020205020404" pitchFamily="49" charset="0"/>
+              </a:rPr>
+              <a:t>    [0] OCTET STRING     OPTIONAL</a:t>
+            </a:r>
+          </a:p>
+          <a:p>
+            <a:pPr marL="0" indent="0">
+              <a:lnSpc>
+                <a:spcPct val="120000"/>
+              </a:lnSpc>
+              <a:spcBef>
+                <a:spcPts val="0"/>
+              </a:spcBef>
+              <a:buNone/>
+            </a:pPr>
+            <a:r>
+              <a:rPr lang="en-US" sz="2800" dirty="0">
+                <a:latin typeface="Courier New" panose="02070309020205020404" pitchFamily="49" charset="0"/>
+                <a:cs typeface="Courier New" panose="02070309020205020404" pitchFamily="49" charset="0"/>
+              </a:rPr>
+              <a:t>}</a:t>
+            </a:r>
           </a:p>
         </p:txBody>
       </p:sp>
@@ -3639,7 +4125,7 @@
           <p:cNvPr id="4" name="Datumsplatzhalter 3">
             <a:extLst>
               <a:ext uri="{FF2B5EF4-FFF2-40B4-BE49-F238E27FC236}">
-                <a16:creationId xmlns:a16="http://schemas.microsoft.com/office/drawing/2014/main" id="{29EC231E-401F-8644-8AEF-EED70DE127FC}"/>
+                <a16:creationId xmlns:a16="http://schemas.microsoft.com/office/drawing/2014/main" id="{2BD7C13B-BC34-ACA9-B5DC-9E9D41A6AFB4}"/>
               </a:ext>
             </a:extLst>
           </p:cNvPr>
@@ -3657,7 +4143,7 @@
           <a:p>
             <a:r>
               <a:rPr lang="en-US"/>
-              <a:t>November 2022</a:t>
+              <a:t>March 2024</a:t>
             </a:r>
           </a:p>
         </p:txBody>
@@ -3667,7 +4153,7 @@
           <p:cNvPr id="5" name="Fußzeilenplatzhalter 4">
             <a:extLst>
               <a:ext uri="{FF2B5EF4-FFF2-40B4-BE49-F238E27FC236}">
-                <a16:creationId xmlns:a16="http://schemas.microsoft.com/office/drawing/2014/main" id="{C352FADA-DECB-1A8A-C26E-2D9B26E79605}"/>
+                <a16:creationId xmlns:a16="http://schemas.microsoft.com/office/drawing/2014/main" id="{87CA6A65-88E4-B915-624F-C4D12D0C75D7}"/>
               </a:ext>
             </a:extLst>
           </p:cNvPr>
@@ -3695,7 +4181,7 @@
           <p:cNvPr id="6" name="Foliennummernplatzhalter 5">
             <a:extLst>
               <a:ext uri="{FF2B5EF4-FFF2-40B4-BE49-F238E27FC236}">
-                <a16:creationId xmlns:a16="http://schemas.microsoft.com/office/drawing/2014/main" id="{F06620DA-6F90-E4C2-EC1B-D4FA8C6DD37C}"/>
+                <a16:creationId xmlns:a16="http://schemas.microsoft.com/office/drawing/2014/main" id="{4E3A5D43-2E3F-1340-F88C-7FAB08AE0315}"/>
               </a:ext>
             </a:extLst>
           </p:cNvPr>
@@ -3719,10 +4205,339 @@
           </a:p>
         </p:txBody>
       </p:sp>
+      <p:sp>
+        <p:nvSpPr>
+          <p:cNvPr id="8" name="Textfeld 7">
+            <a:extLst>
+              <a:ext uri="{FF2B5EF4-FFF2-40B4-BE49-F238E27FC236}">
+                <a16:creationId xmlns:a16="http://schemas.microsoft.com/office/drawing/2014/main" id="{88A08885-353C-A97F-324E-65E0636D543E}"/>
+              </a:ext>
+            </a:extLst>
+          </p:cNvPr>
+          <p:cNvSpPr txBox="1"/>
+          <p:nvPr/>
+        </p:nvSpPr>
+        <p:spPr>
+          <a:xfrm>
+            <a:off x="7351060" y="1287601"/>
+            <a:ext cx="4220630" cy="2010027"/>
+          </a:xfrm>
+          <a:prstGeom prst="rect">
+            <a:avLst/>
+          </a:prstGeom>
+          <a:noFill/>
+        </p:spPr>
+        <p:txBody>
+          <a:bodyPr wrap="square" rtlCol="0">
+            <a:noAutofit/>
+          </a:bodyPr>
+          <a:lstStyle/>
+          <a:p>
+            <a:r>
+              <a:rPr lang="en-US"/>
+              <a:t>Algorithm identifier to be used in </a:t>
+            </a:r>
+            <a:r>
+              <a:rPr lang="en-US" err="1"/>
+              <a:t>PKIHeader.protectionAlg</a:t>
+            </a:r>
+            <a:r>
+              <a:rPr lang="en-US"/>
+              <a:t> when KEM-based MAC is used.</a:t>
+            </a:r>
+          </a:p>
+          <a:p>
+            <a:r>
+              <a:rPr lang="en-US"/>
+              <a:t>Entrust registered the OID in the same branch as </a:t>
+            </a:r>
+            <a:r>
+              <a:rPr lang="en-US" err="1"/>
+              <a:t>PBMParameter</a:t>
+            </a:r>
+            <a:r>
+              <a:rPr lang="en-US"/>
+              <a:t>.</a:t>
+            </a:r>
+          </a:p>
+          <a:p>
+            <a:r>
+              <a:rPr lang="en-US"/>
+              <a:t>Optional </a:t>
+            </a:r>
+            <a:r>
+              <a:rPr lang="en-US" err="1"/>
+              <a:t>kemContext</a:t>
+            </a:r>
+            <a:r>
+              <a:rPr lang="en-US"/>
+              <a:t> if needed with the used KEM algorithm like </a:t>
+            </a:r>
+            <a:r>
+              <a:rPr lang="en-US" err="1"/>
+              <a:t>ukm</a:t>
+            </a:r>
+            <a:r>
+              <a:rPr lang="en-US"/>
+              <a:t> in </a:t>
+            </a:r>
+            <a:r>
+              <a:rPr lang="en-US" err="1"/>
+              <a:t>cms-kemri</a:t>
+            </a:r>
+            <a:r>
+              <a:rPr lang="en-US"/>
+              <a:t>.</a:t>
+            </a:r>
+          </a:p>
+        </p:txBody>
+      </p:sp>
+      <p:sp>
+        <p:nvSpPr>
+          <p:cNvPr id="9" name="Textfeld 8">
+            <a:extLst>
+              <a:ext uri="{FF2B5EF4-FFF2-40B4-BE49-F238E27FC236}">
+                <a16:creationId xmlns:a16="http://schemas.microsoft.com/office/drawing/2014/main" id="{49A4C9D1-BAE4-0528-DFFA-FAB2A9DC02D4}"/>
+              </a:ext>
+            </a:extLst>
+          </p:cNvPr>
+          <p:cNvSpPr txBox="1"/>
+          <p:nvPr/>
+        </p:nvSpPr>
+        <p:spPr>
+          <a:xfrm>
+            <a:off x="7503458" y="3568891"/>
+            <a:ext cx="4025149" cy="930172"/>
+          </a:xfrm>
+          <a:prstGeom prst="rect">
+            <a:avLst/>
+          </a:prstGeom>
+          <a:noFill/>
+        </p:spPr>
+        <p:txBody>
+          <a:bodyPr wrap="square" rtlCol="0">
+            <a:noAutofit/>
+          </a:bodyPr>
+          <a:lstStyle/>
+          <a:p>
+            <a:r>
+              <a:rPr lang="en-US" sz="1800" err="1">
+                <a:effectLst/>
+                <a:latin typeface="Calibri" panose="020F0502020204030204" pitchFamily="34" charset="0"/>
+                <a:ea typeface="Times New Roman" panose="02020603050405020304" pitchFamily="18" charset="0"/>
+              </a:rPr>
+              <a:t>InfoTypeAndValue</a:t>
+            </a:r>
+            <a:r>
+              <a:rPr lang="en-US" sz="1800">
+                <a:effectLst/>
+                <a:latin typeface="Calibri" panose="020F0502020204030204" pitchFamily="34" charset="0"/>
+                <a:ea typeface="Times New Roman" panose="02020603050405020304" pitchFamily="18" charset="0"/>
+              </a:rPr>
+              <a:t> to deliver the KEM ciphertext in body of general message or in </a:t>
+            </a:r>
+            <a:r>
+              <a:rPr lang="en-US" sz="1800" err="1">
+                <a:effectLst/>
+                <a:latin typeface="Calibri" panose="020F0502020204030204" pitchFamily="34" charset="0"/>
+                <a:ea typeface="Times New Roman" panose="02020603050405020304" pitchFamily="18" charset="0"/>
+              </a:rPr>
+              <a:t>generalInfo</a:t>
+            </a:r>
+            <a:r>
+              <a:rPr lang="en-US" sz="1800">
+                <a:effectLst/>
+                <a:latin typeface="Calibri" panose="020F0502020204030204" pitchFamily="34" charset="0"/>
+                <a:ea typeface="Times New Roman" panose="02020603050405020304" pitchFamily="18" charset="0"/>
+              </a:rPr>
+              <a:t> field of message header</a:t>
+            </a:r>
+            <a:r>
+              <a:rPr lang="en-US"/>
+              <a:t>.</a:t>
+            </a:r>
+          </a:p>
+        </p:txBody>
+      </p:sp>
+      <p:sp>
+        <p:nvSpPr>
+          <p:cNvPr id="10" name="Textfeld 9">
+            <a:extLst>
+              <a:ext uri="{FF2B5EF4-FFF2-40B4-BE49-F238E27FC236}">
+                <a16:creationId xmlns:a16="http://schemas.microsoft.com/office/drawing/2014/main" id="{2D230216-22AB-9210-9403-1BC8CA9D5985}"/>
+              </a:ext>
+            </a:extLst>
+          </p:cNvPr>
+          <p:cNvSpPr txBox="1"/>
+          <p:nvPr/>
+        </p:nvSpPr>
+        <p:spPr>
+          <a:xfrm>
+            <a:off x="6373906" y="4806442"/>
+            <a:ext cx="5197784" cy="1767113"/>
+          </a:xfrm>
+          <a:prstGeom prst="rect">
+            <a:avLst/>
+          </a:prstGeom>
+          <a:noFill/>
+        </p:spPr>
+        <p:txBody>
+          <a:bodyPr wrap="square" rtlCol="0">
+            <a:noAutofit/>
+          </a:bodyPr>
+          <a:lstStyle/>
+          <a:p>
+            <a:r>
+              <a:rPr lang="en-US"/>
+              <a:t>Context information as input to the KDF for domain separation and </a:t>
+            </a:r>
+            <a:r>
+              <a:rPr lang="en-US" sz="1800">
+                <a:effectLst/>
+                <a:latin typeface="Calibri" panose="020F0502020204030204" pitchFamily="34" charset="0"/>
+                <a:ea typeface="Times New Roman" panose="02020603050405020304" pitchFamily="18" charset="0"/>
+              </a:rPr>
+              <a:t>for ensuring uniqueness of </a:t>
+            </a:r>
+            <a:r>
+              <a:rPr lang="en-US"/>
+              <a:t>MAC-keys.</a:t>
+            </a:r>
+          </a:p>
+          <a:p>
+            <a:r>
+              <a:rPr lang="en-US"/>
+              <a:t>Uses </a:t>
+            </a:r>
+            <a:r>
+              <a:rPr lang="en-US" err="1"/>
+              <a:t>transactionID</a:t>
+            </a:r>
+            <a:r>
+              <a:rPr lang="en-US"/>
+              <a:t> from the message containing the </a:t>
+            </a:r>
+            <a:r>
+              <a:rPr lang="en-US" err="1"/>
+              <a:t>KemCiphertextInfoValue.ct</a:t>
+            </a:r>
+            <a:r>
+              <a:rPr lang="en-US"/>
+              <a:t>.</a:t>
+            </a:r>
+          </a:p>
+          <a:p>
+            <a:r>
+              <a:rPr lang="en-US"/>
+              <a:t>Optional </a:t>
+            </a:r>
+            <a:r>
+              <a:rPr lang="en-US" err="1"/>
+              <a:t>kemContext</a:t>
+            </a:r>
+            <a:r>
+              <a:rPr lang="en-US"/>
+              <a:t> if needed with the used KEM algorithm like </a:t>
+            </a:r>
+            <a:r>
+              <a:rPr lang="en-US" err="1"/>
+              <a:t>ukm</a:t>
+            </a:r>
+            <a:r>
+              <a:rPr lang="en-US"/>
+              <a:t> in </a:t>
+            </a:r>
+            <a:r>
+              <a:rPr lang="en-US" err="1"/>
+              <a:t>cms-kemri</a:t>
+            </a:r>
+            <a:r>
+              <a:rPr lang="en-US"/>
+              <a:t>.</a:t>
+            </a:r>
+          </a:p>
+        </p:txBody>
+      </p:sp>
+      <p:cxnSp>
+        <p:nvCxnSpPr>
+          <p:cNvPr id="11" name="Gerader Verbinder 10">
+            <a:extLst>
+              <a:ext uri="{FF2B5EF4-FFF2-40B4-BE49-F238E27FC236}">
+                <a16:creationId xmlns:a16="http://schemas.microsoft.com/office/drawing/2014/main" id="{278A49CE-C9FE-BF61-ADB6-3177B27B07BB}"/>
+              </a:ext>
+            </a:extLst>
+          </p:cNvPr>
+          <p:cNvCxnSpPr>
+            <a:cxnSpLocks/>
+          </p:cNvCxnSpPr>
+          <p:nvPr/>
+        </p:nvCxnSpPr>
+        <p:spPr>
+          <a:xfrm>
+            <a:off x="748550" y="3356688"/>
+            <a:ext cx="10780059" cy="0"/>
+          </a:xfrm>
+          <a:prstGeom prst="line">
+            <a:avLst/>
+          </a:prstGeom>
+        </p:spPr>
+        <p:style>
+          <a:lnRef idx="1">
+            <a:schemeClr val="dk1"/>
+          </a:lnRef>
+          <a:fillRef idx="0">
+            <a:schemeClr val="dk1"/>
+          </a:fillRef>
+          <a:effectRef idx="0">
+            <a:schemeClr val="dk1"/>
+          </a:effectRef>
+          <a:fontRef idx="minor">
+            <a:schemeClr val="tx1"/>
+          </a:fontRef>
+        </p:style>
+      </p:cxnSp>
+      <p:cxnSp>
+        <p:nvCxnSpPr>
+          <p:cNvPr id="12" name="Gerader Verbinder 11">
+            <a:extLst>
+              <a:ext uri="{FF2B5EF4-FFF2-40B4-BE49-F238E27FC236}">
+                <a16:creationId xmlns:a16="http://schemas.microsoft.com/office/drawing/2014/main" id="{04BADE3F-7D79-344C-A77A-EA443AB2A4C7}"/>
+              </a:ext>
+            </a:extLst>
+          </p:cNvPr>
+          <p:cNvCxnSpPr>
+            <a:cxnSpLocks/>
+          </p:cNvCxnSpPr>
+          <p:nvPr/>
+        </p:nvCxnSpPr>
+        <p:spPr>
+          <a:xfrm>
+            <a:off x="748550" y="4831870"/>
+            <a:ext cx="10780059" cy="0"/>
+          </a:xfrm>
+          <a:prstGeom prst="line">
+            <a:avLst/>
+          </a:prstGeom>
+        </p:spPr>
+        <p:style>
+          <a:lnRef idx="1">
+            <a:schemeClr val="dk1"/>
+          </a:lnRef>
+          <a:fillRef idx="0">
+            <a:schemeClr val="dk1"/>
+          </a:fillRef>
+          <a:effectRef idx="0">
+            <a:schemeClr val="dk1"/>
+          </a:effectRef>
+          <a:fontRef idx="minor">
+            <a:schemeClr val="tx1"/>
+          </a:fontRef>
+        </p:style>
+      </p:cxnSp>
     </p:spTree>
     <p:extLst>
       <p:ext uri="{BB962C8B-B14F-4D97-AF65-F5344CB8AC3E}">
-        <p14:creationId xmlns:p14="http://schemas.microsoft.com/office/powerpoint/2010/main" val="1886210438"/>
+        <p14:creationId xmlns:p14="http://schemas.microsoft.com/office/powerpoint/2010/main" val="2858083722"/>
       </p:ext>
     </p:extLst>
   </p:cSld>
@@ -3754,7 +4569,7 @@
           <p:cNvPr id="2" name="Titel 1">
             <a:extLst>
               <a:ext uri="{FF2B5EF4-FFF2-40B4-BE49-F238E27FC236}">
-                <a16:creationId xmlns:a16="http://schemas.microsoft.com/office/drawing/2014/main" id="{56D4EF8A-70EA-4913-D67C-48E857B62A86}"/>
+                <a16:creationId xmlns:a16="http://schemas.microsoft.com/office/drawing/2014/main" id="{0C877D99-5B69-8804-9635-3889E2089936}"/>
               </a:ext>
             </a:extLst>
           </p:cNvPr>
@@ -3771,397 +4586,18 @@
           <a:lstStyle/>
           <a:p>
             <a:r>
-              <a:rPr lang="en-US" dirty="0"/>
-              <a:t>Introducing new </a:t>
-            </a:r>
-            <a:r>
-              <a:rPr lang="en-US" dirty="0" err="1"/>
-              <a:t>InfoTypeAndValue</a:t>
-            </a:r>
-            <a:r>
-              <a:rPr lang="en-US" dirty="0"/>
-              <a:t> </a:t>
-            </a:r>
-            <a:r>
-              <a:rPr lang="en-US" dirty="0" err="1"/>
-              <a:t>HPKECiphertext</a:t>
-            </a:r>
-            <a:r>
-              <a:rPr lang="en-US" dirty="0"/>
-              <a:t> and </a:t>
-            </a:r>
-            <a:r>
-              <a:rPr lang="en-US" dirty="0" err="1"/>
-              <a:t>sigPubKEMKey</a:t>
-            </a:r>
-            <a:endParaRPr lang="en-US" dirty="0"/>
+              <a:rPr lang="en-US"/>
+              <a:t>Client owns KEM key pair</a:t>
+            </a:r>
           </a:p>
         </p:txBody>
       </p:sp>
       <p:sp>
         <p:nvSpPr>
-          <p:cNvPr id="6" name="Inhaltsplatzhalter 5">
-            <a:extLst>
-              <a:ext uri="{FF2B5EF4-FFF2-40B4-BE49-F238E27FC236}">
-                <a16:creationId xmlns:a16="http://schemas.microsoft.com/office/drawing/2014/main" id="{014C6EDD-223A-4168-1155-E9E9BB1CEE49}"/>
-              </a:ext>
-            </a:extLst>
-          </p:cNvPr>
-          <p:cNvSpPr>
-            <a:spLocks noGrp="1"/>
-          </p:cNvSpPr>
-          <p:nvPr>
-            <p:ph sz="half" idx="1"/>
-          </p:nvPr>
-        </p:nvSpPr>
-        <p:spPr/>
-        <p:txBody>
-          <a:bodyPr>
-            <a:normAutofit fontScale="55000" lnSpcReduction="20000"/>
-          </a:bodyPr>
-          <a:lstStyle/>
-          <a:p>
-            <a:pPr marL="0" indent="0">
-              <a:buNone/>
-            </a:pPr>
-            <a:r>
-              <a:rPr lang="en-US" dirty="0"/>
-              <a:t>The </a:t>
-            </a:r>
-            <a:r>
-              <a:rPr lang="en-US" dirty="0" err="1"/>
-              <a:t>InfoTypeAndValue</a:t>
-            </a:r>
-            <a:r>
-              <a:rPr lang="en-US" dirty="0"/>
-              <a:t> can be used in general messages as well as in the </a:t>
-            </a:r>
-            <a:r>
-              <a:rPr lang="en-US" dirty="0" err="1"/>
-              <a:t>generalInfo</a:t>
-            </a:r>
-            <a:r>
-              <a:rPr lang="en-US" dirty="0"/>
-              <a:t> field in the header of any message.</a:t>
-            </a:r>
-          </a:p>
-          <a:p>
-            <a:pPr marL="0" indent="0">
-              <a:buNone/>
-            </a:pPr>
-            <a:endParaRPr lang="en-US" dirty="0"/>
-          </a:p>
-          <a:p>
-            <a:pPr marL="0" indent="0">
-              <a:buNone/>
-            </a:pPr>
-            <a:r>
-              <a:rPr lang="en-US" dirty="0" err="1"/>
-              <a:t>GenMsg</a:t>
-            </a:r>
-            <a:r>
-              <a:rPr lang="en-US" dirty="0"/>
-              <a:t>:    {id-it 24}, &lt; absent &gt;</a:t>
-            </a:r>
-          </a:p>
-          <a:p>
-            <a:pPr marL="0" indent="0">
-              <a:buNone/>
-            </a:pPr>
-            <a:r>
-              <a:rPr lang="en-US" dirty="0" err="1"/>
-              <a:t>GenRep</a:t>
-            </a:r>
-            <a:r>
-              <a:rPr lang="en-US" dirty="0"/>
-              <a:t>:    {id-it 24}, OCTET STRING</a:t>
-            </a:r>
-          </a:p>
-          <a:p>
-            <a:pPr marL="0" indent="0">
-              <a:buNone/>
-            </a:pPr>
-            <a:endParaRPr lang="en-US" dirty="0"/>
-          </a:p>
-          <a:p>
-            <a:pPr marL="0" indent="0">
-              <a:buNone/>
-            </a:pPr>
-            <a:r>
-              <a:rPr lang="en-US" dirty="0"/>
-              <a:t>id-it-</a:t>
-            </a:r>
-            <a:r>
-              <a:rPr lang="en-US" dirty="0" err="1"/>
-              <a:t>HPKECiphertext</a:t>
-            </a:r>
-            <a:r>
-              <a:rPr lang="en-US" dirty="0"/>
-              <a:t> OBJECT IDENTIFIER ::= {id-it 24}</a:t>
-            </a:r>
-          </a:p>
-          <a:p>
-            <a:pPr marL="0" indent="0">
-              <a:buNone/>
-            </a:pPr>
-            <a:r>
-              <a:rPr lang="en-US" dirty="0"/>
-              <a:t>  </a:t>
-            </a:r>
-            <a:r>
-              <a:rPr lang="en-US" dirty="0" err="1"/>
-              <a:t>HPKECiphertext</a:t>
-            </a:r>
-            <a:r>
-              <a:rPr lang="en-US" dirty="0"/>
-              <a:t> ::= SEQUENCE {</a:t>
-            </a:r>
-          </a:p>
-          <a:p>
-            <a:pPr marL="0" indent="0">
-              <a:buNone/>
-            </a:pPr>
-            <a:r>
-              <a:rPr lang="en-US" dirty="0"/>
-              <a:t>    </a:t>
-            </a:r>
-            <a:r>
-              <a:rPr lang="en-US" dirty="0" err="1"/>
-              <a:t>kem</a:t>
-            </a:r>
-            <a:r>
-              <a:rPr lang="en-US" dirty="0"/>
-              <a:t>              </a:t>
-            </a:r>
-            <a:r>
-              <a:rPr lang="en-US" dirty="0" err="1"/>
-              <a:t>AlgorithmIdentifier</a:t>
-            </a:r>
-            <a:r>
-              <a:rPr lang="en-US" dirty="0"/>
-              <a:t>,</a:t>
-            </a:r>
-          </a:p>
-          <a:p>
-            <a:pPr marL="0" indent="0">
-              <a:buNone/>
-            </a:pPr>
-            <a:r>
-              <a:rPr lang="en-US" dirty="0"/>
-              <a:t>  -- </a:t>
-            </a:r>
-            <a:r>
-              <a:rPr lang="en-US" dirty="0" err="1"/>
-              <a:t>AlgId</a:t>
-            </a:r>
-            <a:r>
-              <a:rPr lang="en-US" dirty="0"/>
-              <a:t> for a Key Encapsulation Mechanism</a:t>
-            </a:r>
-          </a:p>
-          <a:p>
-            <a:pPr marL="0" indent="0">
-              <a:buNone/>
-            </a:pPr>
-            <a:r>
-              <a:rPr lang="en-US" dirty="0"/>
-              <a:t>    </a:t>
-            </a:r>
-            <a:r>
-              <a:rPr lang="en-US" dirty="0" err="1"/>
-              <a:t>kdf</a:t>
-            </a:r>
-            <a:r>
-              <a:rPr lang="en-US" dirty="0"/>
-              <a:t>              </a:t>
-            </a:r>
-            <a:r>
-              <a:rPr lang="en-US" dirty="0" err="1"/>
-              <a:t>AlgorithmIdentifier</a:t>
-            </a:r>
-            <a:r>
-              <a:rPr lang="en-US" dirty="0"/>
-              <a:t>,</a:t>
-            </a:r>
-          </a:p>
-          <a:p>
-            <a:pPr marL="0" indent="0">
-              <a:buNone/>
-            </a:pPr>
-            <a:r>
-              <a:rPr lang="en-US" dirty="0"/>
-              <a:t>  -- </a:t>
-            </a:r>
-            <a:r>
-              <a:rPr lang="en-US" dirty="0" err="1"/>
-              <a:t>AlgId</a:t>
-            </a:r>
-            <a:r>
-              <a:rPr lang="en-US" dirty="0"/>
-              <a:t> for a Key </a:t>
-            </a:r>
-            <a:r>
-              <a:rPr lang="en-US" dirty="0" err="1"/>
-              <a:t>Derication</a:t>
-            </a:r>
-            <a:r>
-              <a:rPr lang="en-US" dirty="0"/>
-              <a:t> Function</a:t>
-            </a:r>
-          </a:p>
-          <a:p>
-            <a:pPr marL="0" indent="0">
-              <a:buNone/>
-            </a:pPr>
-            <a:r>
-              <a:rPr lang="en-US" dirty="0"/>
-              <a:t>    enc              OCTET STRING</a:t>
-            </a:r>
-          </a:p>
-          <a:p>
-            <a:pPr marL="0" indent="0">
-              <a:buNone/>
-            </a:pPr>
-            <a:r>
-              <a:rPr lang="en-US" dirty="0"/>
-              <a:t>  -- Encrypted symmetric key from HPKE </a:t>
-            </a:r>
-            <a:r>
-              <a:rPr lang="en-US" dirty="0" err="1"/>
-              <a:t>SendExportBase</a:t>
-            </a:r>
-            <a:endParaRPr lang="en-US" dirty="0"/>
-          </a:p>
-          <a:p>
-            <a:pPr marL="0" indent="0">
-              <a:buNone/>
-            </a:pPr>
-            <a:r>
-              <a:rPr lang="en-US" dirty="0"/>
-              <a:t>    }</a:t>
-            </a:r>
-          </a:p>
-          <a:p>
-            <a:endParaRPr lang="en-US" dirty="0"/>
-          </a:p>
-        </p:txBody>
-      </p:sp>
-      <p:sp>
-        <p:nvSpPr>
-          <p:cNvPr id="7" name="Inhaltsplatzhalter 6">
-            <a:extLst>
-              <a:ext uri="{FF2B5EF4-FFF2-40B4-BE49-F238E27FC236}">
-                <a16:creationId xmlns:a16="http://schemas.microsoft.com/office/drawing/2014/main" id="{016FC2A4-4504-6697-A2CE-56760E4449B5}"/>
-              </a:ext>
-            </a:extLst>
-          </p:cNvPr>
-          <p:cNvSpPr>
-            <a:spLocks noGrp="1"/>
-          </p:cNvSpPr>
-          <p:nvPr>
-            <p:ph sz="half" idx="2"/>
-          </p:nvPr>
-        </p:nvSpPr>
-        <p:spPr/>
-        <p:txBody>
-          <a:bodyPr>
-            <a:normAutofit fontScale="55000" lnSpcReduction="20000"/>
-          </a:bodyPr>
-          <a:lstStyle/>
-          <a:p>
-            <a:pPr marL="0" indent="0">
-              <a:buNone/>
-            </a:pPr>
-            <a:br>
-              <a:rPr lang="en-US" dirty="0"/>
-            </a:br>
-            <a:endParaRPr lang="en-US" dirty="0"/>
-          </a:p>
-          <a:p>
-            <a:pPr marL="0" indent="0">
-              <a:buNone/>
-            </a:pPr>
-            <a:endParaRPr lang="en-US" dirty="0"/>
-          </a:p>
-          <a:p>
-            <a:pPr marL="0" indent="0">
-              <a:buNone/>
-            </a:pPr>
-            <a:r>
-              <a:rPr lang="en-US" dirty="0" err="1"/>
-              <a:t>GenMsg</a:t>
-            </a:r>
-            <a:r>
-              <a:rPr lang="en-US" dirty="0"/>
-              <a:t>:    {id-it 25}, &lt; absent &gt;</a:t>
-            </a:r>
-          </a:p>
-          <a:p>
-            <a:pPr marL="0" indent="0">
-              <a:buNone/>
-            </a:pPr>
-            <a:r>
-              <a:rPr lang="en-US" dirty="0" err="1"/>
-              <a:t>GenRep</a:t>
-            </a:r>
-            <a:r>
-              <a:rPr lang="en-US" dirty="0"/>
-              <a:t>:    {id-it 25}, OCTET STRING</a:t>
-            </a:r>
-          </a:p>
-          <a:p>
-            <a:pPr marL="0" indent="0">
-              <a:buNone/>
-            </a:pPr>
-            <a:endParaRPr lang="en-US" dirty="0"/>
-          </a:p>
-          <a:p>
-            <a:pPr marL="0" indent="0">
-              <a:buNone/>
-            </a:pPr>
-            <a:r>
-              <a:rPr lang="en-US" dirty="0"/>
-              <a:t>id-it-</a:t>
-            </a:r>
-            <a:r>
-              <a:rPr lang="en-US" dirty="0" err="1"/>
-              <a:t>sigPubKEMKey</a:t>
-            </a:r>
-            <a:r>
-              <a:rPr lang="en-US" dirty="0"/>
-              <a:t> OBJECT IDENTIFIER ::= {id-it 24}</a:t>
-            </a:r>
-          </a:p>
-          <a:p>
-            <a:pPr marL="0" indent="0">
-              <a:buNone/>
-            </a:pPr>
-            <a:r>
-              <a:rPr lang="en-US" dirty="0"/>
-              <a:t>   </a:t>
-            </a:r>
-            <a:r>
-              <a:rPr lang="en-US" dirty="0" err="1"/>
-              <a:t>sigPubKEMKey</a:t>
-            </a:r>
-            <a:r>
-              <a:rPr lang="en-US" dirty="0"/>
-              <a:t> ::= </a:t>
-            </a:r>
-            <a:r>
-              <a:rPr lang="en-US" dirty="0" err="1"/>
-              <a:t>SignedData</a:t>
-            </a:r>
-            <a:endParaRPr lang="de-DE" dirty="0"/>
-          </a:p>
-        </p:txBody>
-      </p:sp>
-      <p:sp>
-        <p:nvSpPr>
-          <p:cNvPr id="3" name="Datumsplatzhalter 2">
-            <a:extLst>
-              <a:ext uri="{FF2B5EF4-FFF2-40B4-BE49-F238E27FC236}">
-                <a16:creationId xmlns:a16="http://schemas.microsoft.com/office/drawing/2014/main" id="{010E5547-306C-F964-759D-D093C1ADC1A7}"/>
+          <p:cNvPr id="4" name="Datumsplatzhalter 3">
+            <a:extLst>
+              <a:ext uri="{FF2B5EF4-FFF2-40B4-BE49-F238E27FC236}">
+                <a16:creationId xmlns:a16="http://schemas.microsoft.com/office/drawing/2014/main" id="{03771BBF-9381-6849-B52A-854305209FE6}"/>
               </a:ext>
             </a:extLst>
           </p:cNvPr>
@@ -4179,17 +4615,17 @@
           <a:p>
             <a:r>
               <a:rPr lang="en-US"/>
-              <a:t>November 2022</a:t>
+              <a:t>March 2024</a:t>
             </a:r>
           </a:p>
         </p:txBody>
       </p:sp>
       <p:sp>
         <p:nvSpPr>
-          <p:cNvPr id="4" name="Fußzeilenplatzhalter 3">
-            <a:extLst>
-              <a:ext uri="{FF2B5EF4-FFF2-40B4-BE49-F238E27FC236}">
-                <a16:creationId xmlns:a16="http://schemas.microsoft.com/office/drawing/2014/main" id="{7AD4969E-EA51-89F0-B6ED-C7A2C70DB3E4}"/>
+          <p:cNvPr id="5" name="Fußzeilenplatzhalter 4">
+            <a:extLst>
+              <a:ext uri="{FF2B5EF4-FFF2-40B4-BE49-F238E27FC236}">
+                <a16:creationId xmlns:a16="http://schemas.microsoft.com/office/drawing/2014/main" id="{38576BDF-AF08-0051-CC49-E06C902D1AB9}"/>
               </a:ext>
             </a:extLst>
           </p:cNvPr>
@@ -4206,7 +4642,7 @@
           <a:lstStyle/>
           <a:p>
             <a:r>
-              <a:rPr lang="en-US" dirty="0"/>
+              <a:rPr lang="en-US"/>
               <a:t>Hendrik Brockhaus - Siemens</a:t>
             </a:r>
           </a:p>
@@ -4214,10 +4650,10 @@
       </p:sp>
       <p:sp>
         <p:nvSpPr>
-          <p:cNvPr id="5" name="Foliennummernplatzhalter 4">
-            <a:extLst>
-              <a:ext uri="{FF2B5EF4-FFF2-40B4-BE49-F238E27FC236}">
-                <a16:creationId xmlns:a16="http://schemas.microsoft.com/office/drawing/2014/main" id="{4482BF31-7118-7599-C025-8F6804E6CA6D}"/>
+          <p:cNvPr id="6" name="Foliennummernplatzhalter 5">
+            <a:extLst>
+              <a:ext uri="{FF2B5EF4-FFF2-40B4-BE49-F238E27FC236}">
+                <a16:creationId xmlns:a16="http://schemas.microsoft.com/office/drawing/2014/main" id="{786190B3-34E9-D9BA-1773-646FD0264B9D}"/>
               </a:ext>
             </a:extLst>
           </p:cNvPr>
@@ -4235,17 +4671,1359 @@
           <a:p>
             <a:fld id="{104F53CC-0028-4916-8B93-0EBFFB2C7AAD}" type="slidenum">
               <a:rPr lang="en-US" smtClean="0"/>
-              <a:pPr/>
               <a:t>3</a:t>
             </a:fld>
             <a:endParaRPr lang="en-US"/>
           </a:p>
         </p:txBody>
       </p:sp>
+      <p:sp>
+        <p:nvSpPr>
+          <p:cNvPr id="7" name="Textfeld 6">
+            <a:extLst>
+              <a:ext uri="{FF2B5EF4-FFF2-40B4-BE49-F238E27FC236}">
+                <a16:creationId xmlns:a16="http://schemas.microsoft.com/office/drawing/2014/main" id="{CE02BBFB-E5F4-1CA6-D87C-D18460545BB0}"/>
+              </a:ext>
+            </a:extLst>
+          </p:cNvPr>
+          <p:cNvSpPr txBox="1"/>
+          <p:nvPr/>
+        </p:nvSpPr>
+        <p:spPr>
+          <a:xfrm>
+            <a:off x="1433850" y="1379446"/>
+            <a:ext cx="1551900" cy="615553"/>
+          </a:xfrm>
+          <a:prstGeom prst="rect">
+            <a:avLst/>
+          </a:prstGeom>
+          <a:noFill/>
+        </p:spPr>
+        <p:txBody>
+          <a:bodyPr wrap="none" rtlCol="0">
+            <a:spAutoFit/>
+          </a:bodyPr>
+          <a:lstStyle/>
+          <a:p>
+            <a:pPr algn="ctr"/>
+            <a:r>
+              <a:rPr lang="en-US" sz="2000"/>
+              <a:t>CMP Client</a:t>
+            </a:r>
+          </a:p>
+          <a:p>
+            <a:pPr algn="ctr"/>
+            <a:r>
+              <a:rPr lang="en-US" sz="1400" err="1"/>
+              <a:t>clientKemCert</a:t>
+            </a:r>
+            <a:r>
+              <a:rPr lang="en-US" sz="1400"/>
+              <a:t>, </a:t>
+            </a:r>
+            <a:r>
+              <a:rPr lang="en-US" sz="1400" err="1"/>
+              <a:t>skC</a:t>
+            </a:r>
+            <a:endParaRPr lang="en-US" sz="1400"/>
+          </a:p>
+        </p:txBody>
+      </p:sp>
+      <p:sp>
+        <p:nvSpPr>
+          <p:cNvPr id="8" name="Textfeld 7">
+            <a:extLst>
+              <a:ext uri="{FF2B5EF4-FFF2-40B4-BE49-F238E27FC236}">
+                <a16:creationId xmlns:a16="http://schemas.microsoft.com/office/drawing/2014/main" id="{B8361719-8448-57CD-5D76-D73E8CB4E430}"/>
+              </a:ext>
+            </a:extLst>
+          </p:cNvPr>
+          <p:cNvSpPr txBox="1"/>
+          <p:nvPr/>
+        </p:nvSpPr>
+        <p:spPr>
+          <a:xfrm>
+            <a:off x="9449293" y="1379446"/>
+            <a:ext cx="1401216" cy="400110"/>
+          </a:xfrm>
+          <a:prstGeom prst="rect">
+            <a:avLst/>
+          </a:prstGeom>
+          <a:noFill/>
+        </p:spPr>
+        <p:txBody>
+          <a:bodyPr wrap="none" rtlCol="0">
+            <a:spAutoFit/>
+          </a:bodyPr>
+          <a:lstStyle/>
+          <a:p>
+            <a:pPr algn="ctr"/>
+            <a:r>
+              <a:rPr lang="en-US" sz="2000"/>
+              <a:t>CMP Server</a:t>
+            </a:r>
+          </a:p>
+        </p:txBody>
+      </p:sp>
+      <p:cxnSp>
+        <p:nvCxnSpPr>
+          <p:cNvPr id="10" name="Gerader Verbinder 9">
+            <a:extLst>
+              <a:ext uri="{FF2B5EF4-FFF2-40B4-BE49-F238E27FC236}">
+                <a16:creationId xmlns:a16="http://schemas.microsoft.com/office/drawing/2014/main" id="{86EE2EDF-D4BE-7863-5300-3506830EE3C7}"/>
+              </a:ext>
+            </a:extLst>
+          </p:cNvPr>
+          <p:cNvCxnSpPr>
+            <a:cxnSpLocks/>
+            <a:stCxn id="7" idx="2"/>
+          </p:cNvCxnSpPr>
+          <p:nvPr/>
+        </p:nvCxnSpPr>
+        <p:spPr>
+          <a:xfrm>
+            <a:off x="2209800" y="1994999"/>
+            <a:ext cx="0" cy="4442376"/>
+          </a:xfrm>
+          <a:prstGeom prst="line">
+            <a:avLst/>
+          </a:prstGeom>
+          <a:ln w="19050"/>
+        </p:spPr>
+        <p:style>
+          <a:lnRef idx="1">
+            <a:schemeClr val="accent1"/>
+          </a:lnRef>
+          <a:fillRef idx="0">
+            <a:schemeClr val="accent1"/>
+          </a:fillRef>
+          <a:effectRef idx="0">
+            <a:schemeClr val="accent1"/>
+          </a:effectRef>
+          <a:fontRef idx="minor">
+            <a:schemeClr val="tx1"/>
+          </a:fontRef>
+        </p:style>
+      </p:cxnSp>
+      <p:cxnSp>
+        <p:nvCxnSpPr>
+          <p:cNvPr id="11" name="Gerader Verbinder 10">
+            <a:extLst>
+              <a:ext uri="{FF2B5EF4-FFF2-40B4-BE49-F238E27FC236}">
+                <a16:creationId xmlns:a16="http://schemas.microsoft.com/office/drawing/2014/main" id="{BCFB8EA3-2D88-C97D-BA2D-AAD8B5D8B45E}"/>
+              </a:ext>
+            </a:extLst>
+          </p:cNvPr>
+          <p:cNvCxnSpPr>
+            <a:cxnSpLocks/>
+            <a:stCxn id="8" idx="2"/>
+          </p:cNvCxnSpPr>
+          <p:nvPr/>
+        </p:nvCxnSpPr>
+        <p:spPr>
+          <a:xfrm>
+            <a:off x="10149901" y="1779556"/>
+            <a:ext cx="1" cy="4657819"/>
+          </a:xfrm>
+          <a:prstGeom prst="line">
+            <a:avLst/>
+          </a:prstGeom>
+          <a:ln w="19050"/>
+        </p:spPr>
+        <p:style>
+          <a:lnRef idx="1">
+            <a:schemeClr val="accent1"/>
+          </a:lnRef>
+          <a:fillRef idx="0">
+            <a:schemeClr val="accent1"/>
+          </a:fillRef>
+          <a:effectRef idx="0">
+            <a:schemeClr val="accent1"/>
+          </a:effectRef>
+          <a:fontRef idx="minor">
+            <a:schemeClr val="tx1"/>
+          </a:fontRef>
+        </p:style>
+      </p:cxnSp>
+      <p:cxnSp>
+        <p:nvCxnSpPr>
+          <p:cNvPr id="22" name="Gerade Verbindung mit Pfeil 21">
+            <a:extLst>
+              <a:ext uri="{FF2B5EF4-FFF2-40B4-BE49-F238E27FC236}">
+                <a16:creationId xmlns:a16="http://schemas.microsoft.com/office/drawing/2014/main" id="{6D6A8808-B519-A510-F15A-592AC846CFDD}"/>
+              </a:ext>
+            </a:extLst>
+          </p:cNvPr>
+          <p:cNvCxnSpPr>
+            <a:cxnSpLocks/>
+          </p:cNvCxnSpPr>
+          <p:nvPr/>
+        </p:nvCxnSpPr>
+        <p:spPr>
+          <a:xfrm>
+            <a:off x="2225824" y="2558073"/>
+            <a:ext cx="7906099" cy="0"/>
+          </a:xfrm>
+          <a:prstGeom prst="straightConnector1">
+            <a:avLst/>
+          </a:prstGeom>
+          <a:ln w="19050">
+            <a:tailEnd type="triangle"/>
+          </a:ln>
+        </p:spPr>
+        <p:style>
+          <a:lnRef idx="1">
+            <a:schemeClr val="accent1"/>
+          </a:lnRef>
+          <a:fillRef idx="0">
+            <a:schemeClr val="accent1"/>
+          </a:fillRef>
+          <a:effectRef idx="0">
+            <a:schemeClr val="accent1"/>
+          </a:effectRef>
+          <a:fontRef idx="minor">
+            <a:schemeClr val="tx1"/>
+          </a:fontRef>
+        </p:style>
+      </p:cxnSp>
+      <p:cxnSp>
+        <p:nvCxnSpPr>
+          <p:cNvPr id="29" name="Gerade Verbindung mit Pfeil 28">
+            <a:extLst>
+              <a:ext uri="{FF2B5EF4-FFF2-40B4-BE49-F238E27FC236}">
+                <a16:creationId xmlns:a16="http://schemas.microsoft.com/office/drawing/2014/main" id="{62B20FAA-6351-2A57-D3CC-47EF529FF1C8}"/>
+              </a:ext>
+            </a:extLst>
+          </p:cNvPr>
+          <p:cNvCxnSpPr>
+            <a:cxnSpLocks/>
+          </p:cNvCxnSpPr>
+          <p:nvPr/>
+        </p:nvCxnSpPr>
+        <p:spPr>
+          <a:xfrm flipH="1">
+            <a:off x="2222451" y="3371861"/>
+            <a:ext cx="7909472" cy="0"/>
+          </a:xfrm>
+          <a:prstGeom prst="straightConnector1">
+            <a:avLst/>
+          </a:prstGeom>
+          <a:ln w="19050">
+            <a:tailEnd type="triangle"/>
+          </a:ln>
+        </p:spPr>
+        <p:style>
+          <a:lnRef idx="1">
+            <a:schemeClr val="accent1"/>
+          </a:lnRef>
+          <a:fillRef idx="0">
+            <a:schemeClr val="accent1"/>
+          </a:fillRef>
+          <a:effectRef idx="0">
+            <a:schemeClr val="accent1"/>
+          </a:effectRef>
+          <a:fontRef idx="minor">
+            <a:schemeClr val="tx1"/>
+          </a:fontRef>
+        </p:style>
+      </p:cxnSp>
+      <p:cxnSp>
+        <p:nvCxnSpPr>
+          <p:cNvPr id="16" name="Gerade Verbindung mit Pfeil 15">
+            <a:extLst>
+              <a:ext uri="{FF2B5EF4-FFF2-40B4-BE49-F238E27FC236}">
+                <a16:creationId xmlns:a16="http://schemas.microsoft.com/office/drawing/2014/main" id="{AEF30826-08A5-B328-0EA9-B63A955EBCF8}"/>
+              </a:ext>
+            </a:extLst>
+          </p:cNvPr>
+          <p:cNvCxnSpPr>
+            <a:cxnSpLocks/>
+          </p:cNvCxnSpPr>
+          <p:nvPr/>
+        </p:nvCxnSpPr>
+        <p:spPr>
+          <a:xfrm>
+            <a:off x="2225824" y="4500311"/>
+            <a:ext cx="7906099" cy="0"/>
+          </a:xfrm>
+          <a:prstGeom prst="straightConnector1">
+            <a:avLst/>
+          </a:prstGeom>
+          <a:ln w="19050">
+            <a:tailEnd type="triangle"/>
+          </a:ln>
+        </p:spPr>
+        <p:style>
+          <a:lnRef idx="1">
+            <a:schemeClr val="accent1"/>
+          </a:lnRef>
+          <a:fillRef idx="0">
+            <a:schemeClr val="accent1"/>
+          </a:fillRef>
+          <a:effectRef idx="0">
+            <a:schemeClr val="accent1"/>
+          </a:effectRef>
+          <a:fontRef idx="minor">
+            <a:schemeClr val="tx1"/>
+          </a:fontRef>
+        </p:style>
+      </p:cxnSp>
+      <p:cxnSp>
+        <p:nvCxnSpPr>
+          <p:cNvPr id="17" name="Gerade Verbindung mit Pfeil 16">
+            <a:extLst>
+              <a:ext uri="{FF2B5EF4-FFF2-40B4-BE49-F238E27FC236}">
+                <a16:creationId xmlns:a16="http://schemas.microsoft.com/office/drawing/2014/main" id="{8E080F09-FA68-36CE-BDE9-10553491405A}"/>
+              </a:ext>
+            </a:extLst>
+          </p:cNvPr>
+          <p:cNvCxnSpPr>
+            <a:cxnSpLocks/>
+          </p:cNvCxnSpPr>
+          <p:nvPr/>
+        </p:nvCxnSpPr>
+        <p:spPr>
+          <a:xfrm flipH="1">
+            <a:off x="2222451" y="5524621"/>
+            <a:ext cx="7909472" cy="0"/>
+          </a:xfrm>
+          <a:prstGeom prst="straightConnector1">
+            <a:avLst/>
+          </a:prstGeom>
+          <a:ln w="19050">
+            <a:tailEnd type="triangle"/>
+          </a:ln>
+        </p:spPr>
+        <p:style>
+          <a:lnRef idx="1">
+            <a:schemeClr val="accent1"/>
+          </a:lnRef>
+          <a:fillRef idx="0">
+            <a:schemeClr val="accent1"/>
+          </a:fillRef>
+          <a:effectRef idx="0">
+            <a:schemeClr val="accent1"/>
+          </a:effectRef>
+          <a:fontRef idx="minor">
+            <a:schemeClr val="tx1"/>
+          </a:fontRef>
+        </p:style>
+      </p:cxnSp>
+      <p:cxnSp>
+        <p:nvCxnSpPr>
+          <p:cNvPr id="24" name="Gerade Verbindung mit Pfeil 23">
+            <a:extLst>
+              <a:ext uri="{FF2B5EF4-FFF2-40B4-BE49-F238E27FC236}">
+                <a16:creationId xmlns:a16="http://schemas.microsoft.com/office/drawing/2014/main" id="{091F79C6-C48C-4DCE-0169-EC72E7D4A5A7}"/>
+              </a:ext>
+            </a:extLst>
+          </p:cNvPr>
+          <p:cNvCxnSpPr>
+            <a:cxnSpLocks/>
+          </p:cNvCxnSpPr>
+          <p:nvPr/>
+        </p:nvCxnSpPr>
+        <p:spPr>
+          <a:xfrm>
+            <a:off x="2209800" y="5922398"/>
+            <a:ext cx="7922123" cy="0"/>
+          </a:xfrm>
+          <a:prstGeom prst="straightConnector1">
+            <a:avLst/>
+          </a:prstGeom>
+          <a:ln w="19050">
+            <a:prstDash val="lgDash"/>
+            <a:tailEnd type="triangle"/>
+          </a:ln>
+        </p:spPr>
+        <p:style>
+          <a:lnRef idx="1">
+            <a:schemeClr val="accent1"/>
+          </a:lnRef>
+          <a:fillRef idx="0">
+            <a:schemeClr val="accent1"/>
+          </a:fillRef>
+          <a:effectRef idx="0">
+            <a:schemeClr val="accent1"/>
+          </a:effectRef>
+          <a:fontRef idx="minor">
+            <a:schemeClr val="tx1"/>
+          </a:fontRef>
+        </p:style>
+      </p:cxnSp>
+      <p:cxnSp>
+        <p:nvCxnSpPr>
+          <p:cNvPr id="25" name="Gerade Verbindung mit Pfeil 24">
+            <a:extLst>
+              <a:ext uri="{FF2B5EF4-FFF2-40B4-BE49-F238E27FC236}">
+                <a16:creationId xmlns:a16="http://schemas.microsoft.com/office/drawing/2014/main" id="{68DA8DA6-8894-FA7B-2F43-486F2CBAD58D}"/>
+              </a:ext>
+            </a:extLst>
+          </p:cNvPr>
+          <p:cNvCxnSpPr>
+            <a:cxnSpLocks/>
+          </p:cNvCxnSpPr>
+          <p:nvPr/>
+        </p:nvCxnSpPr>
+        <p:spPr>
+          <a:xfrm flipH="1">
+            <a:off x="2206427" y="6279530"/>
+            <a:ext cx="7925496" cy="0"/>
+          </a:xfrm>
+          <a:prstGeom prst="straightConnector1">
+            <a:avLst/>
+          </a:prstGeom>
+          <a:ln w="19050">
+            <a:prstDash val="lgDash"/>
+            <a:tailEnd type="triangle"/>
+          </a:ln>
+        </p:spPr>
+        <p:style>
+          <a:lnRef idx="1">
+            <a:schemeClr val="accent1"/>
+          </a:lnRef>
+          <a:fillRef idx="0">
+            <a:schemeClr val="accent1"/>
+          </a:fillRef>
+          <a:effectRef idx="0">
+            <a:schemeClr val="accent1"/>
+          </a:effectRef>
+          <a:fontRef idx="minor">
+            <a:schemeClr val="tx1"/>
+          </a:fontRef>
+        </p:style>
+      </p:cxnSp>
+      <p:sp>
+        <p:nvSpPr>
+          <p:cNvPr id="34" name="Textfeld 33">
+            <a:extLst>
+              <a:ext uri="{FF2B5EF4-FFF2-40B4-BE49-F238E27FC236}">
+                <a16:creationId xmlns:a16="http://schemas.microsoft.com/office/drawing/2014/main" id="{200F6189-FF01-1710-F3E0-28ADC42D4CFC}"/>
+              </a:ext>
+            </a:extLst>
+          </p:cNvPr>
+          <p:cNvSpPr txBox="1"/>
+          <p:nvPr/>
+        </p:nvSpPr>
+        <p:spPr>
+          <a:xfrm>
+            <a:off x="8825032" y="2610271"/>
+            <a:ext cx="2642711" cy="738664"/>
+          </a:xfrm>
+          <a:prstGeom prst="rect">
+            <a:avLst/>
+          </a:prstGeom>
+          <a:solidFill>
+            <a:schemeClr val="bg1"/>
+          </a:solidFill>
+        </p:spPr>
+        <p:txBody>
+          <a:bodyPr wrap="none" rtlCol="0">
+            <a:spAutoFit/>
+          </a:bodyPr>
+          <a:lstStyle/>
+          <a:p>
+            <a:pPr algn="ctr"/>
+            <a:r>
+              <a:rPr lang="en-US" sz="1400" err="1"/>
+              <a:t>clientKemCert</a:t>
+            </a:r>
+            <a:r>
+              <a:rPr lang="en-US" sz="1400"/>
+              <a:t> with </a:t>
+            </a:r>
+            <a:r>
+              <a:rPr lang="en-US" sz="1400" err="1"/>
+              <a:t>pkC</a:t>
+            </a:r>
+            <a:endParaRPr lang="en-US" sz="1400"/>
+          </a:p>
+          <a:p>
+            <a:pPr algn="ctr"/>
+            <a:r>
+              <a:rPr lang="en-US" sz="1400" err="1"/>
+              <a:t>kem.encapsulate</a:t>
+            </a:r>
+            <a:r>
+              <a:rPr lang="en-US" sz="1400"/>
+              <a:t>(</a:t>
+            </a:r>
+            <a:r>
+              <a:rPr lang="en-US" sz="1400" err="1"/>
+              <a:t>pkC</a:t>
+            </a:r>
+            <a:r>
+              <a:rPr lang="en-US" sz="1400"/>
+              <a:t>) </a:t>
+            </a:r>
+            <a:r>
+              <a:rPr lang="en-US" sz="1400">
+                <a:sym typeface="Wingdings" panose="05000000000000000000" pitchFamily="2" charset="2"/>
+              </a:rPr>
+              <a:t> </a:t>
+            </a:r>
+            <a:r>
+              <a:rPr lang="en-US" sz="1400"/>
+              <a:t>(</a:t>
+            </a:r>
+            <a:r>
+              <a:rPr lang="en-US" sz="1400" err="1"/>
+              <a:t>ct</a:t>
+            </a:r>
+            <a:r>
+              <a:rPr lang="en-US" sz="1400"/>
+              <a:t>, ss)</a:t>
+            </a:r>
+          </a:p>
+          <a:p>
+            <a:pPr algn="ctr"/>
+            <a:r>
+              <a:rPr lang="en-US" sz="1400" err="1"/>
+              <a:t>KemCiphertextInfo</a:t>
+            </a:r>
+            <a:r>
+              <a:rPr lang="en-US" sz="1400"/>
+              <a:t>(KEM </a:t>
+            </a:r>
+            <a:r>
+              <a:rPr lang="en-US" sz="1400" err="1"/>
+              <a:t>AlgID</a:t>
+            </a:r>
+            <a:r>
+              <a:rPr lang="en-US" sz="1400"/>
+              <a:t>, </a:t>
+            </a:r>
+            <a:r>
+              <a:rPr lang="en-US" sz="1400" err="1"/>
+              <a:t>ct</a:t>
+            </a:r>
+            <a:r>
+              <a:rPr lang="en-US" sz="1400"/>
+              <a:t>)</a:t>
+            </a:r>
+          </a:p>
+        </p:txBody>
+      </p:sp>
+      <p:sp>
+        <p:nvSpPr>
+          <p:cNvPr id="35" name="Textfeld 34">
+            <a:extLst>
+              <a:ext uri="{FF2B5EF4-FFF2-40B4-BE49-F238E27FC236}">
+                <a16:creationId xmlns:a16="http://schemas.microsoft.com/office/drawing/2014/main" id="{6D0677F9-0247-2502-82A9-95E76BADBB89}"/>
+              </a:ext>
+            </a:extLst>
+          </p:cNvPr>
+          <p:cNvSpPr txBox="1"/>
+          <p:nvPr/>
+        </p:nvSpPr>
+        <p:spPr>
+          <a:xfrm>
+            <a:off x="465695" y="3450617"/>
+            <a:ext cx="3513526" cy="954107"/>
+          </a:xfrm>
+          <a:prstGeom prst="rect">
+            <a:avLst/>
+          </a:prstGeom>
+          <a:solidFill>
+            <a:schemeClr val="bg1"/>
+          </a:solidFill>
+        </p:spPr>
+        <p:txBody>
+          <a:bodyPr wrap="none" rtlCol="0">
+            <a:spAutoFit/>
+          </a:bodyPr>
+          <a:lstStyle/>
+          <a:p>
+            <a:pPr algn="ctr"/>
+            <a:r>
+              <a:rPr lang="en-US" sz="1400" err="1"/>
+              <a:t>kem.decapsulate</a:t>
+            </a:r>
+            <a:r>
+              <a:rPr lang="en-US" sz="1400"/>
+              <a:t>(</a:t>
+            </a:r>
+            <a:r>
+              <a:rPr lang="en-US" sz="1400" err="1"/>
+              <a:t>skC</a:t>
+            </a:r>
+            <a:r>
+              <a:rPr lang="en-US" sz="1400"/>
+              <a:t>, </a:t>
+            </a:r>
+            <a:r>
+              <a:rPr lang="en-US" sz="1400" err="1"/>
+              <a:t>ct</a:t>
+            </a:r>
+            <a:r>
+              <a:rPr lang="en-US" sz="1400"/>
+              <a:t>) </a:t>
+            </a:r>
+            <a:r>
+              <a:rPr lang="en-US" sz="1400">
+                <a:sym typeface="Wingdings" panose="05000000000000000000" pitchFamily="2" charset="2"/>
+              </a:rPr>
+              <a:t> </a:t>
+            </a:r>
+            <a:r>
+              <a:rPr lang="en-US" sz="1400"/>
+              <a:t>ss</a:t>
+            </a:r>
+          </a:p>
+          <a:p>
+            <a:pPr algn="ctr"/>
+            <a:r>
+              <a:rPr lang="en-US" sz="1400" err="1"/>
+              <a:t>KemBMParameter</a:t>
+            </a:r>
+            <a:r>
+              <a:rPr lang="en-US" sz="1400"/>
+              <a:t>(KDF </a:t>
+            </a:r>
+            <a:r>
+              <a:rPr lang="en-US" sz="1400" err="1"/>
+              <a:t>AlgID</a:t>
+            </a:r>
+            <a:r>
+              <a:rPr lang="en-US" sz="1400"/>
+              <a:t>, </a:t>
+            </a:r>
+            <a:r>
+              <a:rPr lang="en-US" sz="1400" err="1"/>
+              <a:t>len</a:t>
+            </a:r>
+            <a:r>
+              <a:rPr lang="en-US" sz="1400"/>
+              <a:t>, MAC </a:t>
+            </a:r>
+            <a:r>
+              <a:rPr lang="en-US" sz="1400" err="1"/>
+              <a:t>AlgID</a:t>
+            </a:r>
+            <a:r>
+              <a:rPr lang="en-US" sz="1400"/>
+              <a:t>)</a:t>
+            </a:r>
+          </a:p>
+          <a:p>
+            <a:pPr algn="ctr"/>
+            <a:r>
+              <a:rPr lang="en-US" sz="1400">
+                <a:sym typeface="Wingdings" panose="05000000000000000000" pitchFamily="2" charset="2"/>
+              </a:rPr>
+              <a:t>DER-encoded </a:t>
+            </a:r>
+            <a:r>
+              <a:rPr lang="en-US" sz="1400" err="1">
+                <a:sym typeface="Wingdings" panose="05000000000000000000" pitchFamily="2" charset="2"/>
+              </a:rPr>
+              <a:t>KemOtherInfo</a:t>
+            </a:r>
+            <a:r>
+              <a:rPr lang="en-US" sz="1400">
+                <a:sym typeface="Wingdings" panose="05000000000000000000" pitchFamily="2" charset="2"/>
+              </a:rPr>
+              <a:t>  </a:t>
+            </a:r>
+            <a:r>
+              <a:rPr lang="en-US" sz="1400"/>
+              <a:t>context</a:t>
+            </a:r>
+            <a:endParaRPr lang="en-US" sz="1400">
+              <a:sym typeface="Wingdings" panose="05000000000000000000" pitchFamily="2" charset="2"/>
+            </a:endParaRPr>
+          </a:p>
+          <a:p>
+            <a:pPr algn="ctr"/>
+            <a:r>
+              <a:rPr lang="en-US" sz="1400" err="1"/>
+              <a:t>kdf</a:t>
+            </a:r>
+            <a:r>
+              <a:rPr lang="en-US" sz="1400"/>
+              <a:t>(ss, </a:t>
+            </a:r>
+            <a:r>
+              <a:rPr lang="en-US" sz="1400" err="1"/>
+              <a:t>len</a:t>
+            </a:r>
+            <a:r>
+              <a:rPr lang="en-US" sz="1400"/>
+              <a:t>, context) </a:t>
+            </a:r>
+            <a:r>
+              <a:rPr lang="en-US" sz="1400">
+                <a:sym typeface="Wingdings" panose="05000000000000000000" pitchFamily="2" charset="2"/>
+              </a:rPr>
+              <a:t> </a:t>
+            </a:r>
+            <a:r>
+              <a:rPr lang="en-US" sz="1400" err="1">
+                <a:sym typeface="Wingdings" panose="05000000000000000000" pitchFamily="2" charset="2"/>
+              </a:rPr>
+              <a:t>ssk</a:t>
+            </a:r>
+            <a:endParaRPr lang="en-US" sz="1400"/>
+          </a:p>
+        </p:txBody>
+      </p:sp>
+      <p:sp>
+        <p:nvSpPr>
+          <p:cNvPr id="36" name="Textfeld 35">
+            <a:extLst>
+              <a:ext uri="{FF2B5EF4-FFF2-40B4-BE49-F238E27FC236}">
+                <a16:creationId xmlns:a16="http://schemas.microsoft.com/office/drawing/2014/main" id="{932327E6-9DAE-4EC1-F2A0-8B769C52F433}"/>
+              </a:ext>
+            </a:extLst>
+          </p:cNvPr>
+          <p:cNvSpPr txBox="1"/>
+          <p:nvPr/>
+        </p:nvSpPr>
+        <p:spPr>
+          <a:xfrm>
+            <a:off x="4638500" y="1632810"/>
+            <a:ext cx="3172921" cy="954107"/>
+          </a:xfrm>
+          <a:prstGeom prst="rect">
+            <a:avLst/>
+          </a:prstGeom>
+          <a:noFill/>
+        </p:spPr>
+        <p:txBody>
+          <a:bodyPr wrap="none" rtlCol="0">
+            <a:spAutoFit/>
+          </a:bodyPr>
+          <a:lstStyle/>
+          <a:p>
+            <a:pPr algn="ctr"/>
+            <a:r>
+              <a:rPr lang="en-US" sz="1400" err="1"/>
+              <a:t>genm</a:t>
+            </a:r>
+            <a:r>
+              <a:rPr lang="en-US" sz="1400"/>
+              <a:t> message,</a:t>
+            </a:r>
+          </a:p>
+          <a:p>
+            <a:pPr algn="ctr"/>
+            <a:r>
+              <a:rPr lang="en-US" sz="1400" err="1"/>
+              <a:t>PKIBody.KemCiphertextInfoValue</a:t>
+            </a:r>
+            <a:r>
+              <a:rPr lang="en-US" sz="1400"/>
+              <a:t> absent,</a:t>
+            </a:r>
+          </a:p>
+          <a:p>
+            <a:pPr algn="ctr"/>
+            <a:r>
+              <a:rPr lang="en-US" sz="1400" err="1"/>
+              <a:t>clientKemCert</a:t>
+            </a:r>
+            <a:r>
+              <a:rPr lang="en-US" sz="1400"/>
+              <a:t> in </a:t>
+            </a:r>
+            <a:r>
+              <a:rPr lang="en-US" sz="1400" err="1"/>
+              <a:t>extraCerts</a:t>
+            </a:r>
+            <a:r>
+              <a:rPr lang="en-US" sz="1400"/>
+              <a:t>,</a:t>
+            </a:r>
+          </a:p>
+          <a:p>
+            <a:pPr algn="ctr"/>
+            <a:r>
+              <a:rPr lang="en-US" sz="1400" b="1"/>
+              <a:t>no message protection</a:t>
+            </a:r>
+          </a:p>
+        </p:txBody>
+      </p:sp>
+      <p:sp>
+        <p:nvSpPr>
+          <p:cNvPr id="37" name="Textfeld 36">
+            <a:extLst>
+              <a:ext uri="{FF2B5EF4-FFF2-40B4-BE49-F238E27FC236}">
+                <a16:creationId xmlns:a16="http://schemas.microsoft.com/office/drawing/2014/main" id="{2150A88D-982A-CC47-FB4F-E766AE51969F}"/>
+              </a:ext>
+            </a:extLst>
+          </p:cNvPr>
+          <p:cNvSpPr txBox="1"/>
+          <p:nvPr/>
+        </p:nvSpPr>
+        <p:spPr>
+          <a:xfrm>
+            <a:off x="4530457" y="2678529"/>
+            <a:ext cx="3325013" cy="738664"/>
+          </a:xfrm>
+          <a:prstGeom prst="rect">
+            <a:avLst/>
+          </a:prstGeom>
+          <a:noFill/>
+        </p:spPr>
+        <p:txBody>
+          <a:bodyPr wrap="none" rtlCol="0">
+            <a:spAutoFit/>
+          </a:bodyPr>
+          <a:lstStyle/>
+          <a:p>
+            <a:pPr algn="ctr"/>
+            <a:r>
+              <a:rPr lang="en-US" sz="1400" err="1"/>
+              <a:t>genp</a:t>
+            </a:r>
+            <a:r>
+              <a:rPr lang="en-US" sz="1400"/>
+              <a:t> message,</a:t>
+            </a:r>
+          </a:p>
+          <a:p>
+            <a:pPr algn="ctr"/>
+            <a:r>
+              <a:rPr lang="en-US" sz="1400" err="1"/>
+              <a:t>PKIBody.KemCiphertextInfoValue</a:t>
+            </a:r>
+            <a:r>
+              <a:rPr lang="en-US" sz="1400"/>
+              <a:t> present,</a:t>
+            </a:r>
+          </a:p>
+          <a:p>
+            <a:pPr algn="ctr"/>
+            <a:r>
+              <a:rPr lang="en-US" sz="1400" b="1"/>
+              <a:t>no message protection</a:t>
+            </a:r>
+          </a:p>
+        </p:txBody>
+      </p:sp>
+      <p:sp>
+        <p:nvSpPr>
+          <p:cNvPr id="39" name="Textfeld 38">
+            <a:extLst>
+              <a:ext uri="{FF2B5EF4-FFF2-40B4-BE49-F238E27FC236}">
+                <a16:creationId xmlns:a16="http://schemas.microsoft.com/office/drawing/2014/main" id="{A00D85E3-6E5A-8990-9429-0BE101918954}"/>
+              </a:ext>
+            </a:extLst>
+          </p:cNvPr>
+          <p:cNvSpPr txBox="1"/>
+          <p:nvPr/>
+        </p:nvSpPr>
+        <p:spPr>
+          <a:xfrm>
+            <a:off x="8496831" y="4555598"/>
+            <a:ext cx="3277757" cy="738664"/>
+          </a:xfrm>
+          <a:prstGeom prst="rect">
+            <a:avLst/>
+          </a:prstGeom>
+          <a:solidFill>
+            <a:schemeClr val="bg1"/>
+          </a:solidFill>
+        </p:spPr>
+        <p:txBody>
+          <a:bodyPr wrap="none" rtlCol="0">
+            <a:spAutoFit/>
+          </a:bodyPr>
+          <a:lstStyle/>
+          <a:p>
+            <a:pPr algn="ctr"/>
+            <a:r>
+              <a:rPr lang="en-US" sz="1400">
+                <a:sym typeface="Wingdings" panose="05000000000000000000" pitchFamily="2" charset="2"/>
+              </a:rPr>
+              <a:t>DER-encoded </a:t>
+            </a:r>
+            <a:r>
+              <a:rPr lang="en-US" sz="1400" err="1">
+                <a:sym typeface="Wingdings" panose="05000000000000000000" pitchFamily="2" charset="2"/>
+              </a:rPr>
+              <a:t>KemOtherInfo</a:t>
+            </a:r>
+            <a:r>
+              <a:rPr lang="en-US" sz="1400">
+                <a:sym typeface="Wingdings" panose="05000000000000000000" pitchFamily="2" charset="2"/>
+              </a:rPr>
+              <a:t>  </a:t>
+            </a:r>
+            <a:r>
+              <a:rPr lang="en-US" sz="1400"/>
+              <a:t>context</a:t>
+            </a:r>
+            <a:endParaRPr lang="en-US" sz="1400">
+              <a:sym typeface="Wingdings" panose="05000000000000000000" pitchFamily="2" charset="2"/>
+            </a:endParaRPr>
+          </a:p>
+          <a:p>
+            <a:pPr algn="ctr"/>
+            <a:r>
+              <a:rPr lang="en-US" sz="1400" err="1"/>
+              <a:t>kdf</a:t>
+            </a:r>
+            <a:r>
+              <a:rPr lang="en-US" sz="1400"/>
+              <a:t>(ss, </a:t>
+            </a:r>
+            <a:r>
+              <a:rPr lang="en-US" sz="1400" err="1"/>
+              <a:t>len</a:t>
+            </a:r>
+            <a:r>
+              <a:rPr lang="en-US" sz="1400"/>
+              <a:t>, context) </a:t>
+            </a:r>
+            <a:r>
+              <a:rPr lang="en-US" sz="1400">
+                <a:sym typeface="Wingdings" panose="05000000000000000000" pitchFamily="2" charset="2"/>
+              </a:rPr>
+              <a:t> </a:t>
+            </a:r>
+            <a:r>
+              <a:rPr lang="en-US" sz="1400" err="1">
+                <a:sym typeface="Wingdings" panose="05000000000000000000" pitchFamily="2" charset="2"/>
+              </a:rPr>
+              <a:t>ssk</a:t>
+            </a:r>
+            <a:endParaRPr lang="en-US" sz="1400">
+              <a:sym typeface="Wingdings" panose="05000000000000000000" pitchFamily="2" charset="2"/>
+            </a:endParaRPr>
+          </a:p>
+          <a:p>
+            <a:pPr algn="ctr"/>
+            <a:r>
+              <a:rPr lang="en-US" sz="1400" b="1">
+                <a:sym typeface="Wingdings" panose="05000000000000000000" pitchFamily="2" charset="2"/>
+              </a:rPr>
+              <a:t>server authenticated message from client</a:t>
+            </a:r>
+            <a:endParaRPr lang="en-US" sz="1400" b="1"/>
+          </a:p>
+        </p:txBody>
+      </p:sp>
+      <p:sp>
+        <p:nvSpPr>
+          <p:cNvPr id="40" name="Textfeld 39">
+            <a:extLst>
+              <a:ext uri="{FF2B5EF4-FFF2-40B4-BE49-F238E27FC236}">
+                <a16:creationId xmlns:a16="http://schemas.microsoft.com/office/drawing/2014/main" id="{8320E0BC-46D9-D471-126F-E79830DF444C}"/>
+              </a:ext>
+            </a:extLst>
+          </p:cNvPr>
+          <p:cNvSpPr txBox="1"/>
+          <p:nvPr/>
+        </p:nvSpPr>
+        <p:spPr>
+          <a:xfrm>
+            <a:off x="4774856" y="3825826"/>
+            <a:ext cx="2841995" cy="738664"/>
+          </a:xfrm>
+          <a:prstGeom prst="rect">
+            <a:avLst/>
+          </a:prstGeom>
+          <a:noFill/>
+        </p:spPr>
+        <p:txBody>
+          <a:bodyPr wrap="none" rtlCol="0">
+            <a:spAutoFit/>
+          </a:bodyPr>
+          <a:lstStyle/>
+          <a:p>
+            <a:pPr algn="ctr"/>
+            <a:r>
+              <a:rPr lang="en-US" sz="1400" err="1"/>
+              <a:t>ir</a:t>
+            </a:r>
+            <a:r>
+              <a:rPr lang="en-US" sz="1400"/>
+              <a:t> message</a:t>
+            </a:r>
+          </a:p>
+          <a:p>
+            <a:pPr algn="ctr"/>
+            <a:r>
+              <a:rPr lang="en-US" sz="1400" err="1"/>
+              <a:t>KemBMParameter</a:t>
+            </a:r>
+            <a:r>
+              <a:rPr lang="en-US" sz="1400"/>
+              <a:t> as </a:t>
+            </a:r>
+            <a:r>
+              <a:rPr lang="en-US" sz="1400" err="1"/>
+              <a:t>protectionAlg</a:t>
+            </a:r>
+            <a:r>
+              <a:rPr lang="en-US" sz="1400"/>
+              <a:t>,</a:t>
+            </a:r>
+          </a:p>
+          <a:p>
+            <a:pPr algn="ctr"/>
+            <a:r>
+              <a:rPr lang="en-US" sz="1400" b="1"/>
+              <a:t>MAC-based protection using </a:t>
+            </a:r>
+            <a:r>
+              <a:rPr lang="en-US" sz="1400" b="1" err="1"/>
+              <a:t>ssk</a:t>
+            </a:r>
+            <a:endParaRPr lang="en-US" sz="1400" b="1"/>
+          </a:p>
+        </p:txBody>
+      </p:sp>
+      <p:sp>
+        <p:nvSpPr>
+          <p:cNvPr id="41" name="Textfeld 40">
+            <a:extLst>
+              <a:ext uri="{FF2B5EF4-FFF2-40B4-BE49-F238E27FC236}">
+                <a16:creationId xmlns:a16="http://schemas.microsoft.com/office/drawing/2014/main" id="{AE7AEF23-4CD9-090F-085D-CE7EA615DA5C}"/>
+              </a:ext>
+            </a:extLst>
+          </p:cNvPr>
+          <p:cNvSpPr txBox="1"/>
+          <p:nvPr/>
+        </p:nvSpPr>
+        <p:spPr>
+          <a:xfrm>
+            <a:off x="4049553" y="5279599"/>
+            <a:ext cx="4286815" cy="307777"/>
+          </a:xfrm>
+          <a:prstGeom prst="rect">
+            <a:avLst/>
+          </a:prstGeom>
+          <a:noFill/>
+        </p:spPr>
+        <p:txBody>
+          <a:bodyPr wrap="none" rtlCol="0">
+            <a:spAutoFit/>
+          </a:bodyPr>
+          <a:lstStyle/>
+          <a:p>
+            <a:pPr algn="ctr"/>
+            <a:r>
+              <a:rPr lang="en-US" sz="1400" err="1"/>
+              <a:t>ip</a:t>
+            </a:r>
+            <a:r>
+              <a:rPr lang="en-US" sz="1400"/>
+              <a:t> message, </a:t>
+            </a:r>
+            <a:r>
+              <a:rPr lang="en-US" sz="1400" b="1"/>
+              <a:t>protection depending on server credentials</a:t>
+            </a:r>
+          </a:p>
+        </p:txBody>
+      </p:sp>
+      <p:sp>
+        <p:nvSpPr>
+          <p:cNvPr id="42" name="Textfeld 41">
+            <a:extLst>
+              <a:ext uri="{FF2B5EF4-FFF2-40B4-BE49-F238E27FC236}">
+                <a16:creationId xmlns:a16="http://schemas.microsoft.com/office/drawing/2014/main" id="{BD605B4C-D50F-A622-D887-5A5B45E46BAA}"/>
+              </a:ext>
+            </a:extLst>
+          </p:cNvPr>
+          <p:cNvSpPr txBox="1"/>
+          <p:nvPr/>
+        </p:nvSpPr>
+        <p:spPr>
+          <a:xfrm>
+            <a:off x="4180243" y="5653941"/>
+            <a:ext cx="3999172" cy="307777"/>
+          </a:xfrm>
+          <a:prstGeom prst="rect">
+            <a:avLst/>
+          </a:prstGeom>
+          <a:noFill/>
+        </p:spPr>
+        <p:txBody>
+          <a:bodyPr wrap="none" rtlCol="0">
+            <a:spAutoFit/>
+          </a:bodyPr>
+          <a:lstStyle/>
+          <a:p>
+            <a:pPr algn="ctr"/>
+            <a:r>
+              <a:rPr lang="en-US" sz="1400" err="1">
+                <a:solidFill>
+                  <a:schemeClr val="bg1">
+                    <a:lumMod val="50000"/>
+                  </a:schemeClr>
+                </a:solidFill>
+              </a:rPr>
+              <a:t>certConf</a:t>
+            </a:r>
+            <a:r>
+              <a:rPr lang="en-US" sz="1400">
+                <a:solidFill>
+                  <a:schemeClr val="bg1">
+                    <a:lumMod val="50000"/>
+                  </a:schemeClr>
+                </a:solidFill>
+              </a:rPr>
+              <a:t> message, </a:t>
+            </a:r>
+            <a:r>
+              <a:rPr lang="en-US" sz="1400" b="1">
+                <a:solidFill>
+                  <a:schemeClr val="bg1">
+                    <a:lumMod val="50000"/>
+                  </a:schemeClr>
+                </a:solidFill>
+              </a:rPr>
+              <a:t>MAC-based protection using </a:t>
+            </a:r>
+            <a:r>
+              <a:rPr lang="en-US" sz="1400" b="1" err="1">
+                <a:solidFill>
+                  <a:schemeClr val="bg1">
+                    <a:lumMod val="50000"/>
+                  </a:schemeClr>
+                </a:solidFill>
+              </a:rPr>
+              <a:t>ssk</a:t>
+            </a:r>
+            <a:endParaRPr lang="en-US" sz="1400" b="1">
+              <a:solidFill>
+                <a:schemeClr val="bg1">
+                  <a:lumMod val="50000"/>
+                </a:schemeClr>
+              </a:solidFill>
+            </a:endParaRPr>
+          </a:p>
+        </p:txBody>
+      </p:sp>
+      <p:sp>
+        <p:nvSpPr>
+          <p:cNvPr id="43" name="Textfeld 42">
+            <a:extLst>
+              <a:ext uri="{FF2B5EF4-FFF2-40B4-BE49-F238E27FC236}">
+                <a16:creationId xmlns:a16="http://schemas.microsoft.com/office/drawing/2014/main" id="{BF6961AB-C44B-417E-0542-ABB3F2EA15EB}"/>
+              </a:ext>
+            </a:extLst>
+          </p:cNvPr>
+          <p:cNvSpPr txBox="1"/>
+          <p:nvPr/>
+        </p:nvSpPr>
+        <p:spPr>
+          <a:xfrm>
+            <a:off x="3834400" y="6034508"/>
+            <a:ext cx="4685065" cy="307777"/>
+          </a:xfrm>
+          <a:prstGeom prst="rect">
+            <a:avLst/>
+          </a:prstGeom>
+          <a:noFill/>
+        </p:spPr>
+        <p:txBody>
+          <a:bodyPr wrap="none" rtlCol="0">
+            <a:spAutoFit/>
+          </a:bodyPr>
+          <a:lstStyle/>
+          <a:p>
+            <a:pPr algn="ctr"/>
+            <a:r>
+              <a:rPr lang="en-US" sz="1400" err="1">
+                <a:solidFill>
+                  <a:schemeClr val="bg1">
+                    <a:lumMod val="50000"/>
+                  </a:schemeClr>
+                </a:solidFill>
+              </a:rPr>
+              <a:t>pkiconf</a:t>
+            </a:r>
+            <a:r>
+              <a:rPr lang="en-US" sz="1400">
+                <a:solidFill>
+                  <a:schemeClr val="bg1">
+                    <a:lumMod val="50000"/>
+                  </a:schemeClr>
+                </a:solidFill>
+              </a:rPr>
+              <a:t> message, </a:t>
+            </a:r>
+            <a:r>
+              <a:rPr lang="en-US" sz="1400" b="1">
+                <a:solidFill>
+                  <a:schemeClr val="bg1">
+                    <a:lumMod val="50000"/>
+                  </a:schemeClr>
+                </a:solidFill>
+              </a:rPr>
+              <a:t>protection depending on server credentials</a:t>
+            </a:r>
+          </a:p>
+        </p:txBody>
+      </p:sp>
+      <p:grpSp>
+        <p:nvGrpSpPr>
+          <p:cNvPr id="20" name="Gruppieren 19">
+            <a:extLst>
+              <a:ext uri="{FF2B5EF4-FFF2-40B4-BE49-F238E27FC236}">
+                <a16:creationId xmlns:a16="http://schemas.microsoft.com/office/drawing/2014/main" id="{2ABC536F-F961-4BD3-B27F-F2873AAE8F8B}"/>
+              </a:ext>
+            </a:extLst>
+          </p:cNvPr>
+          <p:cNvGrpSpPr/>
+          <p:nvPr/>
+        </p:nvGrpSpPr>
+        <p:grpSpPr>
+          <a:xfrm>
+            <a:off x="10453752" y="5613782"/>
+            <a:ext cx="986873" cy="738664"/>
+            <a:chOff x="10684352" y="5764339"/>
+            <a:chExt cx="986873" cy="738664"/>
+          </a:xfrm>
+        </p:grpSpPr>
+        <p:sp>
+          <p:nvSpPr>
+            <p:cNvPr id="21" name="Textfeld 20">
+              <a:extLst>
+                <a:ext uri="{FF2B5EF4-FFF2-40B4-BE49-F238E27FC236}">
+                  <a16:creationId xmlns:a16="http://schemas.microsoft.com/office/drawing/2014/main" id="{2A66D04A-3476-0DB6-A2A7-4BEB61BEE10F}"/>
+                </a:ext>
+              </a:extLst>
+            </p:cNvPr>
+            <p:cNvSpPr txBox="1"/>
+            <p:nvPr/>
+          </p:nvSpPr>
+          <p:spPr>
+            <a:xfrm>
+              <a:off x="10684352" y="5764339"/>
+              <a:ext cx="986873" cy="738664"/>
+            </a:xfrm>
+            <a:prstGeom prst="rect">
+              <a:avLst/>
+            </a:prstGeom>
+            <a:noFill/>
+          </p:spPr>
+          <p:txBody>
+            <a:bodyPr wrap="none" rtlCol="0">
+              <a:spAutoFit/>
+            </a:bodyPr>
+            <a:lstStyle/>
+            <a:p>
+              <a:pPr algn="ctr"/>
+              <a:r>
+                <a:rPr lang="en-US" sz="1400"/>
+                <a:t>mandatory</a:t>
+              </a:r>
+            </a:p>
+            <a:p>
+              <a:pPr algn="ctr"/>
+              <a:endParaRPr lang="en-US" sz="1400"/>
+            </a:p>
+            <a:p>
+              <a:pPr algn="ctr"/>
+              <a:r>
+                <a:rPr lang="en-US" sz="1400">
+                  <a:solidFill>
+                    <a:schemeClr val="bg1">
+                      <a:lumMod val="50000"/>
+                    </a:schemeClr>
+                  </a:solidFill>
+                </a:rPr>
+                <a:t>optional</a:t>
+              </a:r>
+            </a:p>
+          </p:txBody>
+        </p:sp>
+        <p:cxnSp>
+          <p:nvCxnSpPr>
+            <p:cNvPr id="23" name="Gerade Verbindung mit Pfeil 22">
+              <a:extLst>
+                <a:ext uri="{FF2B5EF4-FFF2-40B4-BE49-F238E27FC236}">
+                  <a16:creationId xmlns:a16="http://schemas.microsoft.com/office/drawing/2014/main" id="{4FB194D3-C4D1-4528-7D3F-F333A46DF770}"/>
+                </a:ext>
+              </a:extLst>
+            </p:cNvPr>
+            <p:cNvCxnSpPr>
+              <a:cxnSpLocks/>
+            </p:cNvCxnSpPr>
+            <p:nvPr/>
+          </p:nvCxnSpPr>
+          <p:spPr>
+            <a:xfrm flipH="1">
+              <a:off x="10813995" y="6090076"/>
+              <a:ext cx="727587" cy="0"/>
+            </a:xfrm>
+            <a:prstGeom prst="straightConnector1">
+              <a:avLst/>
+            </a:prstGeom>
+            <a:ln w="19050">
+              <a:headEnd type="none" w="med" len="med"/>
+              <a:tailEnd type="none" w="med" len="med"/>
+            </a:ln>
+          </p:spPr>
+          <p:style>
+            <a:lnRef idx="1">
+              <a:schemeClr val="accent1"/>
+            </a:lnRef>
+            <a:fillRef idx="0">
+              <a:schemeClr val="accent1"/>
+            </a:fillRef>
+            <a:effectRef idx="0">
+              <a:schemeClr val="accent1"/>
+            </a:effectRef>
+            <a:fontRef idx="minor">
+              <a:schemeClr val="tx1"/>
+            </a:fontRef>
+          </p:style>
+        </p:cxnSp>
+        <p:cxnSp>
+          <p:nvCxnSpPr>
+            <p:cNvPr id="26" name="Gerade Verbindung mit Pfeil 25">
+              <a:extLst>
+                <a:ext uri="{FF2B5EF4-FFF2-40B4-BE49-F238E27FC236}">
+                  <a16:creationId xmlns:a16="http://schemas.microsoft.com/office/drawing/2014/main" id="{71832706-1071-91E5-4674-842B6D42D76D}"/>
+                </a:ext>
+              </a:extLst>
+            </p:cNvPr>
+            <p:cNvCxnSpPr>
+              <a:cxnSpLocks/>
+            </p:cNvCxnSpPr>
+            <p:nvPr/>
+          </p:nvCxnSpPr>
+          <p:spPr>
+            <a:xfrm flipH="1">
+              <a:off x="10813995" y="6492875"/>
+              <a:ext cx="727587" cy="0"/>
+            </a:xfrm>
+            <a:prstGeom prst="straightConnector1">
+              <a:avLst/>
+            </a:prstGeom>
+            <a:ln w="19050">
+              <a:prstDash val="lgDash"/>
+              <a:headEnd type="none" w="med" len="med"/>
+              <a:tailEnd type="none" w="med" len="med"/>
+            </a:ln>
+          </p:spPr>
+          <p:style>
+            <a:lnRef idx="1">
+              <a:schemeClr val="accent1"/>
+            </a:lnRef>
+            <a:fillRef idx="0">
+              <a:schemeClr val="accent1"/>
+            </a:fillRef>
+            <a:effectRef idx="0">
+              <a:schemeClr val="accent1"/>
+            </a:effectRef>
+            <a:fontRef idx="minor">
+              <a:schemeClr val="tx1"/>
+            </a:fontRef>
+          </p:style>
+        </p:cxnSp>
+      </p:grpSp>
     </p:spTree>
     <p:extLst>
       <p:ext uri="{BB962C8B-B14F-4D97-AF65-F5344CB8AC3E}">
-        <p14:creationId xmlns:p14="http://schemas.microsoft.com/office/powerpoint/2010/main" val="3395236206"/>
+        <p14:creationId xmlns:p14="http://schemas.microsoft.com/office/powerpoint/2010/main" val="2461459564"/>
       </p:ext>
     </p:extLst>
   </p:cSld>
@@ -4290,21 +6068,12 @@
         </p:nvSpPr>
         <p:spPr/>
         <p:txBody>
-          <a:bodyPr>
-            <a:normAutofit/>
-          </a:bodyPr>
+          <a:bodyPr/>
           <a:lstStyle/>
           <a:p>
             <a:r>
-              <a:rPr lang="en-US" dirty="0"/>
-              <a:t>Example of key update of a client KEM cert</a:t>
-            </a:r>
-            <a:br>
-              <a:rPr lang="en-US" dirty="0"/>
-            </a:br>
-            <a:r>
-              <a:rPr lang="en-US" dirty="0"/>
-              <a:t>Server also has a KEM cert</a:t>
+              <a:rPr lang="en-US"/>
+              <a:t>Server owns KEM key pair</a:t>
             </a:r>
           </a:p>
         </p:txBody>
@@ -4332,7 +6101,7 @@
           <a:p>
             <a:r>
               <a:rPr lang="en-US"/>
-              <a:t>November 2022</a:t>
+              <a:t>March 2024</a:t>
             </a:r>
           </a:p>
         </p:txBody>
@@ -4390,7 +6159,7 @@
               <a:rPr lang="en-US" smtClean="0"/>
               <a:t>4</a:t>
             </a:fld>
-            <a:endParaRPr lang="en-US" dirty="0"/>
+            <a:endParaRPr lang="en-US"/>
           </a:p>
         </p:txBody>
       </p:sp>
@@ -4408,8 +6177,8 @@
         </p:nvSpPr>
         <p:spPr>
           <a:xfrm>
-            <a:off x="1415800" y="1493117"/>
-            <a:ext cx="1588000" cy="615553"/>
+            <a:off x="1543175" y="1379446"/>
+            <a:ext cx="1333250" cy="400110"/>
           </a:xfrm>
           <a:prstGeom prst="rect">
             <a:avLst/>
@@ -4424,33 +6193,9 @@
           <a:p>
             <a:pPr algn="ctr"/>
             <a:r>
-              <a:rPr lang="en-US" sz="2000" dirty="0"/>
+              <a:rPr lang="en-US" sz="2000"/>
               <a:t>CMP Client</a:t>
             </a:r>
-          </a:p>
-          <a:p>
-            <a:pPr algn="ctr"/>
-            <a:r>
-              <a:rPr lang="en-US" sz="1400" dirty="0" err="1"/>
-              <a:t>kemCertC</a:t>
-            </a:r>
-            <a:r>
-              <a:rPr lang="en-US" sz="1400" dirty="0"/>
-              <a:t>, </a:t>
-            </a:r>
-            <a:r>
-              <a:rPr lang="en-US" sz="1400" dirty="0" err="1"/>
-              <a:t>pkC</a:t>
-            </a:r>
-            <a:r>
-              <a:rPr lang="en-US" sz="1400" dirty="0"/>
-              <a:t>, </a:t>
-            </a:r>
-            <a:r>
-              <a:rPr lang="en-US" sz="1400" dirty="0" err="1"/>
-              <a:t>skC</a:t>
-            </a:r>
-            <a:endParaRPr lang="en-US" sz="1400" dirty="0"/>
           </a:p>
         </p:txBody>
       </p:sp>
@@ -4468,8 +6213,8 @@
         </p:nvSpPr>
         <p:spPr>
           <a:xfrm>
-            <a:off x="9376773" y="1493117"/>
-            <a:ext cx="1546257" cy="615553"/>
+            <a:off x="9353914" y="1379446"/>
+            <a:ext cx="1591975" cy="615553"/>
           </a:xfrm>
           <a:prstGeom prst="rect">
             <a:avLst/>
@@ -4484,33 +6229,25 @@
           <a:p>
             <a:pPr algn="ctr"/>
             <a:r>
-              <a:rPr lang="en-US" sz="2000" dirty="0"/>
+              <a:rPr lang="en-US" sz="2000"/>
               <a:t>CMP Server</a:t>
             </a:r>
           </a:p>
           <a:p>
             <a:pPr algn="ctr"/>
             <a:r>
-              <a:rPr lang="en-US" sz="1400" dirty="0" err="1"/>
-              <a:t>kemCertS</a:t>
-            </a:r>
-            <a:r>
-              <a:rPr lang="en-US" sz="1400" dirty="0"/>
+              <a:rPr lang="en-US" sz="1400" err="1"/>
+              <a:t>serverKemCert</a:t>
+            </a:r>
+            <a:r>
+              <a:rPr lang="en-US" sz="1400"/>
               <a:t>, </a:t>
             </a:r>
             <a:r>
-              <a:rPr lang="en-US" sz="1400" dirty="0" err="1"/>
-              <a:t>pkS</a:t>
-            </a:r>
-            <a:r>
-              <a:rPr lang="en-US" sz="1400" dirty="0"/>
-              <a:t>, </a:t>
-            </a:r>
-            <a:r>
-              <a:rPr lang="en-US" sz="1400" dirty="0" err="1"/>
+              <a:rPr lang="en-US" sz="1400" err="1"/>
               <a:t>skS</a:t>
             </a:r>
-            <a:endParaRPr lang="en-US" sz="1400" dirty="0"/>
+            <a:endParaRPr lang="en-US" sz="1400"/>
           </a:p>
         </p:txBody>
       </p:sp>
@@ -4531,12 +6268,13 @@
         </p:nvCxnSpPr>
         <p:spPr>
           <a:xfrm>
-            <a:off x="2209800" y="2108670"/>
-            <a:ext cx="0" cy="4384205"/>
+            <a:off x="2209800" y="1779556"/>
+            <a:ext cx="0" cy="4657819"/>
           </a:xfrm>
           <a:prstGeom prst="line">
             <a:avLst/>
           </a:prstGeom>
+          <a:ln w="19050"/>
         </p:spPr>
         <p:style>
           <a:lnRef idx="1">
@@ -4569,95 +6307,14 @@
           <p:nvPr/>
         </p:nvCxnSpPr>
         <p:spPr>
-          <a:xfrm flipH="1">
-            <a:off x="10131923" y="2108670"/>
-            <a:ext cx="17979" cy="4384205"/>
+          <a:xfrm>
+            <a:off x="10149902" y="1994999"/>
+            <a:ext cx="0" cy="4442376"/>
           </a:xfrm>
           <a:prstGeom prst="line">
             <a:avLst/>
           </a:prstGeom>
-        </p:spPr>
-        <p:style>
-          <a:lnRef idx="1">
-            <a:schemeClr val="accent1"/>
-          </a:lnRef>
-          <a:fillRef idx="0">
-            <a:schemeClr val="accent1"/>
-          </a:fillRef>
-          <a:effectRef idx="0">
-            <a:schemeClr val="accent1"/>
-          </a:effectRef>
-          <a:fontRef idx="minor">
-            <a:schemeClr val="tx1"/>
-          </a:fontRef>
-        </p:style>
-      </p:cxnSp>
-      <p:cxnSp>
-        <p:nvCxnSpPr>
-          <p:cNvPr id="22" name="Gerade Verbindung mit Pfeil 21">
-            <a:extLst>
-              <a:ext uri="{FF2B5EF4-FFF2-40B4-BE49-F238E27FC236}">
-                <a16:creationId xmlns:a16="http://schemas.microsoft.com/office/drawing/2014/main" id="{6D6A8808-B519-A510-F15A-592AC846CFDD}"/>
-              </a:ext>
-            </a:extLst>
-          </p:cNvPr>
-          <p:cNvCxnSpPr>
-            <a:cxnSpLocks/>
-          </p:cNvCxnSpPr>
-          <p:nvPr/>
-        </p:nvCxnSpPr>
-        <p:spPr>
-          <a:xfrm>
-            <a:off x="2225824" y="2445489"/>
-            <a:ext cx="7906099" cy="0"/>
-          </a:xfrm>
-          <a:prstGeom prst="straightConnector1">
-            <a:avLst/>
-          </a:prstGeom>
-          <a:ln>
-            <a:tailEnd type="triangle"/>
-          </a:ln>
-        </p:spPr>
-        <p:style>
-          <a:lnRef idx="1">
-            <a:schemeClr val="accent1"/>
-          </a:lnRef>
-          <a:fillRef idx="0">
-            <a:schemeClr val="accent1"/>
-          </a:fillRef>
-          <a:effectRef idx="0">
-            <a:schemeClr val="accent1"/>
-          </a:effectRef>
-          <a:fontRef idx="minor">
-            <a:schemeClr val="tx1"/>
-          </a:fontRef>
-        </p:style>
-      </p:cxnSp>
-      <p:cxnSp>
-        <p:nvCxnSpPr>
-          <p:cNvPr id="29" name="Gerade Verbindung mit Pfeil 28">
-            <a:extLst>
-              <a:ext uri="{FF2B5EF4-FFF2-40B4-BE49-F238E27FC236}">
-                <a16:creationId xmlns:a16="http://schemas.microsoft.com/office/drawing/2014/main" id="{62B20FAA-6351-2A57-D3CC-47EF529FF1C8}"/>
-              </a:ext>
-            </a:extLst>
-          </p:cNvPr>
-          <p:cNvCxnSpPr>
-            <a:cxnSpLocks/>
-          </p:cNvCxnSpPr>
-          <p:nvPr/>
-        </p:nvCxnSpPr>
-        <p:spPr>
-          <a:xfrm flipH="1">
-            <a:off x="2222451" y="3160270"/>
-            <a:ext cx="7909472" cy="0"/>
-          </a:xfrm>
-          <a:prstGeom prst="straightConnector1">
-            <a:avLst/>
-          </a:prstGeom>
-          <a:ln>
-            <a:tailEnd type="triangle"/>
-          </a:ln>
+          <a:ln w="19050"/>
         </p:spPr>
         <p:style>
           <a:lnRef idx="1">
@@ -4690,13 +6347,13 @@
         </p:nvCxnSpPr>
         <p:spPr>
           <a:xfrm>
-            <a:off x="2225824" y="4548956"/>
+            <a:off x="2225824" y="3866321"/>
             <a:ext cx="7906099" cy="0"/>
           </a:xfrm>
           <a:prstGeom prst="straightConnector1">
             <a:avLst/>
           </a:prstGeom>
-          <a:ln>
+          <a:ln w="19050">
             <a:tailEnd type="triangle"/>
           </a:ln>
         </p:spPr>
@@ -4731,13 +6388,13 @@
         </p:nvCxnSpPr>
         <p:spPr>
           <a:xfrm flipH="1">
-            <a:off x="2222451" y="5617499"/>
+            <a:off x="2222451" y="4885854"/>
             <a:ext cx="7909472" cy="0"/>
           </a:xfrm>
           <a:prstGeom prst="straightConnector1">
             <a:avLst/>
           </a:prstGeom>
-          <a:ln>
+          <a:ln w="19050">
             <a:tailEnd type="triangle"/>
           </a:ln>
         </p:spPr>
@@ -4772,13 +6429,14 @@
         </p:nvCxnSpPr>
         <p:spPr>
           <a:xfrm>
-            <a:off x="2209800" y="6075564"/>
+            <a:off x="2209800" y="5922398"/>
             <a:ext cx="7922123" cy="0"/>
           </a:xfrm>
           <a:prstGeom prst="straightConnector1">
             <a:avLst/>
           </a:prstGeom>
-          <a:ln>
+          <a:ln w="19050">
+            <a:prstDash val="lgDash"/>
             <a:tailEnd type="triangle"/>
           </a:ln>
         </p:spPr>
@@ -4813,13 +6471,14 @@
         </p:nvCxnSpPr>
         <p:spPr>
           <a:xfrm flipH="1">
-            <a:off x="2206427" y="6432696"/>
+            <a:off x="2206427" y="6279530"/>
             <a:ext cx="7925496" cy="0"/>
           </a:xfrm>
           <a:prstGeom prst="straightConnector1">
             <a:avLst/>
           </a:prstGeom>
-          <a:ln>
+          <a:ln w="19050">
+            <a:prstDash val="lgDash"/>
             <a:tailEnd type="triangle"/>
           </a:ln>
         </p:spPr>
@@ -4840,10 +6499,10 @@
       </p:cxnSp>
       <p:sp>
         <p:nvSpPr>
-          <p:cNvPr id="34" name="Textfeld 33">
-            <a:extLst>
-              <a:ext uri="{FF2B5EF4-FFF2-40B4-BE49-F238E27FC236}">
-                <a16:creationId xmlns:a16="http://schemas.microsoft.com/office/drawing/2014/main" id="{200F6189-FF01-1710-F3E0-28ADC42D4CFC}"/>
+          <p:cNvPr id="35" name="Textfeld 34">
+            <a:extLst>
+              <a:ext uri="{FF2B5EF4-FFF2-40B4-BE49-F238E27FC236}">
+                <a16:creationId xmlns:a16="http://schemas.microsoft.com/office/drawing/2014/main" id="{6D0677F9-0247-2502-82A9-95E76BADBB89}"/>
               </a:ext>
             </a:extLst>
           </p:cNvPr>
@@ -4852,8 +6511,280 @@
         </p:nvSpPr>
         <p:spPr>
           <a:xfrm>
-            <a:off x="7875865" y="2478093"/>
-            <a:ext cx="4415568" cy="738664"/>
+            <a:off x="901098" y="3112114"/>
+            <a:ext cx="2642710" cy="738664"/>
+          </a:xfrm>
+          <a:prstGeom prst="rect">
+            <a:avLst/>
+          </a:prstGeom>
+          <a:solidFill>
+            <a:schemeClr val="bg1"/>
+          </a:solidFill>
+        </p:spPr>
+        <p:txBody>
+          <a:bodyPr wrap="none" rtlCol="0">
+            <a:spAutoFit/>
+          </a:bodyPr>
+          <a:lstStyle/>
+          <a:p>
+            <a:pPr algn="ctr"/>
+            <a:r>
+              <a:rPr lang="en-US" sz="1400" err="1"/>
+              <a:t>serverKemCert</a:t>
+            </a:r>
+            <a:r>
+              <a:rPr lang="en-US" sz="1400"/>
+              <a:t> with </a:t>
+            </a:r>
+            <a:r>
+              <a:rPr lang="en-US" sz="1400" err="1"/>
+              <a:t>pkS</a:t>
+            </a:r>
+            <a:endParaRPr lang="en-US" sz="1400"/>
+          </a:p>
+          <a:p>
+            <a:pPr algn="ctr"/>
+            <a:r>
+              <a:rPr lang="en-US" sz="1400" err="1"/>
+              <a:t>kem.encapsulate</a:t>
+            </a:r>
+            <a:r>
+              <a:rPr lang="en-US" sz="1400"/>
+              <a:t>(</a:t>
+            </a:r>
+            <a:r>
+              <a:rPr lang="en-US" sz="1400" err="1">
+                <a:cs typeface="Calibri"/>
+              </a:rPr>
+              <a:t>pkS</a:t>
+            </a:r>
+            <a:r>
+              <a:rPr lang="en-US" sz="1400"/>
+              <a:t>) </a:t>
+            </a:r>
+            <a:r>
+              <a:rPr lang="en-US" sz="1400">
+                <a:sym typeface="Wingdings" panose="05000000000000000000" pitchFamily="2" charset="2"/>
+              </a:rPr>
+              <a:t> </a:t>
+            </a:r>
+            <a:r>
+              <a:rPr lang="en-US" sz="1400"/>
+              <a:t>(</a:t>
+            </a:r>
+            <a:r>
+              <a:rPr lang="en-US" sz="1400" err="1"/>
+              <a:t>ct</a:t>
+            </a:r>
+            <a:r>
+              <a:rPr lang="en-US" sz="1400"/>
+              <a:t>, ss)</a:t>
+            </a:r>
+          </a:p>
+          <a:p>
+            <a:pPr algn="ctr"/>
+            <a:r>
+              <a:rPr lang="en-US" sz="1400" err="1"/>
+              <a:t>KemCiphertextInfo</a:t>
+            </a:r>
+            <a:r>
+              <a:rPr lang="en-US" sz="1400"/>
+              <a:t>(KEM </a:t>
+            </a:r>
+            <a:r>
+              <a:rPr lang="en-US" sz="1400" err="1"/>
+              <a:t>AlgID</a:t>
+            </a:r>
+            <a:r>
+              <a:rPr lang="en-US" sz="1400"/>
+              <a:t>, </a:t>
+            </a:r>
+            <a:r>
+              <a:rPr lang="en-US" sz="1400" err="1"/>
+              <a:t>ct</a:t>
+            </a:r>
+            <a:r>
+              <a:rPr lang="en-US" sz="1400"/>
+              <a:t>)</a:t>
+            </a:r>
+          </a:p>
+        </p:txBody>
+      </p:sp>
+      <p:sp>
+        <p:nvSpPr>
+          <p:cNvPr id="39" name="Textfeld 38">
+            <a:extLst>
+              <a:ext uri="{FF2B5EF4-FFF2-40B4-BE49-F238E27FC236}">
+                <a16:creationId xmlns:a16="http://schemas.microsoft.com/office/drawing/2014/main" id="{A00D85E3-6E5A-8990-9429-0BE101918954}"/>
+              </a:ext>
+            </a:extLst>
+          </p:cNvPr>
+          <p:cNvSpPr txBox="1"/>
+          <p:nvPr/>
+        </p:nvSpPr>
+        <p:spPr>
+          <a:xfrm>
+            <a:off x="8337492" y="3893238"/>
+            <a:ext cx="3596434" cy="954107"/>
+          </a:xfrm>
+          <a:prstGeom prst="rect">
+            <a:avLst/>
+          </a:prstGeom>
+          <a:solidFill>
+            <a:schemeClr val="bg1"/>
+          </a:solidFill>
+        </p:spPr>
+        <p:txBody>
+          <a:bodyPr wrap="none" rtlCol="0">
+            <a:spAutoFit/>
+          </a:bodyPr>
+          <a:lstStyle/>
+          <a:p>
+            <a:pPr algn="ctr"/>
+            <a:r>
+              <a:rPr lang="en-US" sz="1400" err="1"/>
+              <a:t>kem.decapsulate</a:t>
+            </a:r>
+            <a:r>
+              <a:rPr lang="en-US" sz="1400"/>
+              <a:t>(</a:t>
+            </a:r>
+            <a:r>
+              <a:rPr lang="en-US" sz="1400" err="1"/>
+              <a:t>skS</a:t>
+            </a:r>
+            <a:r>
+              <a:rPr lang="en-US" sz="1400"/>
+              <a:t>, </a:t>
+            </a:r>
+            <a:r>
+              <a:rPr lang="en-US" sz="1400" err="1"/>
+              <a:t>ct</a:t>
+            </a:r>
+            <a:r>
+              <a:rPr lang="en-US" sz="1400"/>
+              <a:t>) </a:t>
+            </a:r>
+            <a:r>
+              <a:rPr lang="en-US" sz="1400">
+                <a:sym typeface="Wingdings" panose="05000000000000000000" pitchFamily="2" charset="2"/>
+              </a:rPr>
+              <a:t> ss</a:t>
+            </a:r>
+          </a:p>
+          <a:p>
+            <a:pPr algn="ctr"/>
+            <a:r>
+              <a:rPr lang="en-US" sz="1400" err="1"/>
+              <a:t>KemBMParameter</a:t>
+            </a:r>
+            <a:r>
+              <a:rPr lang="en-US" sz="1400"/>
+              <a:t>(KDF </a:t>
+            </a:r>
+            <a:r>
+              <a:rPr lang="en-US" sz="1400" err="1"/>
+              <a:t>AlgID</a:t>
+            </a:r>
+            <a:r>
+              <a:rPr lang="en-US" sz="1400"/>
+              <a:t>, </a:t>
+            </a:r>
+            <a:r>
+              <a:rPr lang="en-US" sz="1400" err="1"/>
+              <a:t>len</a:t>
+            </a:r>
+            <a:r>
+              <a:rPr lang="en-US" sz="1400"/>
+              <a:t>, MAC </a:t>
+            </a:r>
+            <a:r>
+              <a:rPr lang="en-US" sz="1400" err="1"/>
+              <a:t>AlgID</a:t>
+            </a:r>
+            <a:r>
+              <a:rPr lang="en-US" sz="1400"/>
+              <a:t>)</a:t>
+            </a:r>
+          </a:p>
+          <a:p>
+            <a:pPr algn="ctr"/>
+            <a:r>
+              <a:rPr lang="en-US" sz="1400">
+                <a:sym typeface="Wingdings" panose="05000000000000000000" pitchFamily="2" charset="2"/>
+              </a:rPr>
+              <a:t>DER-encoded </a:t>
+            </a:r>
+            <a:r>
+              <a:rPr lang="en-US" sz="1400" err="1">
+                <a:sym typeface="Wingdings" panose="05000000000000000000" pitchFamily="2" charset="2"/>
+              </a:rPr>
+              <a:t>KemOtherInfo</a:t>
+            </a:r>
+            <a:r>
+              <a:rPr lang="en-US" sz="1400">
+                <a:sym typeface="Wingdings" panose="05000000000000000000" pitchFamily="2" charset="2"/>
+              </a:rPr>
+              <a:t>  </a:t>
+            </a:r>
+            <a:r>
+              <a:rPr lang="en-US" sz="1400"/>
+              <a:t>context</a:t>
+            </a:r>
+            <a:endParaRPr lang="en-US" sz="1400">
+              <a:sym typeface="Wingdings" panose="05000000000000000000" pitchFamily="2" charset="2"/>
+            </a:endParaRPr>
+          </a:p>
+          <a:p>
+            <a:pPr algn="ctr"/>
+            <a:r>
+              <a:rPr lang="en-US" sz="1400" err="1"/>
+              <a:t>kdf</a:t>
+            </a:r>
+            <a:r>
+              <a:rPr lang="en-US" sz="1400"/>
+              <a:t>(ss, </a:t>
+            </a:r>
+            <a:r>
+              <a:rPr lang="en-US" sz="1400" err="1"/>
+              <a:t>len</a:t>
+            </a:r>
+            <a:r>
+              <a:rPr lang="en-US" sz="1400"/>
+              <a:t>, context) </a:t>
+            </a:r>
+            <a:r>
+              <a:rPr lang="en-US" sz="1400">
+                <a:sym typeface="Wingdings" panose="05000000000000000000" pitchFamily="2" charset="2"/>
+              </a:rPr>
+              <a:t> </a:t>
+            </a:r>
+            <a:r>
+              <a:rPr lang="en-US" sz="1400" err="1">
+                <a:sym typeface="Wingdings" panose="05000000000000000000" pitchFamily="2" charset="2"/>
+              </a:rPr>
+              <a:t>ssk</a:t>
+            </a:r>
+            <a:endParaRPr lang="en-US" sz="1400"/>
+          </a:p>
+        </p:txBody>
+      </p:sp>
+      <p:sp>
+        <p:nvSpPr>
+          <p:cNvPr id="40" name="Textfeld 39">
+            <a:extLst>
+              <a:ext uri="{FF2B5EF4-FFF2-40B4-BE49-F238E27FC236}">
+                <a16:creationId xmlns:a16="http://schemas.microsoft.com/office/drawing/2014/main" id="{8320E0BC-46D9-D471-126F-E79830DF444C}"/>
+              </a:ext>
+            </a:extLst>
+          </p:cNvPr>
+          <p:cNvSpPr txBox="1"/>
+          <p:nvPr/>
+        </p:nvSpPr>
+        <p:spPr>
+          <a:xfrm>
+            <a:off x="4280554" y="3191836"/>
+            <a:ext cx="3830599" cy="738664"/>
           </a:xfrm>
           <a:prstGeom prst="rect">
             <a:avLst/>
@@ -4868,92 +6799,56 @@
           <a:p>
             <a:pPr algn="ctr"/>
             <a:r>
-              <a:rPr lang="en-US" sz="1400" dirty="0"/>
-              <a:t>Validate </a:t>
-            </a:r>
-            <a:r>
-              <a:rPr lang="en-US" sz="1400" dirty="0" err="1"/>
-              <a:t>kemCertC</a:t>
-            </a:r>
-            <a:r>
-              <a:rPr lang="en-US" sz="1400" dirty="0"/>
-              <a:t>,</a:t>
+              <a:rPr lang="en-US" sz="1400" err="1"/>
+              <a:t>ir</a:t>
+            </a:r>
+            <a:r>
+              <a:rPr lang="en-US" sz="1400"/>
+              <a:t> message,</a:t>
             </a:r>
           </a:p>
           <a:p>
             <a:pPr algn="ctr"/>
             <a:r>
-              <a:rPr lang="en-US" sz="1400" dirty="0" err="1"/>
-              <a:t>concat</a:t>
-            </a:r>
-            <a:r>
-              <a:rPr lang="en-US" sz="1400" dirty="0"/>
-              <a:t>(</a:t>
-            </a:r>
-            <a:r>
-              <a:rPr lang="en-US" sz="1400" dirty="0" err="1"/>
-              <a:t>transactionID</a:t>
-            </a:r>
-            <a:r>
-              <a:rPr lang="en-US" sz="1400" dirty="0"/>
-              <a:t>, </a:t>
-            </a:r>
-            <a:r>
-              <a:rPr lang="en-US" sz="1400" dirty="0" err="1"/>
-              <a:t>genm_senderNonce</a:t>
-            </a:r>
-            <a:r>
-              <a:rPr lang="en-US" sz="1400" dirty="0"/>
-              <a:t>) </a:t>
-            </a:r>
-            <a:r>
-              <a:rPr lang="en-US" sz="1400" dirty="0">
-                <a:sym typeface="Wingdings" panose="05000000000000000000" pitchFamily="2" charset="2"/>
-              </a:rPr>
-              <a:t> context1</a:t>
-            </a:r>
-            <a:r>
-              <a:rPr lang="en-US" sz="1400" dirty="0"/>
-              <a:t>,</a:t>
+              <a:rPr lang="en-US" sz="1400" err="1">
+                <a:cs typeface="Calibri"/>
+              </a:rPr>
+              <a:t>ct</a:t>
+            </a:r>
+            <a:r>
+              <a:rPr lang="en-US" sz="1400">
+                <a:cs typeface="Calibri"/>
+              </a:rPr>
+              <a:t> in </a:t>
+            </a:r>
+            <a:r>
+              <a:rPr lang="en-US" sz="1400" err="1">
+                <a:cs typeface="Calibri"/>
+              </a:rPr>
+              <a:t>generalInfo.KemCiphertextInfoValue</a:t>
+            </a:r>
+            <a:r>
+              <a:rPr lang="en-US" sz="1400">
+                <a:cs typeface="Calibri"/>
+              </a:rPr>
+              <a:t> present,</a:t>
             </a:r>
           </a:p>
           <a:p>
             <a:pPr algn="ctr"/>
             <a:r>
-              <a:rPr lang="en-US" sz="1400" dirty="0" err="1"/>
-              <a:t>SendExportBase</a:t>
-            </a:r>
-            <a:r>
-              <a:rPr lang="en-US" sz="1400" dirty="0"/>
-              <a:t>(</a:t>
-            </a:r>
-            <a:r>
-              <a:rPr lang="en-US" sz="1400" dirty="0" err="1"/>
-              <a:t>pkC</a:t>
-            </a:r>
-            <a:r>
-              <a:rPr lang="en-US" sz="1400" dirty="0"/>
-              <a:t>, “round1”, context1, L) </a:t>
-            </a:r>
-            <a:r>
-              <a:rPr lang="en-US" sz="1400" dirty="0">
-                <a:sym typeface="Wingdings" panose="05000000000000000000" pitchFamily="2" charset="2"/>
-              </a:rPr>
-              <a:t> </a:t>
-            </a:r>
-            <a:r>
-              <a:rPr lang="en-US" sz="1400" dirty="0"/>
-              <a:t>(enc1, ss1)</a:t>
+              <a:rPr lang="en-US" sz="1400" b="1"/>
+              <a:t>protection depending on client credentials</a:t>
             </a:r>
           </a:p>
         </p:txBody>
       </p:sp>
       <p:sp>
         <p:nvSpPr>
-          <p:cNvPr id="35" name="Textfeld 34">
-            <a:extLst>
-              <a:ext uri="{FF2B5EF4-FFF2-40B4-BE49-F238E27FC236}">
-                <a16:creationId xmlns:a16="http://schemas.microsoft.com/office/drawing/2014/main" id="{6D0677F9-0247-2502-82A9-95E76BADBB89}"/>
+          <p:cNvPr id="41" name="Textfeld 40">
+            <a:extLst>
+              <a:ext uri="{FF2B5EF4-FFF2-40B4-BE49-F238E27FC236}">
+                <a16:creationId xmlns:a16="http://schemas.microsoft.com/office/drawing/2014/main" id="{AE7AEF23-4CD9-090F-085D-CE7EA615DA5C}"/>
               </a:ext>
             </a:extLst>
           </p:cNvPr>
@@ -4962,8 +6857,8 @@
         </p:nvSpPr>
         <p:spPr>
           <a:xfrm>
-            <a:off x="-13857" y="3158217"/>
-            <a:ext cx="4472635" cy="738664"/>
+            <a:off x="4791996" y="4174668"/>
+            <a:ext cx="2801921" cy="738664"/>
           </a:xfrm>
           <a:prstGeom prst="rect">
             <a:avLst/>
@@ -4978,99 +6873,53 @@
           <a:p>
             <a:pPr algn="ctr"/>
             <a:r>
-              <a:rPr lang="en-US" sz="1400" dirty="0"/>
-              <a:t>Validate </a:t>
-            </a:r>
-            <a:r>
-              <a:rPr lang="en-US" sz="1400" dirty="0" err="1"/>
-              <a:t>kemCertS</a:t>
-            </a:r>
-            <a:r>
-              <a:rPr lang="en-US" sz="1400" dirty="0"/>
+              <a:rPr lang="en-US" sz="1400" err="1"/>
+              <a:t>ip</a:t>
+            </a:r>
+            <a:r>
+              <a:rPr lang="en-US" sz="1400"/>
+              <a:t> message,</a:t>
+            </a:r>
+          </a:p>
+          <a:p>
+            <a:pPr algn="ctr"/>
+            <a:r>
+              <a:rPr lang="en-US" sz="1400" err="1"/>
+              <a:t>KemBMParameter</a:t>
+            </a:r>
+            <a:r>
+              <a:rPr lang="en-US" sz="1400"/>
+              <a:t> as </a:t>
+            </a:r>
+            <a:r>
+              <a:rPr lang="en-US" sz="1400" err="1"/>
+              <a:t>protectionAlg</a:t>
+            </a:r>
+            <a:r>
+              <a:rPr lang="en-US" sz="1400"/>
               <a:t>,</a:t>
             </a:r>
           </a:p>
           <a:p>
             <a:pPr algn="ctr"/>
             <a:r>
-              <a:rPr lang="en-US" sz="1400" dirty="0" err="1"/>
-              <a:t>concat</a:t>
-            </a:r>
-            <a:r>
-              <a:rPr lang="en-US" sz="1400" dirty="0"/>
-              <a:t>(</a:t>
-            </a:r>
-            <a:r>
-              <a:rPr lang="en-US" sz="1400" dirty="0" err="1"/>
-              <a:t>transactionID</a:t>
-            </a:r>
-            <a:r>
-              <a:rPr lang="en-US" sz="1400" dirty="0"/>
-              <a:t>, </a:t>
-            </a:r>
-            <a:r>
-              <a:rPr lang="en-US" sz="1400" dirty="0" err="1"/>
-              <a:t>genm_senderNonce</a:t>
-            </a:r>
-            <a:r>
-              <a:rPr lang="en-US" sz="1400" dirty="0"/>
-              <a:t>) </a:t>
-            </a:r>
-            <a:r>
-              <a:rPr lang="en-US" sz="1400" dirty="0">
-                <a:sym typeface="Wingdings" panose="05000000000000000000" pitchFamily="2" charset="2"/>
-              </a:rPr>
-              <a:t> context1</a:t>
-            </a:r>
-            <a:r>
-              <a:rPr lang="en-US" sz="1400" dirty="0"/>
-              <a:t>,</a:t>
-            </a:r>
-          </a:p>
-          <a:p>
-            <a:pPr algn="ctr"/>
-            <a:r>
-              <a:rPr lang="en-US" sz="1400" dirty="0" err="1"/>
-              <a:t>ReceiveExportBase</a:t>
-            </a:r>
-            <a:r>
-              <a:rPr lang="en-US" sz="1400" dirty="0"/>
-              <a:t>(enc1, </a:t>
-            </a:r>
-            <a:r>
-              <a:rPr lang="en-US" sz="1400" dirty="0" err="1"/>
-              <a:t>skC</a:t>
-            </a:r>
-            <a:r>
-              <a:rPr lang="en-US" sz="1400" dirty="0"/>
-              <a:t>, “round1”, </a:t>
-            </a:r>
-            <a:r>
-              <a:rPr lang="en-US" sz="1400" dirty="0">
-                <a:sym typeface="Wingdings" panose="05000000000000000000" pitchFamily="2" charset="2"/>
-              </a:rPr>
-              <a:t>context2</a:t>
-            </a:r>
-            <a:r>
-              <a:rPr lang="en-US" sz="1400" dirty="0"/>
-              <a:t>, L) </a:t>
-            </a:r>
-            <a:r>
-              <a:rPr lang="en-US" sz="1400" dirty="0">
-                <a:sym typeface="Wingdings" panose="05000000000000000000" pitchFamily="2" charset="2"/>
-              </a:rPr>
-              <a:t> ss1</a:t>
-            </a:r>
-            <a:endParaRPr lang="en-US" sz="1400" dirty="0"/>
+              <a:rPr lang="en-US" sz="1400" b="1"/>
+              <a:t>MAC-based protection using </a:t>
+            </a:r>
+            <a:r>
+              <a:rPr lang="en-US" sz="1400" b="1" err="1"/>
+              <a:t>ssk</a:t>
+            </a:r>
+            <a:endParaRPr lang="en-US" sz="1400" b="1"/>
           </a:p>
         </p:txBody>
       </p:sp>
       <p:sp>
         <p:nvSpPr>
-          <p:cNvPr id="36" name="Textfeld 35">
-            <a:extLst>
-              <a:ext uri="{FF2B5EF4-FFF2-40B4-BE49-F238E27FC236}">
-                <a16:creationId xmlns:a16="http://schemas.microsoft.com/office/drawing/2014/main" id="{932327E6-9DAE-4EC1-F2A0-8B769C52F433}"/>
+          <p:cNvPr id="42" name="Textfeld 41">
+            <a:extLst>
+              <a:ext uri="{FF2B5EF4-FFF2-40B4-BE49-F238E27FC236}">
+                <a16:creationId xmlns:a16="http://schemas.microsoft.com/office/drawing/2014/main" id="{BD605B4C-D50F-A622-D887-5A5B45E46BAA}"/>
               </a:ext>
             </a:extLst>
           </p:cNvPr>
@@ -5079,8 +6928,8 @@
         </p:nvSpPr>
         <p:spPr>
           <a:xfrm>
-            <a:off x="4957750" y="1761138"/>
-            <a:ext cx="2534413" cy="738664"/>
+            <a:off x="3817323" y="5653941"/>
+            <a:ext cx="4725012" cy="523220"/>
           </a:xfrm>
           <a:prstGeom prst="rect">
             <a:avLst/>
@@ -5095,49 +6944,54 @@
           <a:p>
             <a:pPr algn="ctr"/>
             <a:r>
-              <a:rPr lang="en-US" sz="1400" dirty="0" err="1"/>
-              <a:t>genm</a:t>
-            </a:r>
-            <a:r>
-              <a:rPr lang="en-US" sz="1400" dirty="0"/>
-              <a:t> message,</a:t>
+              <a:rPr lang="en-US" sz="1400" err="1">
+                <a:solidFill>
+                  <a:schemeClr val="bg1">
+                    <a:lumMod val="50000"/>
+                  </a:schemeClr>
+                </a:solidFill>
+              </a:rPr>
+              <a:t>certConf</a:t>
+            </a:r>
+            <a:r>
+              <a:rPr lang="en-US" sz="1400">
+                <a:solidFill>
+                  <a:schemeClr val="bg1">
+                    <a:lumMod val="50000"/>
+                  </a:schemeClr>
+                </a:solidFill>
+              </a:rPr>
+              <a:t> message, </a:t>
+            </a:r>
+            <a:r>
+              <a:rPr lang="en-US" sz="1400" b="1">
+                <a:solidFill>
+                  <a:schemeClr val="bg1">
+                    <a:lumMod val="50000"/>
+                  </a:schemeClr>
+                </a:solidFill>
+              </a:rPr>
+              <a:t>protection depending on client credentials</a:t>
             </a:r>
           </a:p>
           <a:p>
             <a:pPr algn="ctr"/>
-            <a:r>
-              <a:rPr lang="en-US" sz="1400" dirty="0" err="1"/>
-              <a:t>PKIBody.HpkeCiphertext</a:t>
-            </a:r>
-            <a:r>
-              <a:rPr lang="en-US" sz="1400" dirty="0"/>
-              <a:t> absent,</a:t>
-            </a:r>
-          </a:p>
-          <a:p>
-            <a:pPr algn="ctr"/>
-            <a:r>
-              <a:rPr lang="en-US" sz="1400" dirty="0" err="1"/>
-              <a:t>kemCertC</a:t>
-            </a:r>
-            <a:r>
-              <a:rPr lang="en-US" sz="1400" dirty="0"/>
-              <a:t> in </a:t>
-            </a:r>
-            <a:r>
-              <a:rPr lang="en-US" sz="1400" dirty="0" err="1"/>
-              <a:t>extraCerts</a:t>
-            </a:r>
-            <a:endParaRPr lang="en-US" sz="1400" dirty="0"/>
+            <a:endParaRPr lang="en-US" sz="1400" b="1">
+              <a:solidFill>
+                <a:schemeClr val="bg1">
+                  <a:lumMod val="50000"/>
+                </a:schemeClr>
+              </a:solidFill>
+            </a:endParaRPr>
           </a:p>
         </p:txBody>
       </p:sp>
       <p:sp>
         <p:nvSpPr>
-          <p:cNvPr id="37" name="Textfeld 36">
-            <a:extLst>
-              <a:ext uri="{FF2B5EF4-FFF2-40B4-BE49-F238E27FC236}">
-                <a16:creationId xmlns:a16="http://schemas.microsoft.com/office/drawing/2014/main" id="{2150A88D-982A-CC47-FB4F-E766AE51969F}"/>
+          <p:cNvPr id="43" name="Textfeld 42">
+            <a:extLst>
+              <a:ext uri="{FF2B5EF4-FFF2-40B4-BE49-F238E27FC236}">
+                <a16:creationId xmlns:a16="http://schemas.microsoft.com/office/drawing/2014/main" id="{BF6961AB-C44B-417E-0542-ABB3F2EA15EB}"/>
               </a:ext>
             </a:extLst>
           </p:cNvPr>
@@ -5146,8 +7000,8 @@
         </p:nvSpPr>
         <p:spPr>
           <a:xfrm>
-            <a:off x="4909242" y="2474831"/>
-            <a:ext cx="2567434" cy="738664"/>
+            <a:off x="4202289" y="6034508"/>
+            <a:ext cx="3949287" cy="307777"/>
           </a:xfrm>
           <a:prstGeom prst="rect">
             <a:avLst/>
@@ -5162,59 +7016,61 @@
           <a:p>
             <a:pPr algn="ctr"/>
             <a:r>
-              <a:rPr lang="en-US" sz="1400" dirty="0" err="1"/>
-              <a:t>genp</a:t>
-            </a:r>
-            <a:r>
-              <a:rPr lang="en-US" sz="1400" dirty="0"/>
-              <a:t> message,</a:t>
-            </a:r>
-          </a:p>
-          <a:p>
-            <a:pPr algn="ctr"/>
-            <a:r>
-              <a:rPr lang="en-US" sz="1400" dirty="0">
-                <a:cs typeface="Calibri"/>
-              </a:rPr>
-              <a:t>enc1 in</a:t>
-            </a:r>
-            <a:r>
-              <a:rPr lang="en-US" sz="1400" dirty="0"/>
-              <a:t> </a:t>
-            </a:r>
-            <a:r>
-              <a:rPr lang="en-US" sz="1400" dirty="0" err="1"/>
-              <a:t>PKIBody.HpkeCiphertext</a:t>
-            </a:r>
-            <a:r>
-              <a:rPr lang="en-US" sz="1400" dirty="0"/>
-              <a:t>,</a:t>
-            </a:r>
-          </a:p>
-          <a:p>
-            <a:pPr algn="ctr"/>
-            <a:r>
-              <a:rPr lang="en-US" sz="1400" dirty="0" err="1"/>
-              <a:t>kemCertS</a:t>
-            </a:r>
-            <a:r>
-              <a:rPr lang="en-US" sz="1400" dirty="0"/>
-              <a:t> in </a:t>
-            </a:r>
-            <a:r>
-              <a:rPr lang="en-US" sz="1400" dirty="0" err="1"/>
-              <a:t>extraCerts</a:t>
-            </a:r>
-            <a:endParaRPr lang="en-US" sz="1400" dirty="0"/>
+              <a:rPr lang="en-US" sz="1400" err="1">
+                <a:solidFill>
+                  <a:schemeClr val="bg1">
+                    <a:lumMod val="50000"/>
+                  </a:schemeClr>
+                </a:solidFill>
+              </a:rPr>
+              <a:t>pkiconf</a:t>
+            </a:r>
+            <a:r>
+              <a:rPr lang="en-US" sz="1400">
+                <a:solidFill>
+                  <a:schemeClr val="bg1">
+                    <a:lumMod val="50000"/>
+                  </a:schemeClr>
+                </a:solidFill>
+              </a:rPr>
+              <a:t> message, </a:t>
+            </a:r>
+            <a:r>
+              <a:rPr lang="en-US" sz="1400" b="1">
+                <a:solidFill>
+                  <a:schemeClr val="bg1">
+                    <a:lumMod val="50000"/>
+                  </a:schemeClr>
+                </a:solidFill>
+              </a:rPr>
+              <a:t>MAC-based protection using </a:t>
+            </a:r>
+            <a:r>
+              <a:rPr lang="en-US" sz="1400" b="1" err="1">
+                <a:solidFill>
+                  <a:schemeClr val="bg1">
+                    <a:lumMod val="50000"/>
+                  </a:schemeClr>
+                </a:solidFill>
+              </a:rPr>
+              <a:t>ssk</a:t>
+            </a:r>
+            <a:endParaRPr lang="en-US" sz="1400" b="1">
+              <a:solidFill>
+                <a:schemeClr val="bg1">
+                  <a:lumMod val="50000"/>
+                </a:schemeClr>
+              </a:solidFill>
+            </a:endParaRPr>
           </a:p>
         </p:txBody>
       </p:sp>
       <p:sp>
         <p:nvSpPr>
-          <p:cNvPr id="38" name="Textfeld 37">
-            <a:extLst>
-              <a:ext uri="{FF2B5EF4-FFF2-40B4-BE49-F238E27FC236}">
-                <a16:creationId xmlns:a16="http://schemas.microsoft.com/office/drawing/2014/main" id="{5B78DB8A-BC73-AE81-8475-5AED72355169}"/>
+          <p:cNvPr id="14" name="Textfeld 13">
+            <a:extLst>
+              <a:ext uri="{FF2B5EF4-FFF2-40B4-BE49-F238E27FC236}">
+                <a16:creationId xmlns:a16="http://schemas.microsoft.com/office/drawing/2014/main" id="{6E64DE98-5539-6A93-74F2-866C1DC8363D}"/>
               </a:ext>
             </a:extLst>
           </p:cNvPr>
@@ -5223,13 +7079,15 @@
         </p:nvSpPr>
         <p:spPr>
           <a:xfrm>
-            <a:off x="17029" y="3848113"/>
-            <a:ext cx="4401911" cy="738664"/>
+            <a:off x="574186" y="4975557"/>
+            <a:ext cx="3264483" cy="738664"/>
           </a:xfrm>
           <a:prstGeom prst="rect">
             <a:avLst/>
           </a:prstGeom>
-          <a:noFill/>
+          <a:solidFill>
+            <a:schemeClr val="bg1"/>
+          </a:solidFill>
         </p:spPr>
         <p:txBody>
           <a:bodyPr wrap="none" rtlCol="0">
@@ -5239,1445 +7097,83 @@
           <a:p>
             <a:pPr algn="ctr"/>
             <a:r>
-              <a:rPr lang="en-US" sz="1400" dirty="0" err="1"/>
-              <a:t>concat</a:t>
-            </a:r>
-            <a:r>
-              <a:rPr lang="en-US" sz="1400" dirty="0"/>
-              <a:t>(ss1, </a:t>
-            </a:r>
-            <a:r>
-              <a:rPr lang="en-US" sz="1400" dirty="0" err="1"/>
-              <a:t>transactionID</a:t>
-            </a:r>
-            <a:r>
-              <a:rPr lang="en-US" sz="1400" dirty="0"/>
-              <a:t>, </a:t>
-            </a:r>
+              <a:rPr lang="en-US" sz="1400">
+                <a:sym typeface="Wingdings" panose="05000000000000000000" pitchFamily="2" charset="2"/>
+              </a:rPr>
+              <a:t>DER-encoded </a:t>
+            </a:r>
+            <a:r>
+              <a:rPr lang="en-US" sz="1400" err="1">
+                <a:sym typeface="Wingdings" panose="05000000000000000000" pitchFamily="2" charset="2"/>
+              </a:rPr>
+              <a:t>KemOtherInfo</a:t>
+            </a:r>
+            <a:r>
+              <a:rPr lang="en-US" sz="1400">
+                <a:sym typeface="Wingdings" panose="05000000000000000000" pitchFamily="2" charset="2"/>
+              </a:rPr>
+              <a:t>  </a:t>
+            </a:r>
+            <a:r>
+              <a:rPr lang="en-US" sz="1400"/>
+              <a:t>context</a:t>
+            </a:r>
+            <a:endParaRPr lang="en-US" sz="1400">
+              <a:sym typeface="Wingdings" panose="05000000000000000000" pitchFamily="2" charset="2"/>
+            </a:endParaRPr>
           </a:p>
           <a:p>
             <a:pPr algn="ctr"/>
             <a:r>
-              <a:rPr lang="en-US" sz="1400" dirty="0" err="1"/>
-              <a:t>genp_senderNonce</a:t>
-            </a:r>
-            <a:r>
-              <a:rPr lang="en-US" sz="1400" dirty="0"/>
-              <a:t>, </a:t>
-            </a:r>
-            <a:r>
-              <a:rPr lang="en-US" sz="1400" dirty="0" err="1"/>
-              <a:t>genp_recipNonce</a:t>
-            </a:r>
-            <a:r>
-              <a:rPr lang="en-US" sz="1400" dirty="0"/>
-              <a:t>) </a:t>
-            </a:r>
-            <a:r>
-              <a:rPr lang="en-US" sz="1400" dirty="0">
+              <a:rPr lang="en-US" sz="1400" err="1"/>
+              <a:t>kdf</a:t>
+            </a:r>
+            <a:r>
+              <a:rPr lang="en-US" sz="1400"/>
+              <a:t>(ss, </a:t>
+            </a:r>
+            <a:r>
+              <a:rPr lang="en-US" sz="1400" err="1"/>
+              <a:t>len</a:t>
+            </a:r>
+            <a:r>
+              <a:rPr lang="en-US" sz="1400"/>
+              <a:t>, context) </a:t>
+            </a:r>
+            <a:r>
+              <a:rPr lang="en-US" sz="1400">
                 <a:sym typeface="Wingdings" panose="05000000000000000000" pitchFamily="2" charset="2"/>
               </a:rPr>
-              <a:t> context2</a:t>
-            </a:r>
-            <a:endParaRPr lang="en-US" sz="1400" dirty="0"/>
+              <a:t> </a:t>
+            </a:r>
+            <a:r>
+              <a:rPr lang="en-US" sz="1400" err="1">
+                <a:sym typeface="Wingdings" panose="05000000000000000000" pitchFamily="2" charset="2"/>
+              </a:rPr>
+              <a:t>ssk</a:t>
+            </a:r>
+            <a:endParaRPr lang="en-US" sz="1400">
+              <a:sym typeface="Wingdings" panose="05000000000000000000" pitchFamily="2" charset="2"/>
+            </a:endParaRPr>
           </a:p>
           <a:p>
             <a:pPr algn="ctr"/>
             <a:r>
-              <a:rPr lang="en-US" sz="1400" dirty="0" err="1"/>
-              <a:t>SendExportBase</a:t>
-            </a:r>
-            <a:r>
-              <a:rPr lang="en-US" sz="1400" dirty="0"/>
-              <a:t>(</a:t>
-            </a:r>
-            <a:r>
-              <a:rPr lang="en-US" sz="1400" dirty="0" err="1"/>
-              <a:t>pkS</a:t>
-            </a:r>
-            <a:r>
-              <a:rPr lang="en-US" sz="1400" dirty="0"/>
-              <a:t>, “round2”, </a:t>
-            </a:r>
-            <a:r>
-              <a:rPr lang="en-US" sz="1400" dirty="0">
+              <a:rPr lang="en-US" sz="1400" b="1">
                 <a:sym typeface="Wingdings" panose="05000000000000000000" pitchFamily="2" charset="2"/>
               </a:rPr>
-              <a:t>context2</a:t>
-            </a:r>
-            <a:r>
-              <a:rPr lang="en-US" sz="1400" dirty="0"/>
-              <a:t>, L) </a:t>
-            </a:r>
-            <a:r>
-              <a:rPr lang="en-US" sz="1400" dirty="0">
-                <a:sym typeface="Wingdings" panose="05000000000000000000" pitchFamily="2" charset="2"/>
-              </a:rPr>
-              <a:t> </a:t>
-            </a:r>
-            <a:r>
-              <a:rPr lang="en-US" sz="1400" dirty="0"/>
-              <a:t>(enc2, ss2)</a:t>
-            </a:r>
-          </a:p>
-        </p:txBody>
-      </p:sp>
-      <p:sp>
-        <p:nvSpPr>
-          <p:cNvPr id="39" name="Textfeld 38">
-            <a:extLst>
-              <a:ext uri="{FF2B5EF4-FFF2-40B4-BE49-F238E27FC236}">
-                <a16:creationId xmlns:a16="http://schemas.microsoft.com/office/drawing/2014/main" id="{A00D85E3-6E5A-8990-9429-0BE101918954}"/>
-              </a:ext>
-            </a:extLst>
-          </p:cNvPr>
-          <p:cNvSpPr txBox="1"/>
-          <p:nvPr/>
-        </p:nvSpPr>
-        <p:spPr>
-          <a:xfrm>
-            <a:off x="7806812" y="4504545"/>
-            <a:ext cx="4469172" cy="1169551"/>
-          </a:xfrm>
-          <a:prstGeom prst="rect">
-            <a:avLst/>
-          </a:prstGeom>
-          <a:noFill/>
-        </p:spPr>
-        <p:txBody>
-          <a:bodyPr wrap="none" rtlCol="0">
-            <a:spAutoFit/>
-          </a:bodyPr>
-          <a:lstStyle/>
-          <a:p>
-            <a:pPr algn="ctr"/>
-            <a:r>
-              <a:rPr lang="en-US" sz="1400" dirty="0" err="1"/>
-              <a:t>concat</a:t>
-            </a:r>
-            <a:r>
-              <a:rPr lang="en-US" sz="1400" dirty="0"/>
-              <a:t>(ss1, </a:t>
-            </a:r>
-            <a:r>
-              <a:rPr lang="en-US" sz="1400" dirty="0" err="1"/>
-              <a:t>transactionID</a:t>
-            </a:r>
-            <a:r>
-              <a:rPr lang="en-US" sz="1400" dirty="0"/>
-              <a:t>, </a:t>
-            </a:r>
-          </a:p>
-          <a:p>
-            <a:pPr algn="ctr"/>
-            <a:r>
-              <a:rPr lang="en-US" sz="1400" dirty="0" err="1"/>
-              <a:t>genp_senderNonce</a:t>
-            </a:r>
-            <a:r>
-              <a:rPr lang="en-US" sz="1400" dirty="0"/>
-              <a:t>, </a:t>
-            </a:r>
-            <a:r>
-              <a:rPr lang="en-US" sz="1400" dirty="0" err="1"/>
-              <a:t>genp_recipNonce</a:t>
-            </a:r>
-            <a:r>
-              <a:rPr lang="en-US" sz="1400" dirty="0"/>
-              <a:t>) </a:t>
-            </a:r>
-            <a:r>
-              <a:rPr lang="en-US" sz="1400" dirty="0">
-                <a:sym typeface="Wingdings" panose="05000000000000000000" pitchFamily="2" charset="2"/>
-              </a:rPr>
-              <a:t> context2</a:t>
-            </a:r>
-            <a:endParaRPr lang="en-US" sz="1400" dirty="0"/>
-          </a:p>
-          <a:p>
-            <a:pPr algn="ctr"/>
-            <a:r>
-              <a:rPr lang="en-US" sz="1400" dirty="0" err="1"/>
-              <a:t>ReceiveExportBase</a:t>
-            </a:r>
-            <a:r>
-              <a:rPr lang="en-US" sz="1400" dirty="0"/>
-              <a:t>(enc2, </a:t>
-            </a:r>
-            <a:r>
-              <a:rPr lang="en-US" sz="1400" dirty="0" err="1"/>
-              <a:t>skS</a:t>
-            </a:r>
-            <a:r>
-              <a:rPr lang="en-US" sz="1400" dirty="0"/>
-              <a:t>, “round2”, </a:t>
-            </a:r>
-            <a:r>
-              <a:rPr lang="en-US" sz="1400" dirty="0">
-                <a:sym typeface="Wingdings" panose="05000000000000000000" pitchFamily="2" charset="2"/>
-              </a:rPr>
-              <a:t>context2</a:t>
-            </a:r>
-            <a:r>
-              <a:rPr lang="en-US" sz="1400" dirty="0"/>
-              <a:t>, L) </a:t>
-            </a:r>
-            <a:r>
-              <a:rPr lang="en-US" sz="1400" dirty="0">
-                <a:sym typeface="Wingdings" panose="05000000000000000000" pitchFamily="2" charset="2"/>
-              </a:rPr>
-              <a:t> ss2</a:t>
-            </a:r>
-          </a:p>
-          <a:p>
-            <a:pPr algn="ctr"/>
-            <a:r>
-              <a:rPr lang="en-US" sz="1400" dirty="0">
-                <a:solidFill>
-                  <a:schemeClr val="accent2"/>
-                </a:solidFill>
-              </a:rPr>
-              <a:t>Client is authenticated by the server after verifying the </a:t>
-            </a:r>
-            <a:br>
-              <a:rPr lang="en-US" sz="1400" dirty="0">
-                <a:solidFill>
-                  <a:schemeClr val="accent2"/>
-                </a:solidFill>
-              </a:rPr>
-            </a:br>
-            <a:r>
-              <a:rPr lang="en-US" sz="1400" dirty="0">
-                <a:solidFill>
-                  <a:schemeClr val="accent2"/>
-                </a:solidFill>
-              </a:rPr>
-              <a:t>MAC-based message protection using ss2</a:t>
-            </a:r>
-            <a:endParaRPr lang="en-US" sz="1400" dirty="0"/>
-          </a:p>
-        </p:txBody>
-      </p:sp>
-      <p:sp>
-        <p:nvSpPr>
-          <p:cNvPr id="40" name="Textfeld 39">
-            <a:extLst>
-              <a:ext uri="{FF2B5EF4-FFF2-40B4-BE49-F238E27FC236}">
-                <a16:creationId xmlns:a16="http://schemas.microsoft.com/office/drawing/2014/main" id="{8320E0BC-46D9-D471-126F-E79830DF444C}"/>
-              </a:ext>
-            </a:extLst>
-          </p:cNvPr>
-          <p:cNvSpPr txBox="1"/>
-          <p:nvPr/>
-        </p:nvSpPr>
-        <p:spPr>
-          <a:xfrm>
-            <a:off x="4771710" y="3874471"/>
-            <a:ext cx="2848280" cy="738664"/>
-          </a:xfrm>
-          <a:prstGeom prst="rect">
-            <a:avLst/>
-          </a:prstGeom>
-          <a:noFill/>
-        </p:spPr>
-        <p:txBody>
-          <a:bodyPr wrap="none" rtlCol="0">
-            <a:spAutoFit/>
-          </a:bodyPr>
-          <a:lstStyle/>
-          <a:p>
-            <a:pPr algn="ctr"/>
-            <a:r>
-              <a:rPr lang="en-US" sz="1400" dirty="0" err="1"/>
-              <a:t>kur</a:t>
-            </a:r>
-            <a:r>
-              <a:rPr lang="en-US" sz="1400" dirty="0"/>
-              <a:t> message,</a:t>
-            </a:r>
-          </a:p>
-          <a:p>
-            <a:pPr algn="ctr"/>
-            <a:r>
-              <a:rPr lang="en-US" sz="1400" dirty="0">
-                <a:cs typeface="Calibri"/>
-              </a:rPr>
-              <a:t>enc2 in </a:t>
-            </a:r>
-            <a:r>
-              <a:rPr lang="en-US" sz="1400" dirty="0" err="1">
-                <a:cs typeface="Calibri"/>
-              </a:rPr>
-              <a:t>generalInfo.</a:t>
-            </a:r>
-            <a:r>
-              <a:rPr lang="en-US" sz="1400" dirty="0" err="1"/>
-              <a:t>HpkeCiphertext</a:t>
-            </a:r>
-            <a:r>
-              <a:rPr lang="en-US" sz="1400" dirty="0"/>
-              <a:t> </a:t>
-            </a:r>
-            <a:r>
-              <a:rPr lang="en-US" sz="1400" dirty="0">
-                <a:cs typeface="Calibri"/>
-              </a:rPr>
-              <a:t>,</a:t>
-            </a:r>
-          </a:p>
-          <a:p>
-            <a:pPr algn="ctr"/>
-            <a:r>
-              <a:rPr lang="en-US" sz="1400" dirty="0"/>
-              <a:t>MAC-based protection using ss2</a:t>
-            </a:r>
-          </a:p>
-        </p:txBody>
-      </p:sp>
-      <p:sp>
-        <p:nvSpPr>
-          <p:cNvPr id="41" name="Textfeld 40">
-            <a:extLst>
-              <a:ext uri="{FF2B5EF4-FFF2-40B4-BE49-F238E27FC236}">
-                <a16:creationId xmlns:a16="http://schemas.microsoft.com/office/drawing/2014/main" id="{AE7AEF23-4CD9-090F-085D-CE7EA615DA5C}"/>
-              </a:ext>
-            </a:extLst>
-          </p:cNvPr>
-          <p:cNvSpPr txBox="1"/>
-          <p:nvPr/>
-        </p:nvSpPr>
-        <p:spPr>
-          <a:xfrm>
-            <a:off x="4413622" y="5362645"/>
-            <a:ext cx="3558667" cy="307777"/>
-          </a:xfrm>
-          <a:prstGeom prst="rect">
-            <a:avLst/>
-          </a:prstGeom>
-          <a:noFill/>
-        </p:spPr>
-        <p:txBody>
-          <a:bodyPr wrap="none" rtlCol="0">
-            <a:spAutoFit/>
-          </a:bodyPr>
-          <a:lstStyle/>
-          <a:p>
-            <a:pPr algn="ctr"/>
-            <a:r>
-              <a:rPr lang="en-US" sz="1400" dirty="0" err="1"/>
-              <a:t>kup</a:t>
-            </a:r>
-            <a:r>
-              <a:rPr lang="en-US" sz="1400" dirty="0"/>
-              <a:t> message, MAC-based protection using ss2</a:t>
-            </a:r>
-          </a:p>
-        </p:txBody>
-      </p:sp>
-      <p:sp>
-        <p:nvSpPr>
-          <p:cNvPr id="42" name="Textfeld 41">
-            <a:extLst>
-              <a:ext uri="{FF2B5EF4-FFF2-40B4-BE49-F238E27FC236}">
-                <a16:creationId xmlns:a16="http://schemas.microsoft.com/office/drawing/2014/main" id="{BD605B4C-D50F-A622-D887-5A5B45E46BAA}"/>
-              </a:ext>
-            </a:extLst>
-          </p:cNvPr>
-          <p:cNvSpPr txBox="1"/>
-          <p:nvPr/>
-        </p:nvSpPr>
-        <p:spPr>
-          <a:xfrm>
-            <a:off x="4221119" y="5807107"/>
-            <a:ext cx="3917419" cy="307777"/>
-          </a:xfrm>
-          <a:prstGeom prst="rect">
-            <a:avLst/>
-          </a:prstGeom>
-          <a:noFill/>
-        </p:spPr>
-        <p:txBody>
-          <a:bodyPr wrap="none" rtlCol="0">
-            <a:spAutoFit/>
-          </a:bodyPr>
-          <a:lstStyle/>
-          <a:p>
-            <a:pPr algn="ctr"/>
-            <a:r>
-              <a:rPr lang="en-US" sz="1400" dirty="0" err="1"/>
-              <a:t>certConf</a:t>
-            </a:r>
-            <a:r>
-              <a:rPr lang="en-US" sz="1400" dirty="0"/>
-              <a:t> message, MAC-based protection using ss2</a:t>
-            </a:r>
-          </a:p>
-        </p:txBody>
-      </p:sp>
-      <p:sp>
-        <p:nvSpPr>
-          <p:cNvPr id="43" name="Textfeld 42">
-            <a:extLst>
-              <a:ext uri="{FF2B5EF4-FFF2-40B4-BE49-F238E27FC236}">
-                <a16:creationId xmlns:a16="http://schemas.microsoft.com/office/drawing/2014/main" id="{BF6961AB-C44B-417E-0542-ABB3F2EA15EB}"/>
-              </a:ext>
-            </a:extLst>
-          </p:cNvPr>
-          <p:cNvSpPr txBox="1"/>
-          <p:nvPr/>
-        </p:nvSpPr>
-        <p:spPr>
-          <a:xfrm>
-            <a:off x="4264647" y="6177842"/>
-            <a:ext cx="3824573" cy="307777"/>
-          </a:xfrm>
-          <a:prstGeom prst="rect">
-            <a:avLst/>
-          </a:prstGeom>
-          <a:noFill/>
-        </p:spPr>
-        <p:txBody>
-          <a:bodyPr wrap="none" rtlCol="0">
-            <a:spAutoFit/>
-          </a:bodyPr>
-          <a:lstStyle/>
-          <a:p>
-            <a:pPr algn="ctr"/>
-            <a:r>
-              <a:rPr lang="en-US" sz="1400" dirty="0" err="1"/>
-              <a:t>pkiconf</a:t>
-            </a:r>
-            <a:r>
-              <a:rPr lang="en-US" sz="1400" dirty="0"/>
-              <a:t> message, MAC-based protection using ss2</a:t>
-            </a:r>
-          </a:p>
-        </p:txBody>
-      </p:sp>
-      <p:sp>
-        <p:nvSpPr>
-          <p:cNvPr id="21" name="Textfeld 20">
-            <a:extLst>
-              <a:ext uri="{FF2B5EF4-FFF2-40B4-BE49-F238E27FC236}">
-                <a16:creationId xmlns:a16="http://schemas.microsoft.com/office/drawing/2014/main" id="{183DFF53-7D68-D971-886F-6B43E29EB660}"/>
-              </a:ext>
-            </a:extLst>
-          </p:cNvPr>
-          <p:cNvSpPr txBox="1"/>
-          <p:nvPr/>
-        </p:nvSpPr>
-        <p:spPr>
-          <a:xfrm>
-            <a:off x="89807" y="5581616"/>
-            <a:ext cx="4255973" cy="523220"/>
-          </a:xfrm>
-          <a:prstGeom prst="rect">
-            <a:avLst/>
-          </a:prstGeom>
-          <a:noFill/>
-        </p:spPr>
-        <p:txBody>
-          <a:bodyPr wrap="none" rtlCol="0">
-            <a:spAutoFit/>
-          </a:bodyPr>
-          <a:lstStyle/>
-          <a:p>
-            <a:pPr algn="ctr"/>
-            <a:r>
-              <a:rPr lang="en-US" sz="1400" dirty="0">
-                <a:solidFill>
-                  <a:schemeClr val="accent2"/>
-                </a:solidFill>
-              </a:rPr>
-              <a:t>Server is authenticated by the server after verifying the </a:t>
-            </a:r>
-            <a:br>
-              <a:rPr lang="en-US" sz="1400" dirty="0">
-                <a:solidFill>
-                  <a:schemeClr val="accent2"/>
-                </a:solidFill>
-              </a:rPr>
-            </a:br>
-            <a:r>
-              <a:rPr lang="en-US" sz="1400" dirty="0">
-                <a:solidFill>
-                  <a:schemeClr val="accent2"/>
-                </a:solidFill>
-              </a:rPr>
-              <a:t>MAC-based message protection </a:t>
-            </a:r>
-            <a:r>
-              <a:rPr lang="en-US" sz="1400">
-                <a:solidFill>
-                  <a:schemeClr val="accent2"/>
-                </a:solidFill>
-              </a:rPr>
-              <a:t>using ss2</a:t>
-            </a:r>
-            <a:endParaRPr lang="en-US" sz="1400" dirty="0"/>
-          </a:p>
-        </p:txBody>
-      </p:sp>
-    </p:spTree>
-    <p:extLst>
-      <p:ext uri="{BB962C8B-B14F-4D97-AF65-F5344CB8AC3E}">
-        <p14:creationId xmlns:p14="http://schemas.microsoft.com/office/powerpoint/2010/main" val="389795676"/>
-      </p:ext>
-    </p:extLst>
-  </p:cSld>
-  <p:clrMapOvr>
-    <a:masterClrMapping/>
-  </p:clrMapOvr>
-</p:sld>
-</file>
-
-<file path=ppt/slides/slide5.xml><?xml version="1.0" encoding="utf-8"?>
-<p:sld xmlns:a="http://schemas.openxmlformats.org/drawingml/2006/main" xmlns:r="http://schemas.openxmlformats.org/officeDocument/2006/relationships" xmlns:p="http://schemas.openxmlformats.org/presentationml/2006/main">
-  <p:cSld>
-    <p:spTree>
-      <p:nvGrpSpPr>
-        <p:cNvPr id="1" name=""/>
-        <p:cNvGrpSpPr/>
-        <p:nvPr/>
-      </p:nvGrpSpPr>
-      <p:grpSpPr>
-        <a:xfrm>
-          <a:off x="0" y="0"/>
-          <a:ext cx="0" cy="0"/>
-          <a:chOff x="0" y="0"/>
-          <a:chExt cx="0" cy="0"/>
-        </a:xfrm>
-      </p:grpSpPr>
-      <p:sp>
-        <p:nvSpPr>
-          <p:cNvPr id="2" name="Titel 1">
-            <a:extLst>
-              <a:ext uri="{FF2B5EF4-FFF2-40B4-BE49-F238E27FC236}">
-                <a16:creationId xmlns:a16="http://schemas.microsoft.com/office/drawing/2014/main" id="{2ADA995F-910D-5645-150D-45F9CB120200}"/>
-              </a:ext>
-            </a:extLst>
-          </p:cNvPr>
-          <p:cNvSpPr>
-            <a:spLocks noGrp="1"/>
-          </p:cNvSpPr>
-          <p:nvPr>
-            <p:ph type="title"/>
-          </p:nvPr>
-        </p:nvSpPr>
-        <p:spPr/>
-        <p:txBody>
-          <a:bodyPr/>
-          <a:lstStyle/>
-          <a:p>
-            <a:r>
-              <a:rPr lang="en-US" dirty="0"/>
-              <a:t>Footnotes</a:t>
-            </a:r>
-          </a:p>
-        </p:txBody>
-      </p:sp>
-      <p:sp>
-        <p:nvSpPr>
-          <p:cNvPr id="6" name="Inhaltsplatzhalter 5">
-            <a:extLst>
-              <a:ext uri="{FF2B5EF4-FFF2-40B4-BE49-F238E27FC236}">
-                <a16:creationId xmlns:a16="http://schemas.microsoft.com/office/drawing/2014/main" id="{B2A1832C-0FB0-F1A2-4FAB-33245B980E3F}"/>
-              </a:ext>
-            </a:extLst>
-          </p:cNvPr>
-          <p:cNvSpPr>
-            <a:spLocks noGrp="1"/>
-          </p:cNvSpPr>
-          <p:nvPr>
-            <p:ph idx="1"/>
-          </p:nvPr>
-        </p:nvSpPr>
-        <p:spPr>
-          <a:xfrm>
-            <a:off x="838200" y="1825625"/>
-            <a:ext cx="10515600" cy="4351338"/>
-          </a:xfrm>
-        </p:spPr>
-        <p:txBody>
-          <a:bodyPr>
-            <a:normAutofit fontScale="77500" lnSpcReduction="20000"/>
-          </a:bodyPr>
-          <a:lstStyle/>
-          <a:p>
-            <a:pPr marL="0" indent="0">
-              <a:buNone/>
-            </a:pPr>
-            <a:r>
-              <a:rPr lang="en-US" dirty="0"/>
-              <a:t>The functions </a:t>
-            </a:r>
-            <a:r>
-              <a:rPr lang="en-US" sz="2800" dirty="0" err="1"/>
-              <a:t>SendExportBase</a:t>
-            </a:r>
-            <a:r>
-              <a:rPr lang="en-US" dirty="0"/>
-              <a:t>, </a:t>
-            </a:r>
-            <a:r>
-              <a:rPr lang="en-US" dirty="0" err="1"/>
-              <a:t>ReceiveExport</a:t>
-            </a:r>
-            <a:r>
-              <a:rPr lang="en-US" sz="2800" dirty="0" err="1"/>
-              <a:t>Base</a:t>
-            </a:r>
-            <a:r>
-              <a:rPr lang="en-US" dirty="0"/>
-              <a:t>, and </a:t>
-            </a:r>
-            <a:r>
-              <a:rPr lang="en-US" sz="2800" dirty="0" err="1"/>
-              <a:t>concat</a:t>
-            </a:r>
-            <a:r>
-              <a:rPr lang="en-US" dirty="0"/>
-              <a:t> shall be used as defined in RFC 9180.</a:t>
-            </a:r>
-          </a:p>
-          <a:p>
-            <a:pPr marL="0" indent="0">
-              <a:buNone/>
-            </a:pPr>
-            <a:r>
-              <a:rPr lang="en-US" dirty="0"/>
-              <a:t>To derive a joined secret, the shared secret from round 1 will be an input to round 2.</a:t>
-            </a:r>
-          </a:p>
-          <a:p>
-            <a:pPr marL="0" indent="0">
-              <a:buNone/>
-            </a:pPr>
-            <a:r>
-              <a:rPr lang="en-US" dirty="0"/>
-              <a:t>Parameters used:</a:t>
-            </a:r>
-          </a:p>
-          <a:p>
-            <a:r>
-              <a:rPr lang="en-US" sz="2800" dirty="0" err="1"/>
-              <a:t>pkC</a:t>
-            </a:r>
-            <a:r>
-              <a:rPr lang="en-US" sz="2800" dirty="0"/>
-              <a:t>: public KEM of the client; </a:t>
-            </a:r>
-            <a:r>
-              <a:rPr lang="en-US" sz="2800" dirty="0" err="1"/>
-              <a:t>skC</a:t>
-            </a:r>
-            <a:r>
-              <a:rPr lang="en-US" sz="2800" dirty="0"/>
-              <a:t>: private KEM key of </a:t>
-            </a:r>
-            <a:r>
-              <a:rPr lang="en-US" dirty="0"/>
-              <a:t>the client; </a:t>
-            </a:r>
-            <a:r>
-              <a:rPr lang="en-US" dirty="0" err="1"/>
-              <a:t>kemCertC</a:t>
-            </a:r>
-            <a:r>
-              <a:rPr lang="en-US" dirty="0"/>
-              <a:t>: X.509 certificate containing </a:t>
-            </a:r>
-            <a:r>
-              <a:rPr lang="en-US" dirty="0" err="1"/>
-              <a:t>pkC</a:t>
-            </a:r>
-            <a:endParaRPr lang="en-US" sz="2800" dirty="0"/>
-          </a:p>
-          <a:p>
-            <a:r>
-              <a:rPr lang="en-US" sz="2800" dirty="0" err="1"/>
-              <a:t>pkS</a:t>
-            </a:r>
-            <a:r>
-              <a:rPr lang="en-US" sz="2800" dirty="0"/>
-              <a:t>: public KEM key of the server; </a:t>
-            </a:r>
-            <a:r>
-              <a:rPr lang="en-US" sz="2800" dirty="0" err="1"/>
-              <a:t>skS</a:t>
-            </a:r>
-            <a:r>
-              <a:rPr lang="en-US" sz="2800" dirty="0"/>
-              <a:t>: private KEM key of the </a:t>
-            </a:r>
-            <a:r>
-              <a:rPr lang="en-US" dirty="0"/>
-              <a:t>server; </a:t>
-            </a:r>
-            <a:r>
-              <a:rPr lang="en-US" dirty="0" err="1"/>
-              <a:t>kemCertS</a:t>
-            </a:r>
-            <a:r>
-              <a:rPr lang="en-US" dirty="0"/>
-              <a:t>: X.509 certificate containing </a:t>
-            </a:r>
-            <a:r>
-              <a:rPr lang="en-US" dirty="0" err="1"/>
-              <a:t>pkS</a:t>
-            </a:r>
-            <a:endParaRPr lang="en-US" sz="2800" dirty="0"/>
-          </a:p>
-          <a:p>
-            <a:r>
-              <a:rPr lang="en-US" sz="2800" dirty="0"/>
-              <a:t>L: maximum key length of the MAC function to be used for message protection, but not longer that 255*Nh; Nh: output size of the extract function of the uses KDF</a:t>
-            </a:r>
-          </a:p>
-          <a:p>
-            <a:r>
-              <a:rPr lang="en-US" sz="2800" dirty="0" err="1"/>
-              <a:t>transactionID</a:t>
-            </a:r>
-            <a:r>
-              <a:rPr lang="en-US" sz="2800" dirty="0"/>
-              <a:t>: </a:t>
-            </a:r>
-            <a:r>
-              <a:rPr lang="en-US" sz="2800" dirty="0" err="1"/>
-              <a:t>transactionID</a:t>
-            </a:r>
-            <a:r>
-              <a:rPr lang="en-US" sz="2800" dirty="0"/>
-              <a:t> from </a:t>
-            </a:r>
-            <a:r>
-              <a:rPr lang="en-US" sz="2800" dirty="0" err="1"/>
-              <a:t>PKIHeader</a:t>
-            </a:r>
-            <a:r>
-              <a:rPr lang="en-US" sz="2800" dirty="0"/>
-              <a:t> of each message</a:t>
-            </a:r>
-          </a:p>
-          <a:p>
-            <a:r>
-              <a:rPr lang="en-US" sz="2800" dirty="0" err="1"/>
-              <a:t>genm_senderNonce</a:t>
-            </a:r>
-            <a:r>
-              <a:rPr lang="en-US" sz="2800" dirty="0"/>
-              <a:t>: </a:t>
-            </a:r>
-            <a:r>
-              <a:rPr lang="en-US" sz="2800" dirty="0" err="1"/>
-              <a:t>senderNonce</a:t>
-            </a:r>
-            <a:r>
-              <a:rPr lang="en-US" sz="2800" dirty="0"/>
-              <a:t> from </a:t>
-            </a:r>
-            <a:r>
-              <a:rPr lang="en-US" sz="2800" dirty="0" err="1"/>
-              <a:t>PKIHeader</a:t>
-            </a:r>
-            <a:r>
-              <a:rPr lang="en-US" sz="2800" dirty="0"/>
-              <a:t> of the </a:t>
-            </a:r>
-            <a:r>
-              <a:rPr lang="en-US" sz="2800" dirty="0" err="1"/>
-              <a:t>genm</a:t>
-            </a:r>
-            <a:r>
-              <a:rPr lang="en-US" sz="2800" dirty="0"/>
-              <a:t> message</a:t>
-            </a:r>
-            <a:r>
-              <a:rPr lang="en-US" dirty="0"/>
-              <a:t>; </a:t>
-            </a:r>
-            <a:r>
-              <a:rPr lang="en-US" sz="2800" dirty="0" err="1"/>
-              <a:t>genp_senderNonce</a:t>
-            </a:r>
-            <a:r>
-              <a:rPr lang="en-US" sz="2800" dirty="0"/>
-              <a:t>: </a:t>
-            </a:r>
-            <a:r>
-              <a:rPr lang="en-US" sz="2800" dirty="0" err="1"/>
-              <a:t>senderNonce</a:t>
-            </a:r>
-            <a:r>
-              <a:rPr lang="en-US" sz="2800" dirty="0"/>
-              <a:t> from </a:t>
-            </a:r>
-            <a:r>
-              <a:rPr lang="en-US" sz="2800" dirty="0" err="1"/>
-              <a:t>PKIHeader</a:t>
-            </a:r>
-            <a:r>
-              <a:rPr lang="en-US" sz="2800" dirty="0"/>
-              <a:t> of the </a:t>
-            </a:r>
-            <a:r>
-              <a:rPr lang="en-US" sz="2800" dirty="0" err="1"/>
-              <a:t>genp</a:t>
-            </a:r>
-            <a:r>
-              <a:rPr lang="en-US" sz="2800" dirty="0"/>
-              <a:t> message; </a:t>
-            </a:r>
-            <a:r>
-              <a:rPr lang="en-US" sz="2800" dirty="0" err="1"/>
-              <a:t>genp_recipNonce</a:t>
-            </a:r>
-            <a:r>
-              <a:rPr lang="en-US" sz="2800" dirty="0"/>
-              <a:t>: </a:t>
-            </a:r>
-            <a:r>
-              <a:rPr lang="en-US" sz="2800" dirty="0" err="1"/>
-              <a:t>recipNonce</a:t>
-            </a:r>
-            <a:r>
-              <a:rPr lang="en-US" sz="2800" dirty="0"/>
-              <a:t> from </a:t>
-            </a:r>
-            <a:r>
-              <a:rPr lang="en-US" sz="2800" dirty="0" err="1"/>
-              <a:t>PKIHeader</a:t>
-            </a:r>
-            <a:r>
-              <a:rPr lang="en-US" sz="2800" dirty="0"/>
-              <a:t> of the </a:t>
-            </a:r>
-            <a:r>
-              <a:rPr lang="en-US" sz="2800" dirty="0" err="1"/>
-              <a:t>genp</a:t>
-            </a:r>
-            <a:r>
-              <a:rPr lang="en-US" sz="2800" dirty="0"/>
-              <a:t> message</a:t>
-            </a:r>
-          </a:p>
-          <a:p>
-            <a:endParaRPr lang="en-US" sz="2800" dirty="0"/>
-          </a:p>
-          <a:p>
-            <a:pPr marL="0" indent="0">
-              <a:buNone/>
-            </a:pPr>
-            <a:endParaRPr lang="en-US" dirty="0"/>
-          </a:p>
-          <a:p>
-            <a:pPr marL="0" indent="0">
-              <a:buNone/>
-            </a:pPr>
-            <a:endParaRPr lang="en-US" dirty="0"/>
-          </a:p>
-          <a:p>
-            <a:pPr marL="0" indent="0">
-              <a:buNone/>
-            </a:pPr>
-            <a:endParaRPr lang="en-US" dirty="0"/>
-          </a:p>
-        </p:txBody>
-      </p:sp>
-      <p:sp>
-        <p:nvSpPr>
-          <p:cNvPr id="3" name="Datumsplatzhalter 2">
-            <a:extLst>
-              <a:ext uri="{FF2B5EF4-FFF2-40B4-BE49-F238E27FC236}">
-                <a16:creationId xmlns:a16="http://schemas.microsoft.com/office/drawing/2014/main" id="{3EFDD9D6-4E7F-168A-5AA1-730E98A95E6D}"/>
-              </a:ext>
-            </a:extLst>
-          </p:cNvPr>
-          <p:cNvSpPr>
-            <a:spLocks noGrp="1"/>
-          </p:cNvSpPr>
-          <p:nvPr>
-            <p:ph type="dt" sz="half" idx="10"/>
-          </p:nvPr>
-        </p:nvSpPr>
-        <p:spPr/>
-        <p:txBody>
-          <a:bodyPr/>
-          <a:lstStyle/>
-          <a:p>
-            <a:r>
-              <a:rPr lang="en-US"/>
-              <a:t>November 2022</a:t>
-            </a:r>
-          </a:p>
-        </p:txBody>
-      </p:sp>
-      <p:sp>
-        <p:nvSpPr>
-          <p:cNvPr id="4" name="Fußzeilenplatzhalter 3">
-            <a:extLst>
-              <a:ext uri="{FF2B5EF4-FFF2-40B4-BE49-F238E27FC236}">
-                <a16:creationId xmlns:a16="http://schemas.microsoft.com/office/drawing/2014/main" id="{708B5561-1928-A087-1C5C-B10C3A3370C6}"/>
-              </a:ext>
-            </a:extLst>
-          </p:cNvPr>
-          <p:cNvSpPr>
-            <a:spLocks noGrp="1"/>
-          </p:cNvSpPr>
-          <p:nvPr>
-            <p:ph type="ftr" sz="quarter" idx="11"/>
-          </p:nvPr>
-        </p:nvSpPr>
-        <p:spPr/>
-        <p:txBody>
-          <a:bodyPr/>
-          <a:lstStyle/>
-          <a:p>
-            <a:r>
-              <a:rPr lang="en-US"/>
-              <a:t>Hendrik Brockhaus - Siemens</a:t>
-            </a:r>
-          </a:p>
-        </p:txBody>
-      </p:sp>
-      <p:sp>
-        <p:nvSpPr>
-          <p:cNvPr id="5" name="Foliennummernplatzhalter 4">
-            <a:extLst>
-              <a:ext uri="{FF2B5EF4-FFF2-40B4-BE49-F238E27FC236}">
-                <a16:creationId xmlns:a16="http://schemas.microsoft.com/office/drawing/2014/main" id="{85BF296A-6DB9-7610-2EF3-026F733AF78B}"/>
-              </a:ext>
-            </a:extLst>
-          </p:cNvPr>
-          <p:cNvSpPr>
-            <a:spLocks noGrp="1"/>
-          </p:cNvSpPr>
-          <p:nvPr>
-            <p:ph type="sldNum" sz="quarter" idx="12"/>
-          </p:nvPr>
-        </p:nvSpPr>
-        <p:spPr/>
-        <p:txBody>
-          <a:bodyPr/>
-          <a:lstStyle/>
-          <a:p>
-            <a:fld id="{104F53CC-0028-4916-8B93-0EBFFB2C7AAD}" type="slidenum">
-              <a:rPr lang="en-US" smtClean="0"/>
-              <a:t>5</a:t>
-            </a:fld>
-            <a:endParaRPr lang="en-US"/>
-          </a:p>
-        </p:txBody>
-      </p:sp>
-    </p:spTree>
-    <p:extLst>
-      <p:ext uri="{BB962C8B-B14F-4D97-AF65-F5344CB8AC3E}">
-        <p14:creationId xmlns:p14="http://schemas.microsoft.com/office/powerpoint/2010/main" val="1301973131"/>
-      </p:ext>
-    </p:extLst>
-  </p:cSld>
-  <p:clrMapOvr>
-    <a:masterClrMapping/>
-  </p:clrMapOvr>
-</p:sld>
-</file>
-
-<file path=ppt/slides/slide6.xml><?xml version="1.0" encoding="utf-8"?>
-<p:sld xmlns:a="http://schemas.openxmlformats.org/drawingml/2006/main" xmlns:r="http://schemas.openxmlformats.org/officeDocument/2006/relationships" xmlns:p="http://schemas.openxmlformats.org/presentationml/2006/main">
-  <p:cSld>
-    <p:spTree>
-      <p:nvGrpSpPr>
-        <p:cNvPr id="1" name=""/>
-        <p:cNvGrpSpPr/>
-        <p:nvPr/>
-      </p:nvGrpSpPr>
-      <p:grpSpPr>
-        <a:xfrm>
-          <a:off x="0" y="0"/>
-          <a:ext cx="0" cy="0"/>
-          <a:chOff x="0" y="0"/>
-          <a:chExt cx="0" cy="0"/>
-        </a:xfrm>
-      </p:grpSpPr>
-      <p:sp>
-        <p:nvSpPr>
-          <p:cNvPr id="2" name="Titel 1">
-            <a:extLst>
-              <a:ext uri="{FF2B5EF4-FFF2-40B4-BE49-F238E27FC236}">
-                <a16:creationId xmlns:a16="http://schemas.microsoft.com/office/drawing/2014/main" id="{209F4A47-6F3D-0884-F914-EB1805918816}"/>
-              </a:ext>
-            </a:extLst>
-          </p:cNvPr>
-          <p:cNvSpPr>
-            <a:spLocks noGrp="1"/>
-          </p:cNvSpPr>
-          <p:nvPr>
-            <p:ph type="title"/>
-          </p:nvPr>
-        </p:nvSpPr>
-        <p:spPr/>
-        <p:txBody>
-          <a:bodyPr/>
-          <a:lstStyle/>
-          <a:p>
-            <a:r>
-              <a:rPr lang="de-DE" dirty="0"/>
-              <a:t>Old </a:t>
-            </a:r>
-            <a:r>
-              <a:rPr lang="de-DE" dirty="0" err="1"/>
-              <a:t>slides</a:t>
-            </a:r>
-            <a:endParaRPr lang="de-DE" dirty="0"/>
-          </a:p>
-        </p:txBody>
-      </p:sp>
-      <p:sp>
-        <p:nvSpPr>
-          <p:cNvPr id="3" name="Datumsplatzhalter 2">
-            <a:extLst>
-              <a:ext uri="{FF2B5EF4-FFF2-40B4-BE49-F238E27FC236}">
-                <a16:creationId xmlns:a16="http://schemas.microsoft.com/office/drawing/2014/main" id="{3B02E562-4F80-461A-9140-939406850EDF}"/>
-              </a:ext>
-            </a:extLst>
-          </p:cNvPr>
-          <p:cNvSpPr>
-            <a:spLocks noGrp="1"/>
-          </p:cNvSpPr>
-          <p:nvPr>
-            <p:ph type="dt" sz="half" idx="10"/>
-          </p:nvPr>
-        </p:nvSpPr>
-        <p:spPr/>
-        <p:txBody>
-          <a:bodyPr/>
-          <a:lstStyle/>
-          <a:p>
-            <a:r>
-              <a:rPr lang="en-US"/>
-              <a:t>November 2022</a:t>
-            </a:r>
-          </a:p>
-        </p:txBody>
-      </p:sp>
-      <p:sp>
-        <p:nvSpPr>
-          <p:cNvPr id="4" name="Fußzeilenplatzhalter 3">
-            <a:extLst>
-              <a:ext uri="{FF2B5EF4-FFF2-40B4-BE49-F238E27FC236}">
-                <a16:creationId xmlns:a16="http://schemas.microsoft.com/office/drawing/2014/main" id="{4985F978-8C53-975C-A013-96117EAB6F3B}"/>
-              </a:ext>
-            </a:extLst>
-          </p:cNvPr>
-          <p:cNvSpPr>
-            <a:spLocks noGrp="1"/>
-          </p:cNvSpPr>
-          <p:nvPr>
-            <p:ph type="ftr" sz="quarter" idx="11"/>
-          </p:nvPr>
-        </p:nvSpPr>
-        <p:spPr/>
-        <p:txBody>
-          <a:bodyPr/>
-          <a:lstStyle/>
-          <a:p>
-            <a:r>
-              <a:rPr lang="en-US"/>
-              <a:t>Hendrik Brockhaus - Siemens</a:t>
-            </a:r>
-          </a:p>
-        </p:txBody>
-      </p:sp>
-      <p:sp>
-        <p:nvSpPr>
-          <p:cNvPr id="5" name="Foliennummernplatzhalter 4">
-            <a:extLst>
-              <a:ext uri="{FF2B5EF4-FFF2-40B4-BE49-F238E27FC236}">
-                <a16:creationId xmlns:a16="http://schemas.microsoft.com/office/drawing/2014/main" id="{3BB375B2-FF32-107C-E11A-E7995F8C3E8A}"/>
-              </a:ext>
-            </a:extLst>
-          </p:cNvPr>
-          <p:cNvSpPr>
-            <a:spLocks noGrp="1"/>
-          </p:cNvSpPr>
-          <p:nvPr>
-            <p:ph type="sldNum" sz="quarter" idx="12"/>
-          </p:nvPr>
-        </p:nvSpPr>
-        <p:spPr/>
-        <p:txBody>
-          <a:bodyPr/>
-          <a:lstStyle/>
-          <a:p>
-            <a:fld id="{104F53CC-0028-4916-8B93-0EBFFB2C7AAD}" type="slidenum">
-              <a:rPr lang="en-US" smtClean="0"/>
-              <a:t>6</a:t>
-            </a:fld>
-            <a:endParaRPr lang="en-US"/>
-          </a:p>
-        </p:txBody>
-      </p:sp>
-    </p:spTree>
-    <p:extLst>
-      <p:ext uri="{BB962C8B-B14F-4D97-AF65-F5344CB8AC3E}">
-        <p14:creationId xmlns:p14="http://schemas.microsoft.com/office/powerpoint/2010/main" val="3191070661"/>
-      </p:ext>
-    </p:extLst>
-  </p:cSld>
-  <p:clrMapOvr>
-    <a:masterClrMapping/>
-  </p:clrMapOvr>
-</p:sld>
-</file>
-
-<file path=ppt/slides/slide7.xml><?xml version="1.0" encoding="utf-8"?>
-<p:sld xmlns:a="http://schemas.openxmlformats.org/drawingml/2006/main" xmlns:r="http://schemas.openxmlformats.org/officeDocument/2006/relationships" xmlns:p="http://schemas.openxmlformats.org/presentationml/2006/main">
-  <p:cSld>
-    <p:spTree>
-      <p:nvGrpSpPr>
-        <p:cNvPr id="1" name=""/>
-        <p:cNvGrpSpPr/>
-        <p:nvPr/>
-      </p:nvGrpSpPr>
-      <p:grpSpPr>
-        <a:xfrm>
-          <a:off x="0" y="0"/>
-          <a:ext cx="0" cy="0"/>
-          <a:chOff x="0" y="0"/>
-          <a:chExt cx="0" cy="0"/>
-        </a:xfrm>
-      </p:grpSpPr>
-      <p:sp>
-        <p:nvSpPr>
-          <p:cNvPr id="2" name="Titel 1">
-            <a:extLst>
-              <a:ext uri="{FF2B5EF4-FFF2-40B4-BE49-F238E27FC236}">
-                <a16:creationId xmlns:a16="http://schemas.microsoft.com/office/drawing/2014/main" id="{0C877D99-5B69-8804-9635-3889E2089936}"/>
-              </a:ext>
-            </a:extLst>
-          </p:cNvPr>
-          <p:cNvSpPr>
-            <a:spLocks noGrp="1"/>
-          </p:cNvSpPr>
-          <p:nvPr>
-            <p:ph type="title"/>
-          </p:nvPr>
-        </p:nvSpPr>
-        <p:spPr/>
-        <p:txBody>
-          <a:bodyPr/>
-          <a:lstStyle/>
-          <a:p>
-            <a:r>
-              <a:rPr lang="en-US" dirty="0"/>
-              <a:t>Client and server have KEM certs</a:t>
-            </a:r>
-            <a:br>
-              <a:rPr lang="en-US" dirty="0"/>
-            </a:br>
-            <a:endParaRPr lang="en-US" dirty="0"/>
-          </a:p>
-        </p:txBody>
-      </p:sp>
-      <p:sp>
-        <p:nvSpPr>
-          <p:cNvPr id="4" name="Datumsplatzhalter 3">
-            <a:extLst>
-              <a:ext uri="{FF2B5EF4-FFF2-40B4-BE49-F238E27FC236}">
-                <a16:creationId xmlns:a16="http://schemas.microsoft.com/office/drawing/2014/main" id="{03771BBF-9381-6849-B52A-854305209FE6}"/>
-              </a:ext>
-            </a:extLst>
-          </p:cNvPr>
-          <p:cNvSpPr>
-            <a:spLocks noGrp="1"/>
-          </p:cNvSpPr>
-          <p:nvPr>
-            <p:ph type="dt" sz="half" idx="10"/>
-          </p:nvPr>
-        </p:nvSpPr>
-        <p:spPr/>
-        <p:txBody>
-          <a:bodyPr/>
-          <a:lstStyle/>
-          <a:p>
-            <a:r>
-              <a:rPr lang="en-US"/>
-              <a:t>November 2022</a:t>
-            </a:r>
-          </a:p>
-        </p:txBody>
-      </p:sp>
-      <p:sp>
-        <p:nvSpPr>
-          <p:cNvPr id="5" name="Fußzeilenplatzhalter 4">
-            <a:extLst>
-              <a:ext uri="{FF2B5EF4-FFF2-40B4-BE49-F238E27FC236}">
-                <a16:creationId xmlns:a16="http://schemas.microsoft.com/office/drawing/2014/main" id="{38576BDF-AF08-0051-CC49-E06C902D1AB9}"/>
-              </a:ext>
-            </a:extLst>
-          </p:cNvPr>
-          <p:cNvSpPr>
-            <a:spLocks noGrp="1"/>
-          </p:cNvSpPr>
-          <p:nvPr>
-            <p:ph type="ftr" sz="quarter" idx="11"/>
-          </p:nvPr>
-        </p:nvSpPr>
-        <p:spPr/>
-        <p:txBody>
-          <a:bodyPr/>
-          <a:lstStyle/>
-          <a:p>
-            <a:r>
-              <a:rPr lang="en-US"/>
-              <a:t>Hendrik Brockhaus - Siemens</a:t>
-            </a:r>
-          </a:p>
-        </p:txBody>
-      </p:sp>
-      <p:sp>
-        <p:nvSpPr>
-          <p:cNvPr id="6" name="Foliennummernplatzhalter 5">
-            <a:extLst>
-              <a:ext uri="{FF2B5EF4-FFF2-40B4-BE49-F238E27FC236}">
-                <a16:creationId xmlns:a16="http://schemas.microsoft.com/office/drawing/2014/main" id="{786190B3-34E9-D9BA-1773-646FD0264B9D}"/>
-              </a:ext>
-            </a:extLst>
-          </p:cNvPr>
-          <p:cNvSpPr>
-            <a:spLocks noGrp="1"/>
-          </p:cNvSpPr>
-          <p:nvPr>
-            <p:ph type="sldNum" sz="quarter" idx="12"/>
-          </p:nvPr>
-        </p:nvSpPr>
-        <p:spPr/>
-        <p:txBody>
-          <a:bodyPr/>
-          <a:lstStyle/>
-          <a:p>
-            <a:fld id="{104F53CC-0028-4916-8B93-0EBFFB2C7AAD}" type="slidenum">
-              <a:rPr lang="en-US" smtClean="0"/>
-              <a:t>7</a:t>
-            </a:fld>
-            <a:endParaRPr lang="en-US"/>
-          </a:p>
-        </p:txBody>
-      </p:sp>
-      <p:sp>
-        <p:nvSpPr>
-          <p:cNvPr id="7" name="Textfeld 6">
-            <a:extLst>
-              <a:ext uri="{FF2B5EF4-FFF2-40B4-BE49-F238E27FC236}">
-                <a16:creationId xmlns:a16="http://schemas.microsoft.com/office/drawing/2014/main" id="{CE02BBFB-E5F4-1CA6-D87C-D18460545BB0}"/>
-              </a:ext>
-            </a:extLst>
-          </p:cNvPr>
-          <p:cNvSpPr txBox="1"/>
-          <p:nvPr/>
-        </p:nvSpPr>
-        <p:spPr>
-          <a:xfrm>
-            <a:off x="913483" y="1298421"/>
-            <a:ext cx="2592634" cy="615553"/>
-          </a:xfrm>
-          <a:prstGeom prst="rect">
-            <a:avLst/>
-          </a:prstGeom>
-          <a:noFill/>
-        </p:spPr>
-        <p:txBody>
-          <a:bodyPr wrap="none" rtlCol="0">
-            <a:spAutoFit/>
-          </a:bodyPr>
-          <a:lstStyle/>
-          <a:p>
-            <a:pPr algn="ctr"/>
-            <a:r>
-              <a:rPr lang="en-US" sz="2000"/>
-              <a:t>CMP Client</a:t>
-            </a:r>
-          </a:p>
-          <a:p>
-            <a:pPr algn="ctr"/>
-            <a:r>
-              <a:rPr lang="en-US" sz="1400" err="1"/>
-              <a:t>clientKEMCert</a:t>
-            </a:r>
-            <a:r>
-              <a:rPr lang="en-US" sz="1400"/>
-              <a:t>, </a:t>
-            </a:r>
-            <a:r>
-              <a:rPr lang="en-US" sz="1400" err="1"/>
-              <a:t>clientPrivKEMKey</a:t>
-            </a:r>
-            <a:endParaRPr lang="en-US" sz="1400"/>
-          </a:p>
-        </p:txBody>
-      </p:sp>
-      <p:sp>
-        <p:nvSpPr>
-          <p:cNvPr id="8" name="Textfeld 7">
-            <a:extLst>
-              <a:ext uri="{FF2B5EF4-FFF2-40B4-BE49-F238E27FC236}">
-                <a16:creationId xmlns:a16="http://schemas.microsoft.com/office/drawing/2014/main" id="{B8361719-8448-57CD-5D76-D73E8CB4E430}"/>
-              </a:ext>
-            </a:extLst>
-          </p:cNvPr>
-          <p:cNvSpPr txBox="1"/>
-          <p:nvPr/>
-        </p:nvSpPr>
-        <p:spPr>
-          <a:xfrm>
-            <a:off x="8689085" y="1298421"/>
-            <a:ext cx="2921634" cy="830997"/>
-          </a:xfrm>
-          <a:prstGeom prst="rect">
-            <a:avLst/>
-          </a:prstGeom>
-          <a:noFill/>
-        </p:spPr>
-        <p:txBody>
-          <a:bodyPr wrap="none" rtlCol="0">
-            <a:spAutoFit/>
-          </a:bodyPr>
-          <a:lstStyle/>
-          <a:p>
-            <a:pPr algn="ctr"/>
-            <a:r>
-              <a:rPr lang="en-US" sz="2000" dirty="0"/>
-              <a:t>CMP Server</a:t>
-            </a:r>
-          </a:p>
-          <a:p>
-            <a:pPr algn="ctr"/>
-            <a:r>
-              <a:rPr lang="en-US" sz="1400" dirty="0" err="1"/>
-              <a:t>serverKEMCert</a:t>
-            </a:r>
-            <a:r>
-              <a:rPr lang="en-US" sz="1400" dirty="0"/>
-              <a:t>, </a:t>
-            </a:r>
-            <a:r>
-              <a:rPr lang="en-US" sz="1400" dirty="0" err="1"/>
-              <a:t>serverPrivKEMKey</a:t>
-            </a:r>
-            <a:r>
-              <a:rPr lang="en-US" sz="1400" dirty="0"/>
-              <a:t>,</a:t>
-            </a:r>
-          </a:p>
-          <a:p>
-            <a:pPr algn="ctr"/>
-            <a:r>
-              <a:rPr lang="en-US" sz="1400" dirty="0" err="1">
-                <a:cs typeface="Calibri"/>
-              </a:rPr>
-              <a:t>serverPubKEMKey</a:t>
-            </a:r>
-            <a:r>
-              <a:rPr lang="en-US" sz="1400" dirty="0">
-                <a:cs typeface="Calibri"/>
-              </a:rPr>
-              <a:t>, </a:t>
-            </a:r>
-            <a:r>
-              <a:rPr lang="en-US" sz="1400" dirty="0" err="1">
-                <a:cs typeface="Calibri"/>
-              </a:rPr>
-              <a:t>serverPrivKEMKey</a:t>
-            </a:r>
-            <a:endParaRPr lang="en-US" sz="1400" dirty="0"/>
+              <a:t>client authenticated message from server</a:t>
+            </a:r>
+            <a:endParaRPr lang="en-US" sz="1400" b="1"/>
           </a:p>
         </p:txBody>
       </p:sp>
       <p:cxnSp>
         <p:nvCxnSpPr>
-          <p:cNvPr id="10" name="Gerader Verbinder 9">
-            <a:extLst>
-              <a:ext uri="{FF2B5EF4-FFF2-40B4-BE49-F238E27FC236}">
-                <a16:creationId xmlns:a16="http://schemas.microsoft.com/office/drawing/2014/main" id="{86EE2EDF-D4BE-7863-5300-3506830EE3C7}"/>
-              </a:ext>
-            </a:extLst>
-          </p:cNvPr>
-          <p:cNvCxnSpPr>
-            <a:cxnSpLocks/>
-            <a:stCxn id="7" idx="2"/>
-          </p:cNvCxnSpPr>
-          <p:nvPr/>
-        </p:nvCxnSpPr>
-        <p:spPr>
-          <a:xfrm>
-            <a:off x="2209800" y="1913974"/>
-            <a:ext cx="0" cy="4593302"/>
-          </a:xfrm>
-          <a:prstGeom prst="line">
-            <a:avLst/>
-          </a:prstGeom>
-        </p:spPr>
-        <p:style>
-          <a:lnRef idx="1">
-            <a:schemeClr val="accent1"/>
-          </a:lnRef>
-          <a:fillRef idx="0">
-            <a:schemeClr val="accent1"/>
-          </a:fillRef>
-          <a:effectRef idx="0">
-            <a:schemeClr val="accent1"/>
-          </a:effectRef>
-          <a:fontRef idx="minor">
-            <a:schemeClr val="tx1"/>
-          </a:fontRef>
-        </p:style>
-      </p:cxnSp>
-      <p:cxnSp>
-        <p:nvCxnSpPr>
-          <p:cNvPr id="11" name="Gerader Verbinder 10">
-            <a:extLst>
-              <a:ext uri="{FF2B5EF4-FFF2-40B4-BE49-F238E27FC236}">
-                <a16:creationId xmlns:a16="http://schemas.microsoft.com/office/drawing/2014/main" id="{BCFB8EA3-2D88-C97D-BA2D-AAD8B5D8B45E}"/>
-              </a:ext>
-            </a:extLst>
-          </p:cNvPr>
-          <p:cNvCxnSpPr>
-            <a:cxnSpLocks/>
-            <a:stCxn id="8" idx="2"/>
-          </p:cNvCxnSpPr>
-          <p:nvPr/>
-        </p:nvCxnSpPr>
-        <p:spPr>
-          <a:xfrm flipH="1">
-            <a:off x="10131923" y="2129418"/>
-            <a:ext cx="17979" cy="4377858"/>
-          </a:xfrm>
-          <a:prstGeom prst="line">
-            <a:avLst/>
-          </a:prstGeom>
-        </p:spPr>
-        <p:style>
-          <a:lnRef idx="1">
-            <a:schemeClr val="accent1"/>
-          </a:lnRef>
-          <a:fillRef idx="0">
-            <a:schemeClr val="accent1"/>
-          </a:fillRef>
-          <a:effectRef idx="0">
-            <a:schemeClr val="accent1"/>
-          </a:effectRef>
-          <a:fontRef idx="minor">
-            <a:schemeClr val="tx1"/>
-          </a:fontRef>
-        </p:style>
-      </p:cxnSp>
-      <p:cxnSp>
-        <p:nvCxnSpPr>
-          <p:cNvPr id="22" name="Gerade Verbindung mit Pfeil 21">
-            <a:extLst>
-              <a:ext uri="{FF2B5EF4-FFF2-40B4-BE49-F238E27FC236}">
-                <a16:creationId xmlns:a16="http://schemas.microsoft.com/office/drawing/2014/main" id="{6D6A8808-B519-A510-F15A-592AC846CFDD}"/>
+          <p:cNvPr id="15" name="Gerade Verbindung mit Pfeil 14">
+            <a:extLst>
+              <a:ext uri="{FF2B5EF4-FFF2-40B4-BE49-F238E27FC236}">
+                <a16:creationId xmlns:a16="http://schemas.microsoft.com/office/drawing/2014/main" id="{60B591AB-53B5-5C76-65D8-AC3B99849B78}"/>
               </a:ext>
             </a:extLst>
           </p:cNvPr>
@@ -6688,13 +7184,14 @@
         </p:nvCxnSpPr>
         <p:spPr>
           <a:xfrm>
-            <a:off x="2225824" y="2465473"/>
+            <a:off x="2225824" y="2095090"/>
             <a:ext cx="7906099" cy="0"/>
           </a:xfrm>
           <a:prstGeom prst="straightConnector1">
             <a:avLst/>
           </a:prstGeom>
-          <a:ln>
+          <a:ln w="19050">
+            <a:prstDash val="lgDash"/>
             <a:tailEnd type="triangle"/>
           </a:ln>
         </p:spPr>
@@ -6715,10 +7212,10 @@
       </p:cxnSp>
       <p:cxnSp>
         <p:nvCxnSpPr>
-          <p:cNvPr id="29" name="Gerade Verbindung mit Pfeil 28">
-            <a:extLst>
-              <a:ext uri="{FF2B5EF4-FFF2-40B4-BE49-F238E27FC236}">
-                <a16:creationId xmlns:a16="http://schemas.microsoft.com/office/drawing/2014/main" id="{62B20FAA-6351-2A57-D3CC-47EF529FF1C8}"/>
+          <p:cNvPr id="18" name="Gerade Verbindung mit Pfeil 17">
+            <a:extLst>
+              <a:ext uri="{FF2B5EF4-FFF2-40B4-BE49-F238E27FC236}">
+                <a16:creationId xmlns:a16="http://schemas.microsoft.com/office/drawing/2014/main" id="{5A991BFC-5DD2-61DF-A7B0-FAADD7C37ACF}"/>
               </a:ext>
             </a:extLst>
           </p:cNvPr>
@@ -6729,177 +7226,14 @@
         </p:nvCxnSpPr>
         <p:spPr>
           <a:xfrm flipH="1">
-            <a:off x="2222451" y="3632526"/>
+            <a:off x="2222451" y="3069793"/>
             <a:ext cx="7909472" cy="0"/>
           </a:xfrm>
           <a:prstGeom prst="straightConnector1">
             <a:avLst/>
           </a:prstGeom>
-          <a:ln>
-            <a:tailEnd type="triangle"/>
-          </a:ln>
-        </p:spPr>
-        <p:style>
-          <a:lnRef idx="1">
-            <a:schemeClr val="accent1"/>
-          </a:lnRef>
-          <a:fillRef idx="0">
-            <a:schemeClr val="accent1"/>
-          </a:fillRef>
-          <a:effectRef idx="0">
-            <a:schemeClr val="accent1"/>
-          </a:effectRef>
-          <a:fontRef idx="minor">
-            <a:schemeClr val="tx1"/>
-          </a:fontRef>
-        </p:style>
-      </p:cxnSp>
-      <p:cxnSp>
-        <p:nvCxnSpPr>
-          <p:cNvPr id="16" name="Gerade Verbindung mit Pfeil 15">
-            <a:extLst>
-              <a:ext uri="{FF2B5EF4-FFF2-40B4-BE49-F238E27FC236}">
-                <a16:creationId xmlns:a16="http://schemas.microsoft.com/office/drawing/2014/main" id="{AEF30826-08A5-B328-0EA9-B63A955EBCF8}"/>
-              </a:ext>
-            </a:extLst>
-          </p:cNvPr>
-          <p:cNvCxnSpPr>
-            <a:cxnSpLocks/>
-          </p:cNvCxnSpPr>
-          <p:nvPr/>
-        </p:nvCxnSpPr>
-        <p:spPr>
-          <a:xfrm>
-            <a:off x="2225824" y="4870492"/>
-            <a:ext cx="7906099" cy="0"/>
-          </a:xfrm>
-          <a:prstGeom prst="straightConnector1">
-            <a:avLst/>
-          </a:prstGeom>
-          <a:ln>
-            <a:tailEnd type="triangle"/>
-          </a:ln>
-        </p:spPr>
-        <p:style>
-          <a:lnRef idx="1">
-            <a:schemeClr val="accent1"/>
-          </a:lnRef>
-          <a:fillRef idx="0">
-            <a:schemeClr val="accent1"/>
-          </a:fillRef>
-          <a:effectRef idx="0">
-            <a:schemeClr val="accent1"/>
-          </a:effectRef>
-          <a:fontRef idx="minor">
-            <a:schemeClr val="tx1"/>
-          </a:fontRef>
-        </p:style>
-      </p:cxnSp>
-      <p:cxnSp>
-        <p:nvCxnSpPr>
-          <p:cNvPr id="17" name="Gerade Verbindung mit Pfeil 16">
-            <a:extLst>
-              <a:ext uri="{FF2B5EF4-FFF2-40B4-BE49-F238E27FC236}">
-                <a16:creationId xmlns:a16="http://schemas.microsoft.com/office/drawing/2014/main" id="{8E080F09-FA68-36CE-BDE9-10553491405A}"/>
-              </a:ext>
-            </a:extLst>
-          </p:cNvPr>
-          <p:cNvCxnSpPr>
-            <a:cxnSpLocks/>
-          </p:cNvCxnSpPr>
-          <p:nvPr/>
-        </p:nvCxnSpPr>
-        <p:spPr>
-          <a:xfrm flipH="1">
-            <a:off x="2222451" y="5537115"/>
-            <a:ext cx="7909472" cy="0"/>
-          </a:xfrm>
-          <a:prstGeom prst="straightConnector1">
-            <a:avLst/>
-          </a:prstGeom>
-          <a:ln>
-            <a:tailEnd type="triangle"/>
-          </a:ln>
-        </p:spPr>
-        <p:style>
-          <a:lnRef idx="1">
-            <a:schemeClr val="accent1"/>
-          </a:lnRef>
-          <a:fillRef idx="0">
-            <a:schemeClr val="accent1"/>
-          </a:fillRef>
-          <a:effectRef idx="0">
-            <a:schemeClr val="accent1"/>
-          </a:effectRef>
-          <a:fontRef idx="minor">
-            <a:schemeClr val="tx1"/>
-          </a:fontRef>
-        </p:style>
-      </p:cxnSp>
-      <p:cxnSp>
-        <p:nvCxnSpPr>
-          <p:cNvPr id="24" name="Gerade Verbindung mit Pfeil 23">
-            <a:extLst>
-              <a:ext uri="{FF2B5EF4-FFF2-40B4-BE49-F238E27FC236}">
-                <a16:creationId xmlns:a16="http://schemas.microsoft.com/office/drawing/2014/main" id="{091F79C6-C48C-4DCE-0169-EC72E7D4A5A7}"/>
-              </a:ext>
-            </a:extLst>
-          </p:cNvPr>
-          <p:cNvCxnSpPr>
-            <a:cxnSpLocks/>
-          </p:cNvCxnSpPr>
-          <p:nvPr/>
-        </p:nvCxnSpPr>
-        <p:spPr>
-          <a:xfrm>
-            <a:off x="2209800" y="5934892"/>
-            <a:ext cx="7922123" cy="0"/>
-          </a:xfrm>
-          <a:prstGeom prst="straightConnector1">
-            <a:avLst/>
-          </a:prstGeom>
-          <a:ln>
-            <a:tailEnd type="triangle"/>
-          </a:ln>
-        </p:spPr>
-        <p:style>
-          <a:lnRef idx="1">
-            <a:schemeClr val="accent1"/>
-          </a:lnRef>
-          <a:fillRef idx="0">
-            <a:schemeClr val="accent1"/>
-          </a:fillRef>
-          <a:effectRef idx="0">
-            <a:schemeClr val="accent1"/>
-          </a:effectRef>
-          <a:fontRef idx="minor">
-            <a:schemeClr val="tx1"/>
-          </a:fontRef>
-        </p:style>
-      </p:cxnSp>
-      <p:cxnSp>
-        <p:nvCxnSpPr>
-          <p:cNvPr id="25" name="Gerade Verbindung mit Pfeil 24">
-            <a:extLst>
-              <a:ext uri="{FF2B5EF4-FFF2-40B4-BE49-F238E27FC236}">
-                <a16:creationId xmlns:a16="http://schemas.microsoft.com/office/drawing/2014/main" id="{68DA8DA6-8894-FA7B-2F43-486F2CBAD58D}"/>
-              </a:ext>
-            </a:extLst>
-          </p:cNvPr>
-          <p:cNvCxnSpPr>
-            <a:cxnSpLocks/>
-          </p:cNvCxnSpPr>
-          <p:nvPr/>
-        </p:nvCxnSpPr>
-        <p:spPr>
-          <a:xfrm flipH="1">
-            <a:off x="2206427" y="6292024"/>
-            <a:ext cx="7925496" cy="0"/>
-          </a:xfrm>
-          <a:prstGeom prst="straightConnector1">
-            <a:avLst/>
-          </a:prstGeom>
-          <a:ln>
+          <a:ln w="19050">
+            <a:prstDash val="lgDash"/>
             <a:tailEnd type="triangle"/>
           </a:ln>
         </p:spPr>
@@ -6920,10 +7254,10 @@
       </p:cxnSp>
       <p:sp>
         <p:nvSpPr>
-          <p:cNvPr id="34" name="Textfeld 33">
-            <a:extLst>
-              <a:ext uri="{FF2B5EF4-FFF2-40B4-BE49-F238E27FC236}">
-                <a16:creationId xmlns:a16="http://schemas.microsoft.com/office/drawing/2014/main" id="{200F6189-FF01-1710-F3E0-28ADC42D4CFC}"/>
+          <p:cNvPr id="19" name="Textfeld 18">
+            <a:extLst>
+              <a:ext uri="{FF2B5EF4-FFF2-40B4-BE49-F238E27FC236}">
+                <a16:creationId xmlns:a16="http://schemas.microsoft.com/office/drawing/2014/main" id="{BE51115A-A23F-6DDF-37AE-331906991CE9}"/>
               </a:ext>
             </a:extLst>
           </p:cNvPr>
@@ -6932,8 +7266,8 @@
         </p:nvSpPr>
         <p:spPr>
           <a:xfrm>
-            <a:off x="8566370" y="2944412"/>
-            <a:ext cx="3160032" cy="738664"/>
+            <a:off x="4638499" y="1389752"/>
+            <a:ext cx="3172921" cy="738664"/>
           </a:xfrm>
           <a:prstGeom prst="rect">
             <a:avLst/>
@@ -6948,71 +7282,70 @@
           <a:p>
             <a:pPr algn="ctr"/>
             <a:r>
-              <a:rPr lang="en-US" sz="1400" dirty="0"/>
-              <a:t>Validating </a:t>
-            </a:r>
-            <a:r>
-              <a:rPr lang="en-US" sz="1400" dirty="0" err="1"/>
-              <a:t>ClientKEMCert</a:t>
-            </a:r>
-            <a:endParaRPr lang="en-US" sz="1400" dirty="0"/>
+              <a:rPr lang="en-US" sz="1400" err="1">
+                <a:solidFill>
+                  <a:schemeClr val="bg1">
+                    <a:lumMod val="50000"/>
+                  </a:schemeClr>
+                </a:solidFill>
+              </a:rPr>
+              <a:t>genm</a:t>
+            </a:r>
+            <a:r>
+              <a:rPr lang="en-US" sz="1400">
+                <a:solidFill>
+                  <a:schemeClr val="bg1">
+                    <a:lumMod val="50000"/>
+                  </a:schemeClr>
+                </a:solidFill>
+              </a:rPr>
+              <a:t> message,</a:t>
+            </a:r>
           </a:p>
           <a:p>
             <a:pPr algn="ctr"/>
             <a:r>
-              <a:rPr lang="en-US" sz="1400" dirty="0" err="1"/>
-              <a:t>Kem.encaps</a:t>
-            </a:r>
-            <a:r>
-              <a:rPr lang="en-US" sz="1400" dirty="0"/>
-              <a:t>(</a:t>
-            </a:r>
-            <a:r>
-              <a:rPr lang="en-US" sz="1400" dirty="0" err="1"/>
-              <a:t>clientPubKEMKey</a:t>
-            </a:r>
-            <a:r>
-              <a:rPr lang="en-US" sz="1400" dirty="0"/>
-              <a:t>) </a:t>
-            </a:r>
-            <a:r>
-              <a:rPr lang="en-US" sz="1400" dirty="0">
-                <a:sym typeface="Wingdings" panose="05000000000000000000" pitchFamily="2" charset="2"/>
-              </a:rPr>
-              <a:t></a:t>
+              <a:rPr lang="en-US" sz="1400" err="1">
+                <a:solidFill>
+                  <a:schemeClr val="bg1">
+                    <a:lumMod val="50000"/>
+                  </a:schemeClr>
+                </a:solidFill>
+              </a:rPr>
+              <a:t>PKIBody.KemCiphertextInfoValue</a:t>
+            </a:r>
+            <a:r>
+              <a:rPr lang="en-US" sz="1400">
+                <a:solidFill>
+                  <a:schemeClr val="bg1">
+                    <a:lumMod val="50000"/>
+                  </a:schemeClr>
+                </a:solidFill>
+              </a:rPr>
+              <a:t> absent,</a:t>
             </a:r>
           </a:p>
           <a:p>
             <a:pPr algn="ctr"/>
             <a:r>
-              <a:rPr lang="en-US" sz="1400" dirty="0"/>
-              <a:t>(</a:t>
-            </a:r>
-            <a:r>
-              <a:rPr lang="en-US" sz="1400" dirty="0" err="1"/>
-              <a:t>serverKEMCiphertext</a:t>
-            </a:r>
-            <a:r>
-              <a:rPr lang="en-US" sz="1400" dirty="0"/>
-              <a:t>, </a:t>
-            </a:r>
-            <a:r>
-              <a:rPr lang="en-US" sz="1400" dirty="0" err="1"/>
-              <a:t>sharedServerKey</a:t>
-            </a:r>
-            <a:r>
-              <a:rPr lang="en-US" sz="1400" dirty="0"/>
-              <a:t>)</a:t>
+              <a:rPr lang="en-US" sz="1400" b="1">
+                <a:solidFill>
+                  <a:schemeClr val="bg1">
+                    <a:lumMod val="50000"/>
+                  </a:schemeClr>
+                </a:solidFill>
+              </a:rPr>
+              <a:t>no message protection</a:t>
             </a:r>
           </a:p>
         </p:txBody>
       </p:sp>
       <p:sp>
         <p:nvSpPr>
-          <p:cNvPr id="35" name="Textfeld 34">
-            <a:extLst>
-              <a:ext uri="{FF2B5EF4-FFF2-40B4-BE49-F238E27FC236}">
-                <a16:creationId xmlns:a16="http://schemas.microsoft.com/office/drawing/2014/main" id="{6D0677F9-0247-2502-82A9-95E76BADBB89}"/>
+          <p:cNvPr id="20" name="Textfeld 19">
+            <a:extLst>
+              <a:ext uri="{FF2B5EF4-FFF2-40B4-BE49-F238E27FC236}">
+                <a16:creationId xmlns:a16="http://schemas.microsoft.com/office/drawing/2014/main" id="{EDD11E9A-D80C-E343-D35C-07FDF85D6BB1}"/>
               </a:ext>
             </a:extLst>
           </p:cNvPr>
@@ -7021,8 +7354,8 @@
         </p:nvSpPr>
         <p:spPr>
           <a:xfrm>
-            <a:off x="76610" y="3630473"/>
-            <a:ext cx="4291688" cy="738664"/>
+            <a:off x="4606502" y="2168111"/>
+            <a:ext cx="3172921" cy="954107"/>
           </a:xfrm>
           <a:prstGeom prst="rect">
             <a:avLst/>
@@ -7037,1973 +7370,270 @@
           <a:p>
             <a:pPr algn="ctr"/>
             <a:r>
-              <a:rPr lang="en-US" sz="1400" dirty="0"/>
-              <a:t>Validating </a:t>
-            </a:r>
-            <a:r>
-              <a:rPr lang="en-US" sz="1400" dirty="0" err="1"/>
-              <a:t>serverSIGCert</a:t>
-            </a:r>
-            <a:endParaRPr lang="en-US" sz="1400" dirty="0"/>
+              <a:rPr lang="en-US" sz="1400" err="1">
+                <a:solidFill>
+                  <a:schemeClr val="bg1">
+                    <a:lumMod val="50000"/>
+                  </a:schemeClr>
+                </a:solidFill>
+              </a:rPr>
+              <a:t>genp</a:t>
+            </a:r>
+            <a:r>
+              <a:rPr lang="en-US" sz="1400">
+                <a:solidFill>
+                  <a:schemeClr val="bg1">
+                    <a:lumMod val="50000"/>
+                  </a:schemeClr>
+                </a:solidFill>
+              </a:rPr>
+              <a:t> message,</a:t>
+            </a:r>
           </a:p>
           <a:p>
             <a:pPr algn="ctr"/>
             <a:r>
-              <a:rPr lang="en-US" sz="1400" dirty="0" err="1"/>
-              <a:t>Kem.decaps</a:t>
-            </a:r>
-            <a:r>
-              <a:rPr lang="en-US" sz="1400" dirty="0"/>
-              <a:t>(</a:t>
-            </a:r>
-            <a:r>
-              <a:rPr lang="en-US" sz="1400" dirty="0" err="1"/>
-              <a:t>clientPrivKEMKey</a:t>
-            </a:r>
-            <a:r>
-              <a:rPr lang="en-US" sz="1400" dirty="0"/>
-              <a:t>, </a:t>
-            </a:r>
-            <a:r>
-              <a:rPr lang="en-US" sz="1400" dirty="0" err="1"/>
-              <a:t>serverKEMCiphertext</a:t>
-            </a:r>
-            <a:r>
-              <a:rPr lang="en-US" sz="1400" dirty="0"/>
-              <a:t>) </a:t>
-            </a:r>
-            <a:r>
-              <a:rPr lang="en-US" sz="1400" dirty="0">
-                <a:sym typeface="Wingdings" panose="05000000000000000000" pitchFamily="2" charset="2"/>
-              </a:rPr>
-              <a:t></a:t>
+              <a:rPr lang="en-US" sz="1400" err="1">
+                <a:solidFill>
+                  <a:schemeClr val="bg1">
+                    <a:lumMod val="50000"/>
+                  </a:schemeClr>
+                </a:solidFill>
+              </a:rPr>
+              <a:t>PKIBody.KemCiphertextInfoValue</a:t>
+            </a:r>
+            <a:r>
+              <a:rPr lang="en-US" sz="1400">
+                <a:solidFill>
+                  <a:schemeClr val="bg1">
+                    <a:lumMod val="50000"/>
+                  </a:schemeClr>
+                </a:solidFill>
+              </a:rPr>
+              <a:t> absent,</a:t>
             </a:r>
           </a:p>
           <a:p>
             <a:pPr algn="ctr"/>
             <a:r>
-              <a:rPr lang="en-US" sz="1400" dirty="0" err="1"/>
-              <a:t>shareServerKey</a:t>
-            </a:r>
-            <a:endParaRPr lang="en-US" sz="1400" dirty="0"/>
+              <a:rPr lang="en-US" sz="1400" err="1">
+                <a:solidFill>
+                  <a:schemeClr val="bg1">
+                    <a:lumMod val="50000"/>
+                  </a:schemeClr>
+                </a:solidFill>
+              </a:rPr>
+              <a:t>serverKemCert</a:t>
+            </a:r>
+            <a:r>
+              <a:rPr lang="en-US" sz="1400">
+                <a:solidFill>
+                  <a:schemeClr val="bg1">
+                    <a:lumMod val="50000"/>
+                  </a:schemeClr>
+                </a:solidFill>
+              </a:rPr>
+              <a:t> in </a:t>
+            </a:r>
+            <a:r>
+              <a:rPr lang="en-US" sz="1400" err="1">
+                <a:solidFill>
+                  <a:schemeClr val="bg1">
+                    <a:lumMod val="50000"/>
+                  </a:schemeClr>
+                </a:solidFill>
+              </a:rPr>
+              <a:t>extraCerts</a:t>
+            </a:r>
+            <a:r>
+              <a:rPr lang="en-US" sz="1400">
+                <a:solidFill>
+                  <a:schemeClr val="bg1">
+                    <a:lumMod val="50000"/>
+                  </a:schemeClr>
+                </a:solidFill>
+              </a:rPr>
+              <a:t>,</a:t>
+            </a:r>
+          </a:p>
+          <a:p>
+            <a:pPr algn="ctr"/>
+            <a:r>
+              <a:rPr lang="en-US" sz="1400" b="1">
+                <a:solidFill>
+                  <a:schemeClr val="bg1">
+                    <a:lumMod val="50000"/>
+                  </a:schemeClr>
+                </a:solidFill>
+              </a:rPr>
+              <a:t>no message protection</a:t>
+            </a:r>
           </a:p>
         </p:txBody>
       </p:sp>
-      <p:sp>
-        <p:nvSpPr>
-          <p:cNvPr id="36" name="Textfeld 35">
-            <a:extLst>
-              <a:ext uri="{FF2B5EF4-FFF2-40B4-BE49-F238E27FC236}">
-                <a16:creationId xmlns:a16="http://schemas.microsoft.com/office/drawing/2014/main" id="{932327E6-9DAE-4EC1-F2A0-8B769C52F433}"/>
-              </a:ext>
-            </a:extLst>
-          </p:cNvPr>
-          <p:cNvSpPr txBox="1"/>
+      <p:grpSp>
+        <p:nvGrpSpPr>
+          <p:cNvPr id="30" name="Gruppieren 29">
+            <a:extLst>
+              <a:ext uri="{FF2B5EF4-FFF2-40B4-BE49-F238E27FC236}">
+                <a16:creationId xmlns:a16="http://schemas.microsoft.com/office/drawing/2014/main" id="{FBE2C047-C039-9353-D06D-148FD3879C57}"/>
+              </a:ext>
+            </a:extLst>
+          </p:cNvPr>
+          <p:cNvGrpSpPr/>
           <p:nvPr/>
-        </p:nvSpPr>
-        <p:spPr>
+        </p:nvGrpSpPr>
+        <p:grpSpPr>
           <a:xfrm>
-            <a:off x="4976505" y="1781122"/>
-            <a:ext cx="2496902" cy="738664"/>
+            <a:off x="10453752" y="5613782"/>
+            <a:ext cx="986873" cy="738664"/>
+            <a:chOff x="10684352" y="5764339"/>
+            <a:chExt cx="986873" cy="738664"/>
           </a:xfrm>
-          <a:prstGeom prst="rect">
-            <a:avLst/>
-          </a:prstGeom>
-          <a:noFill/>
-        </p:spPr>
-        <p:txBody>
-          <a:bodyPr wrap="none" rtlCol="0">
-            <a:spAutoFit/>
-          </a:bodyPr>
-          <a:lstStyle/>
-          <a:p>
-            <a:pPr algn="ctr"/>
-            <a:r>
-              <a:rPr lang="en-US" sz="1400" dirty="0" err="1"/>
-              <a:t>genm</a:t>
-            </a:r>
-            <a:r>
-              <a:rPr lang="en-US" sz="1400" dirty="0"/>
-              <a:t> message,</a:t>
-            </a:r>
-          </a:p>
-          <a:p>
-            <a:pPr algn="ctr"/>
-            <a:r>
-              <a:rPr lang="en-US" sz="1400" dirty="0" err="1"/>
-              <a:t>PKIBody.KEMCiphertext</a:t>
-            </a:r>
-            <a:r>
-              <a:rPr lang="en-US" sz="1400" dirty="0"/>
-              <a:t> absent,</a:t>
-            </a:r>
-          </a:p>
-          <a:p>
-            <a:pPr algn="ctr"/>
-            <a:r>
-              <a:rPr lang="en-US" sz="1400" dirty="0" err="1"/>
-              <a:t>clientKEMCert</a:t>
-            </a:r>
-            <a:r>
-              <a:rPr lang="en-US" sz="1400" dirty="0"/>
-              <a:t> in </a:t>
-            </a:r>
-            <a:r>
-              <a:rPr lang="en-US" sz="1400" dirty="0" err="1"/>
-              <a:t>extraCerts</a:t>
-            </a:r>
-            <a:endParaRPr lang="en-US" sz="1400" dirty="0"/>
-          </a:p>
-        </p:txBody>
-      </p:sp>
-      <p:sp>
-        <p:nvSpPr>
-          <p:cNvPr id="37" name="Textfeld 36">
-            <a:extLst>
-              <a:ext uri="{FF2B5EF4-FFF2-40B4-BE49-F238E27FC236}">
-                <a16:creationId xmlns:a16="http://schemas.microsoft.com/office/drawing/2014/main" id="{2150A88D-982A-CC47-FB4F-E766AE51969F}"/>
-              </a:ext>
-            </a:extLst>
-          </p:cNvPr>
-          <p:cNvSpPr txBox="1"/>
-          <p:nvPr/>
-        </p:nvSpPr>
-        <p:spPr>
-          <a:xfrm>
-            <a:off x="4324946" y="2937039"/>
-            <a:ext cx="3736023" cy="738664"/>
-          </a:xfrm>
-          <a:prstGeom prst="rect">
-            <a:avLst/>
-          </a:prstGeom>
-          <a:noFill/>
-        </p:spPr>
-        <p:txBody>
-          <a:bodyPr wrap="none" rtlCol="0">
-            <a:spAutoFit/>
-          </a:bodyPr>
-          <a:lstStyle/>
-          <a:p>
-            <a:pPr algn="ctr"/>
-            <a:r>
-              <a:rPr lang="en-US" sz="1400" dirty="0" err="1"/>
-              <a:t>genp</a:t>
-            </a:r>
-            <a:r>
-              <a:rPr lang="en-US" sz="1400" dirty="0"/>
-              <a:t> message,</a:t>
-            </a:r>
-          </a:p>
-          <a:p>
-            <a:pPr algn="ctr"/>
-            <a:r>
-              <a:rPr lang="en-US" sz="1400" dirty="0" err="1">
-                <a:cs typeface="Calibri"/>
-              </a:rPr>
-              <a:t>serverKEMCiphertext</a:t>
-            </a:r>
-            <a:r>
-              <a:rPr lang="en-US" sz="1400" dirty="0">
-                <a:cs typeface="Calibri"/>
-              </a:rPr>
-              <a:t> in</a:t>
-            </a:r>
-            <a:r>
-              <a:rPr lang="en-US" sz="1400" dirty="0"/>
-              <a:t> </a:t>
-            </a:r>
-            <a:r>
-              <a:rPr lang="en-US" sz="1400" dirty="0" err="1"/>
-              <a:t>PKIBody.KEMCiphertext</a:t>
-            </a:r>
-            <a:r>
-              <a:rPr lang="en-US" sz="1400" dirty="0"/>
-              <a:t>,</a:t>
-            </a:r>
-          </a:p>
-          <a:p>
-            <a:pPr algn="ctr"/>
-            <a:r>
-              <a:rPr lang="en-US" sz="1400" dirty="0" err="1"/>
-              <a:t>serverKEMCert</a:t>
-            </a:r>
-            <a:r>
-              <a:rPr lang="en-US" sz="1400" dirty="0"/>
-              <a:t> in </a:t>
-            </a:r>
-            <a:r>
-              <a:rPr lang="en-US" sz="1400" dirty="0" err="1"/>
-              <a:t>extraCerts</a:t>
-            </a:r>
-            <a:endParaRPr lang="en-US" sz="1400" dirty="0"/>
-          </a:p>
-        </p:txBody>
-      </p:sp>
-      <p:sp>
-        <p:nvSpPr>
-          <p:cNvPr id="38" name="Textfeld 37">
-            <a:extLst>
-              <a:ext uri="{FF2B5EF4-FFF2-40B4-BE49-F238E27FC236}">
-                <a16:creationId xmlns:a16="http://schemas.microsoft.com/office/drawing/2014/main" id="{5B78DB8A-BC73-AE81-8475-5AED72355169}"/>
-              </a:ext>
-            </a:extLst>
-          </p:cNvPr>
-          <p:cNvSpPr txBox="1"/>
-          <p:nvPr/>
-        </p:nvSpPr>
-        <p:spPr>
-          <a:xfrm>
-            <a:off x="677609" y="4365745"/>
-            <a:ext cx="3060646" cy="523220"/>
-          </a:xfrm>
-          <a:prstGeom prst="rect">
-            <a:avLst/>
-          </a:prstGeom>
-          <a:noFill/>
-        </p:spPr>
-        <p:txBody>
-          <a:bodyPr wrap="none" rtlCol="0">
-            <a:spAutoFit/>
-          </a:bodyPr>
-          <a:lstStyle/>
-          <a:p>
-            <a:pPr algn="ctr"/>
-            <a:r>
-              <a:rPr lang="en-US" sz="1400" err="1"/>
-              <a:t>Kem.encaps</a:t>
-            </a:r>
-            <a:r>
-              <a:rPr lang="en-US" sz="1400"/>
-              <a:t>(</a:t>
-            </a:r>
-            <a:r>
-              <a:rPr lang="en-US" sz="1400" err="1">
-                <a:cs typeface="Calibri"/>
-              </a:rPr>
-              <a:t>serverPubKEMKey</a:t>
-            </a:r>
-            <a:r>
-              <a:rPr lang="en-US" sz="1400"/>
-              <a:t>) </a:t>
-            </a:r>
-            <a:r>
-              <a:rPr lang="en-US" sz="1400">
-                <a:sym typeface="Wingdings" panose="05000000000000000000" pitchFamily="2" charset="2"/>
-              </a:rPr>
-              <a:t></a:t>
-            </a:r>
-          </a:p>
-          <a:p>
-            <a:pPr algn="ctr"/>
-            <a:r>
-              <a:rPr lang="en-US" sz="1400"/>
-              <a:t>(</a:t>
-            </a:r>
-            <a:r>
-              <a:rPr lang="en-US" sz="1400" err="1"/>
-              <a:t>clientKEMCiphertext</a:t>
-            </a:r>
-            <a:r>
-              <a:rPr lang="en-US" sz="1400"/>
-              <a:t>, </a:t>
-            </a:r>
-            <a:r>
-              <a:rPr lang="en-US" sz="1400" err="1"/>
-              <a:t>sharedClientKey</a:t>
-            </a:r>
-            <a:r>
-              <a:rPr lang="en-US" sz="1400"/>
-              <a:t>)</a:t>
-            </a:r>
-          </a:p>
-        </p:txBody>
-      </p:sp>
-      <p:sp>
-        <p:nvSpPr>
-          <p:cNvPr id="39" name="Textfeld 38">
-            <a:extLst>
-              <a:ext uri="{FF2B5EF4-FFF2-40B4-BE49-F238E27FC236}">
-                <a16:creationId xmlns:a16="http://schemas.microsoft.com/office/drawing/2014/main" id="{A00D85E3-6E5A-8990-9429-0BE101918954}"/>
-              </a:ext>
-            </a:extLst>
-          </p:cNvPr>
-          <p:cNvSpPr txBox="1"/>
-          <p:nvPr/>
-        </p:nvSpPr>
-        <p:spPr>
-          <a:xfrm>
-            <a:off x="7989866" y="4836129"/>
-            <a:ext cx="4291688" cy="523220"/>
-          </a:xfrm>
-          <a:prstGeom prst="rect">
-            <a:avLst/>
-          </a:prstGeom>
-          <a:noFill/>
-        </p:spPr>
-        <p:txBody>
-          <a:bodyPr wrap="none" rtlCol="0">
-            <a:spAutoFit/>
-          </a:bodyPr>
-          <a:lstStyle/>
-          <a:p>
-            <a:pPr algn="ctr"/>
-            <a:r>
-              <a:rPr lang="en-US" sz="1400" err="1"/>
-              <a:t>Kem.decaps</a:t>
-            </a:r>
-            <a:r>
-              <a:rPr lang="en-US" sz="1400"/>
-              <a:t>(</a:t>
-            </a:r>
-            <a:r>
-              <a:rPr lang="en-US" sz="1400" err="1"/>
-              <a:t>serverPrivKEMKey</a:t>
-            </a:r>
-            <a:r>
-              <a:rPr lang="en-US" sz="1400"/>
-              <a:t>, </a:t>
-            </a:r>
-            <a:r>
-              <a:rPr lang="en-US" sz="1400" err="1"/>
-              <a:t>clientKEMCiphertext</a:t>
-            </a:r>
-            <a:r>
-              <a:rPr lang="en-US" sz="1400"/>
-              <a:t>) </a:t>
-            </a:r>
-            <a:r>
-              <a:rPr lang="en-US" sz="1400">
-                <a:sym typeface="Wingdings" panose="05000000000000000000" pitchFamily="2" charset="2"/>
-              </a:rPr>
-              <a:t></a:t>
-            </a:r>
-          </a:p>
-          <a:p>
-            <a:pPr algn="ctr"/>
-            <a:r>
-              <a:rPr lang="en-US" sz="1400"/>
-              <a:t>sharedClientKey</a:t>
-            </a:r>
-          </a:p>
-        </p:txBody>
-      </p:sp>
-      <p:sp>
-        <p:nvSpPr>
-          <p:cNvPr id="40" name="Textfeld 39">
-            <a:extLst>
-              <a:ext uri="{FF2B5EF4-FFF2-40B4-BE49-F238E27FC236}">
-                <a16:creationId xmlns:a16="http://schemas.microsoft.com/office/drawing/2014/main" id="{8320E0BC-46D9-D471-126F-E79830DF444C}"/>
-              </a:ext>
-            </a:extLst>
-          </p:cNvPr>
-          <p:cNvSpPr txBox="1"/>
-          <p:nvPr/>
-        </p:nvSpPr>
-        <p:spPr>
-          <a:xfrm>
-            <a:off x="4234704" y="4196007"/>
-            <a:ext cx="3922292" cy="738664"/>
-          </a:xfrm>
-          <a:prstGeom prst="rect">
-            <a:avLst/>
-          </a:prstGeom>
-          <a:noFill/>
-        </p:spPr>
-        <p:txBody>
-          <a:bodyPr wrap="none" rtlCol="0">
-            <a:spAutoFit/>
-          </a:bodyPr>
-          <a:lstStyle/>
-          <a:p>
-            <a:pPr algn="ctr"/>
-            <a:r>
-              <a:rPr lang="en-US" sz="1400" dirty="0" err="1"/>
-              <a:t>kur</a:t>
-            </a:r>
-            <a:r>
-              <a:rPr lang="en-US" sz="1400" dirty="0"/>
-              <a:t> message,</a:t>
-            </a:r>
-          </a:p>
-          <a:p>
-            <a:pPr algn="ctr"/>
-            <a:r>
-              <a:rPr lang="en-US" sz="1400" dirty="0" err="1">
-                <a:cs typeface="Calibri"/>
-              </a:rPr>
-              <a:t>clientKEMCiphertext</a:t>
-            </a:r>
-            <a:r>
-              <a:rPr lang="en-US" sz="1400" dirty="0">
-                <a:cs typeface="Calibri"/>
-              </a:rPr>
-              <a:t> in </a:t>
-            </a:r>
-            <a:r>
-              <a:rPr lang="en-US" sz="1400" dirty="0" err="1">
-                <a:cs typeface="Calibri"/>
-              </a:rPr>
-              <a:t>generalInfo.KEMCiphertext</a:t>
-            </a:r>
-            <a:r>
-              <a:rPr lang="en-US" sz="1400" dirty="0">
-                <a:cs typeface="Calibri"/>
-              </a:rPr>
-              <a:t>,</a:t>
-            </a:r>
-          </a:p>
-          <a:p>
-            <a:pPr algn="ctr"/>
-            <a:r>
-              <a:rPr lang="en-US" sz="1400" dirty="0"/>
-              <a:t>MAC-based protection using </a:t>
-            </a:r>
-            <a:r>
-              <a:rPr lang="en-US" sz="1400" dirty="0" err="1"/>
-              <a:t>sharedServerKey</a:t>
-            </a:r>
-            <a:endParaRPr lang="en-US" sz="1400" dirty="0"/>
-          </a:p>
-        </p:txBody>
-      </p:sp>
-      <p:sp>
-        <p:nvSpPr>
-          <p:cNvPr id="41" name="Textfeld 40">
-            <a:extLst>
-              <a:ext uri="{FF2B5EF4-FFF2-40B4-BE49-F238E27FC236}">
-                <a16:creationId xmlns:a16="http://schemas.microsoft.com/office/drawing/2014/main" id="{AE7AEF23-4CD9-090F-085D-CE7EA615DA5C}"/>
-              </a:ext>
-            </a:extLst>
-          </p:cNvPr>
-          <p:cNvSpPr txBox="1"/>
-          <p:nvPr/>
-        </p:nvSpPr>
-        <p:spPr>
-          <a:xfrm>
-            <a:off x="3940159" y="5292093"/>
-            <a:ext cx="4505592" cy="307777"/>
-          </a:xfrm>
-          <a:prstGeom prst="rect">
-            <a:avLst/>
-          </a:prstGeom>
-          <a:noFill/>
-        </p:spPr>
-        <p:txBody>
-          <a:bodyPr wrap="none" rtlCol="0">
-            <a:spAutoFit/>
-          </a:bodyPr>
-          <a:lstStyle/>
-          <a:p>
-            <a:pPr algn="ctr"/>
-            <a:r>
-              <a:rPr lang="en-US" sz="1400" dirty="0" err="1"/>
-              <a:t>kup</a:t>
-            </a:r>
-            <a:r>
-              <a:rPr lang="en-US" sz="1400" dirty="0"/>
-              <a:t> message, MAC-based protection using </a:t>
-            </a:r>
-            <a:r>
-              <a:rPr lang="en-US" sz="1400" dirty="0" err="1"/>
-              <a:t>sharedClientKey</a:t>
-            </a:r>
-            <a:endParaRPr lang="en-US" sz="1400" dirty="0"/>
-          </a:p>
-        </p:txBody>
-      </p:sp>
-      <p:sp>
-        <p:nvSpPr>
-          <p:cNvPr id="42" name="Textfeld 41">
-            <a:extLst>
-              <a:ext uri="{FF2B5EF4-FFF2-40B4-BE49-F238E27FC236}">
-                <a16:creationId xmlns:a16="http://schemas.microsoft.com/office/drawing/2014/main" id="{BD605B4C-D50F-A622-D887-5A5B45E46BAA}"/>
-              </a:ext>
-            </a:extLst>
-          </p:cNvPr>
-          <p:cNvSpPr txBox="1"/>
-          <p:nvPr/>
-        </p:nvSpPr>
-        <p:spPr>
-          <a:xfrm>
-            <a:off x="3725214" y="5666435"/>
-            <a:ext cx="4909229" cy="307777"/>
-          </a:xfrm>
-          <a:prstGeom prst="rect">
-            <a:avLst/>
-          </a:prstGeom>
-          <a:noFill/>
-        </p:spPr>
-        <p:txBody>
-          <a:bodyPr wrap="none" rtlCol="0">
-            <a:spAutoFit/>
-          </a:bodyPr>
-          <a:lstStyle/>
-          <a:p>
-            <a:pPr algn="ctr"/>
-            <a:r>
-              <a:rPr lang="en-US" sz="1400" dirty="0" err="1"/>
-              <a:t>certConf</a:t>
-            </a:r>
-            <a:r>
-              <a:rPr lang="en-US" sz="1400" dirty="0"/>
-              <a:t> message, MAC-based protection using </a:t>
-            </a:r>
-            <a:r>
-              <a:rPr lang="en-US" sz="1400" dirty="0" err="1"/>
-              <a:t>sharedServerKey</a:t>
-            </a:r>
-            <a:endParaRPr lang="en-US" sz="1400" dirty="0"/>
-          </a:p>
-        </p:txBody>
-      </p:sp>
-      <p:sp>
-        <p:nvSpPr>
-          <p:cNvPr id="43" name="Textfeld 42">
-            <a:extLst>
-              <a:ext uri="{FF2B5EF4-FFF2-40B4-BE49-F238E27FC236}">
-                <a16:creationId xmlns:a16="http://schemas.microsoft.com/office/drawing/2014/main" id="{BF6961AB-C44B-417E-0542-ABB3F2EA15EB}"/>
-              </a:ext>
-            </a:extLst>
-          </p:cNvPr>
-          <p:cNvSpPr txBox="1"/>
-          <p:nvPr/>
-        </p:nvSpPr>
-        <p:spPr>
-          <a:xfrm>
-            <a:off x="3791183" y="6047002"/>
-            <a:ext cx="4771499" cy="307777"/>
-          </a:xfrm>
-          <a:prstGeom prst="rect">
-            <a:avLst/>
-          </a:prstGeom>
-          <a:noFill/>
-        </p:spPr>
-        <p:txBody>
-          <a:bodyPr wrap="none" rtlCol="0">
-            <a:spAutoFit/>
-          </a:bodyPr>
-          <a:lstStyle/>
-          <a:p>
-            <a:pPr algn="ctr"/>
-            <a:r>
-              <a:rPr lang="en-US" sz="1400" dirty="0" err="1"/>
-              <a:t>pkiconf</a:t>
-            </a:r>
-            <a:r>
-              <a:rPr lang="en-US" sz="1400" dirty="0"/>
-              <a:t> message, MAC-based protection using </a:t>
-            </a:r>
-            <a:r>
-              <a:rPr lang="en-US" sz="1400" dirty="0" err="1"/>
-              <a:t>sharedClientKey</a:t>
-            </a:r>
-            <a:endParaRPr lang="en-US" sz="1400" dirty="0"/>
-          </a:p>
-        </p:txBody>
-      </p:sp>
+        </p:grpSpPr>
+        <p:sp>
+          <p:nvSpPr>
+            <p:cNvPr id="23" name="Textfeld 22">
+              <a:extLst>
+                <a:ext uri="{FF2B5EF4-FFF2-40B4-BE49-F238E27FC236}">
+                  <a16:creationId xmlns:a16="http://schemas.microsoft.com/office/drawing/2014/main" id="{5A398914-C552-3ED4-4AB0-46338057FC35}"/>
+                </a:ext>
+              </a:extLst>
+            </p:cNvPr>
+            <p:cNvSpPr txBox="1"/>
+            <p:nvPr/>
+          </p:nvSpPr>
+          <p:spPr>
+            <a:xfrm>
+              <a:off x="10684352" y="5764339"/>
+              <a:ext cx="986873" cy="738664"/>
+            </a:xfrm>
+            <a:prstGeom prst="rect">
+              <a:avLst/>
+            </a:prstGeom>
+            <a:noFill/>
+          </p:spPr>
+          <p:txBody>
+            <a:bodyPr wrap="none" rtlCol="0">
+              <a:spAutoFit/>
+            </a:bodyPr>
+            <a:lstStyle/>
+            <a:p>
+              <a:pPr algn="ctr"/>
+              <a:r>
+                <a:rPr lang="en-US" sz="1400"/>
+                <a:t>mandatory</a:t>
+              </a:r>
+            </a:p>
+            <a:p>
+              <a:pPr algn="ctr"/>
+              <a:endParaRPr lang="en-US" sz="1400"/>
+            </a:p>
+            <a:p>
+              <a:pPr algn="ctr"/>
+              <a:r>
+                <a:rPr lang="en-US" sz="1400">
+                  <a:solidFill>
+                    <a:schemeClr val="bg1">
+                      <a:lumMod val="50000"/>
+                    </a:schemeClr>
+                  </a:solidFill>
+                </a:rPr>
+                <a:t>optional</a:t>
+              </a:r>
+            </a:p>
+          </p:txBody>
+        </p:sp>
+        <p:cxnSp>
+          <p:nvCxnSpPr>
+            <p:cNvPr id="3" name="Gerade Verbindung mit Pfeil 2">
+              <a:extLst>
+                <a:ext uri="{FF2B5EF4-FFF2-40B4-BE49-F238E27FC236}">
+                  <a16:creationId xmlns:a16="http://schemas.microsoft.com/office/drawing/2014/main" id="{6E427750-928F-2D83-C964-F50C72E95CFD}"/>
+                </a:ext>
+              </a:extLst>
+            </p:cNvPr>
+            <p:cNvCxnSpPr>
+              <a:cxnSpLocks/>
+            </p:cNvCxnSpPr>
+            <p:nvPr/>
+          </p:nvCxnSpPr>
+          <p:spPr>
+            <a:xfrm flipH="1">
+              <a:off x="10813995" y="6090076"/>
+              <a:ext cx="727587" cy="0"/>
+            </a:xfrm>
+            <a:prstGeom prst="straightConnector1">
+              <a:avLst/>
+            </a:prstGeom>
+            <a:ln w="19050">
+              <a:headEnd type="none" w="med" len="med"/>
+              <a:tailEnd type="none" w="med" len="med"/>
+            </a:ln>
+          </p:spPr>
+          <p:style>
+            <a:lnRef idx="1">
+              <a:schemeClr val="accent1"/>
+            </a:lnRef>
+            <a:fillRef idx="0">
+              <a:schemeClr val="accent1"/>
+            </a:fillRef>
+            <a:effectRef idx="0">
+              <a:schemeClr val="accent1"/>
+            </a:effectRef>
+            <a:fontRef idx="minor">
+              <a:schemeClr val="tx1"/>
+            </a:fontRef>
+          </p:style>
+        </p:cxnSp>
+        <p:cxnSp>
+          <p:nvCxnSpPr>
+            <p:cNvPr id="9" name="Gerade Verbindung mit Pfeil 8">
+              <a:extLst>
+                <a:ext uri="{FF2B5EF4-FFF2-40B4-BE49-F238E27FC236}">
+                  <a16:creationId xmlns:a16="http://schemas.microsoft.com/office/drawing/2014/main" id="{41F72524-3E0E-805F-8CAD-16CACF8677E5}"/>
+                </a:ext>
+              </a:extLst>
+            </p:cNvPr>
+            <p:cNvCxnSpPr>
+              <a:cxnSpLocks/>
+            </p:cNvCxnSpPr>
+            <p:nvPr/>
+          </p:nvCxnSpPr>
+          <p:spPr>
+            <a:xfrm flipH="1">
+              <a:off x="10813995" y="6492875"/>
+              <a:ext cx="727587" cy="0"/>
+            </a:xfrm>
+            <a:prstGeom prst="straightConnector1">
+              <a:avLst/>
+            </a:prstGeom>
+            <a:ln w="19050">
+              <a:prstDash val="lgDash"/>
+              <a:headEnd type="none" w="med" len="med"/>
+              <a:tailEnd type="none" w="med" len="med"/>
+            </a:ln>
+          </p:spPr>
+          <p:style>
+            <a:lnRef idx="1">
+              <a:schemeClr val="accent1"/>
+            </a:lnRef>
+            <a:fillRef idx="0">
+              <a:schemeClr val="accent1"/>
+            </a:fillRef>
+            <a:effectRef idx="0">
+              <a:schemeClr val="accent1"/>
+            </a:effectRef>
+            <a:fontRef idx="minor">
+              <a:schemeClr val="tx1"/>
+            </a:fontRef>
+          </p:style>
+        </p:cxnSp>
+      </p:grpSp>
     </p:spTree>
     <p:extLst>
       <p:ext uri="{BB962C8B-B14F-4D97-AF65-F5344CB8AC3E}">
-        <p14:creationId xmlns:p14="http://schemas.microsoft.com/office/powerpoint/2010/main" val="2629340266"/>
-      </p:ext>
-    </p:extLst>
-  </p:cSld>
-  <p:clrMapOvr>
-    <a:masterClrMapping/>
-  </p:clrMapOvr>
-</p:sld>
-</file>
-
-<file path=ppt/slides/slide8.xml><?xml version="1.0" encoding="utf-8"?>
-<p:sld xmlns:a="http://schemas.openxmlformats.org/drawingml/2006/main" xmlns:r="http://schemas.openxmlformats.org/officeDocument/2006/relationships" xmlns:p="http://schemas.openxmlformats.org/presentationml/2006/main">
-  <p:cSld>
-    <p:spTree>
-      <p:nvGrpSpPr>
-        <p:cNvPr id="1" name=""/>
-        <p:cNvGrpSpPr/>
-        <p:nvPr/>
-      </p:nvGrpSpPr>
-      <p:grpSpPr>
-        <a:xfrm>
-          <a:off x="0" y="0"/>
-          <a:ext cx="0" cy="0"/>
-          <a:chOff x="0" y="0"/>
-          <a:chExt cx="0" cy="0"/>
-        </a:xfrm>
-      </p:grpSpPr>
-      <p:sp>
-        <p:nvSpPr>
-          <p:cNvPr id="2" name="Titel 1">
-            <a:extLst>
-              <a:ext uri="{FF2B5EF4-FFF2-40B4-BE49-F238E27FC236}">
-                <a16:creationId xmlns:a16="http://schemas.microsoft.com/office/drawing/2014/main" id="{0C877D99-5B69-8804-9635-3889E2089936}"/>
-              </a:ext>
-            </a:extLst>
-          </p:cNvPr>
-          <p:cNvSpPr>
-            <a:spLocks noGrp="1"/>
-          </p:cNvSpPr>
-          <p:nvPr>
-            <p:ph type="title"/>
-          </p:nvPr>
-        </p:nvSpPr>
-        <p:spPr>
-          <a:xfrm>
-            <a:off x="838200" y="350724"/>
-            <a:ext cx="10515600" cy="1325563"/>
-          </a:xfrm>
-        </p:spPr>
-        <p:txBody>
-          <a:bodyPr>
-            <a:normAutofit/>
-          </a:bodyPr>
-          <a:lstStyle/>
-          <a:p>
-            <a:r>
-              <a:rPr lang="en-US" dirty="0"/>
-              <a:t>Client has KEM and the server has signing cert</a:t>
-            </a:r>
-            <a:br>
-              <a:rPr lang="en-US" dirty="0"/>
-            </a:br>
-            <a:endParaRPr lang="en-US" dirty="0"/>
-          </a:p>
-        </p:txBody>
-      </p:sp>
-      <p:sp>
-        <p:nvSpPr>
-          <p:cNvPr id="4" name="Datumsplatzhalter 3">
-            <a:extLst>
-              <a:ext uri="{FF2B5EF4-FFF2-40B4-BE49-F238E27FC236}">
-                <a16:creationId xmlns:a16="http://schemas.microsoft.com/office/drawing/2014/main" id="{03771BBF-9381-6849-B52A-854305209FE6}"/>
-              </a:ext>
-            </a:extLst>
-          </p:cNvPr>
-          <p:cNvSpPr>
-            <a:spLocks noGrp="1"/>
-          </p:cNvSpPr>
-          <p:nvPr>
-            <p:ph type="dt" sz="half" idx="10"/>
-          </p:nvPr>
-        </p:nvSpPr>
-        <p:spPr/>
-        <p:txBody>
-          <a:bodyPr/>
-          <a:lstStyle/>
-          <a:p>
-            <a:r>
-              <a:rPr lang="en-US"/>
-              <a:t>November 2022</a:t>
-            </a:r>
-          </a:p>
-        </p:txBody>
-      </p:sp>
-      <p:sp>
-        <p:nvSpPr>
-          <p:cNvPr id="5" name="Fußzeilenplatzhalter 4">
-            <a:extLst>
-              <a:ext uri="{FF2B5EF4-FFF2-40B4-BE49-F238E27FC236}">
-                <a16:creationId xmlns:a16="http://schemas.microsoft.com/office/drawing/2014/main" id="{38576BDF-AF08-0051-CC49-E06C902D1AB9}"/>
-              </a:ext>
-            </a:extLst>
-          </p:cNvPr>
-          <p:cNvSpPr>
-            <a:spLocks noGrp="1"/>
-          </p:cNvSpPr>
-          <p:nvPr>
-            <p:ph type="ftr" sz="quarter" idx="11"/>
-          </p:nvPr>
-        </p:nvSpPr>
-        <p:spPr/>
-        <p:txBody>
-          <a:bodyPr/>
-          <a:lstStyle/>
-          <a:p>
-            <a:r>
-              <a:rPr lang="en-US"/>
-              <a:t>Hendrik Brockhaus - Siemens</a:t>
-            </a:r>
-          </a:p>
-        </p:txBody>
-      </p:sp>
-      <p:sp>
-        <p:nvSpPr>
-          <p:cNvPr id="6" name="Foliennummernplatzhalter 5">
-            <a:extLst>
-              <a:ext uri="{FF2B5EF4-FFF2-40B4-BE49-F238E27FC236}">
-                <a16:creationId xmlns:a16="http://schemas.microsoft.com/office/drawing/2014/main" id="{786190B3-34E9-D9BA-1773-646FD0264B9D}"/>
-              </a:ext>
-            </a:extLst>
-          </p:cNvPr>
-          <p:cNvSpPr>
-            <a:spLocks noGrp="1"/>
-          </p:cNvSpPr>
-          <p:nvPr>
-            <p:ph type="sldNum" sz="quarter" idx="12"/>
-          </p:nvPr>
-        </p:nvSpPr>
-        <p:spPr/>
-        <p:txBody>
-          <a:bodyPr/>
-          <a:lstStyle/>
-          <a:p>
-            <a:fld id="{104F53CC-0028-4916-8B93-0EBFFB2C7AAD}" type="slidenum">
-              <a:rPr lang="en-US" smtClean="0"/>
-              <a:t>8</a:t>
-            </a:fld>
-            <a:endParaRPr lang="en-US"/>
-          </a:p>
-        </p:txBody>
-      </p:sp>
-      <p:sp>
-        <p:nvSpPr>
-          <p:cNvPr id="7" name="Textfeld 6">
-            <a:extLst>
-              <a:ext uri="{FF2B5EF4-FFF2-40B4-BE49-F238E27FC236}">
-                <a16:creationId xmlns:a16="http://schemas.microsoft.com/office/drawing/2014/main" id="{CE02BBFB-E5F4-1CA6-D87C-D18460545BB0}"/>
-              </a:ext>
-            </a:extLst>
-          </p:cNvPr>
-          <p:cNvSpPr txBox="1"/>
-          <p:nvPr/>
-        </p:nvSpPr>
-        <p:spPr>
-          <a:xfrm>
-            <a:off x="913483" y="1298421"/>
-            <a:ext cx="2592634" cy="615553"/>
-          </a:xfrm>
-          <a:prstGeom prst="rect">
-            <a:avLst/>
-          </a:prstGeom>
-          <a:noFill/>
-        </p:spPr>
-        <p:txBody>
-          <a:bodyPr wrap="none" rtlCol="0">
-            <a:spAutoFit/>
-          </a:bodyPr>
-          <a:lstStyle/>
-          <a:p>
-            <a:pPr algn="ctr"/>
-            <a:r>
-              <a:rPr lang="en-US" sz="2000"/>
-              <a:t>CMP Client</a:t>
-            </a:r>
-          </a:p>
-          <a:p>
-            <a:pPr algn="ctr"/>
-            <a:r>
-              <a:rPr lang="en-US" sz="1400" err="1"/>
-              <a:t>clientKEMCert</a:t>
-            </a:r>
-            <a:r>
-              <a:rPr lang="en-US" sz="1400"/>
-              <a:t>, </a:t>
-            </a:r>
-            <a:r>
-              <a:rPr lang="en-US" sz="1400" err="1"/>
-              <a:t>clientPrivKEMKey</a:t>
-            </a:r>
-            <a:endParaRPr lang="en-US" sz="1400"/>
-          </a:p>
-        </p:txBody>
-      </p:sp>
-      <p:sp>
-        <p:nvSpPr>
-          <p:cNvPr id="8" name="Textfeld 7">
-            <a:extLst>
-              <a:ext uri="{FF2B5EF4-FFF2-40B4-BE49-F238E27FC236}">
-                <a16:creationId xmlns:a16="http://schemas.microsoft.com/office/drawing/2014/main" id="{B8361719-8448-57CD-5D76-D73E8CB4E430}"/>
-              </a:ext>
-            </a:extLst>
-          </p:cNvPr>
-          <p:cNvSpPr txBox="1"/>
-          <p:nvPr/>
-        </p:nvSpPr>
-        <p:spPr>
-          <a:xfrm>
-            <a:off x="8596913" y="1298421"/>
-            <a:ext cx="3105979" cy="830997"/>
-          </a:xfrm>
-          <a:prstGeom prst="rect">
-            <a:avLst/>
-          </a:prstGeom>
-          <a:noFill/>
-        </p:spPr>
-        <p:txBody>
-          <a:bodyPr wrap="none" rtlCol="0">
-            <a:spAutoFit/>
-          </a:bodyPr>
-          <a:lstStyle/>
-          <a:p>
-            <a:pPr algn="ctr"/>
-            <a:r>
-              <a:rPr lang="en-US" sz="2000" dirty="0"/>
-              <a:t>CMP Server</a:t>
-            </a:r>
-          </a:p>
-          <a:p>
-            <a:pPr algn="ctr"/>
-            <a:r>
-              <a:rPr lang="en-US" sz="1400" dirty="0" err="1"/>
-              <a:t>serverSIGCert</a:t>
-            </a:r>
-            <a:r>
-              <a:rPr lang="en-US" sz="1400" dirty="0"/>
-              <a:t>, </a:t>
-            </a:r>
-            <a:r>
-              <a:rPr lang="en-US" sz="1400" dirty="0" err="1"/>
-              <a:t>serverPrivSIGKey</a:t>
-            </a:r>
-            <a:r>
-              <a:rPr lang="en-US" sz="1400" dirty="0"/>
-              <a:t>,</a:t>
-            </a:r>
-          </a:p>
-          <a:p>
-            <a:pPr algn="ctr"/>
-            <a:r>
-              <a:rPr lang="en-US" sz="1400" dirty="0" err="1">
-                <a:cs typeface="Calibri"/>
-              </a:rPr>
-              <a:t>serverPubKEMKey</a:t>
-            </a:r>
-            <a:r>
-              <a:rPr lang="en-US" sz="1400" dirty="0">
-                <a:cs typeface="Calibri"/>
-              </a:rPr>
-              <a:t>, </a:t>
-            </a:r>
-            <a:r>
-              <a:rPr lang="en-US" sz="1400" dirty="0" err="1">
-                <a:cs typeface="Calibri"/>
-              </a:rPr>
-              <a:t>serverPrivKEMKey</a:t>
-            </a:r>
-            <a:r>
-              <a:rPr lang="en-US" sz="1400" dirty="0">
-                <a:cs typeface="Calibri"/>
-              </a:rPr>
-              <a:t> *)</a:t>
-            </a:r>
-            <a:endParaRPr lang="en-US" sz="1400" dirty="0"/>
-          </a:p>
-        </p:txBody>
-      </p:sp>
-      <p:cxnSp>
-        <p:nvCxnSpPr>
-          <p:cNvPr id="10" name="Gerader Verbinder 9">
-            <a:extLst>
-              <a:ext uri="{FF2B5EF4-FFF2-40B4-BE49-F238E27FC236}">
-                <a16:creationId xmlns:a16="http://schemas.microsoft.com/office/drawing/2014/main" id="{86EE2EDF-D4BE-7863-5300-3506830EE3C7}"/>
-              </a:ext>
-            </a:extLst>
-          </p:cNvPr>
-          <p:cNvCxnSpPr>
-            <a:cxnSpLocks/>
-            <a:stCxn id="7" idx="2"/>
-          </p:cNvCxnSpPr>
-          <p:nvPr/>
-        </p:nvCxnSpPr>
-        <p:spPr>
-          <a:xfrm>
-            <a:off x="2209800" y="1913974"/>
-            <a:ext cx="0" cy="4593302"/>
-          </a:xfrm>
-          <a:prstGeom prst="line">
-            <a:avLst/>
-          </a:prstGeom>
-        </p:spPr>
-        <p:style>
-          <a:lnRef idx="1">
-            <a:schemeClr val="accent1"/>
-          </a:lnRef>
-          <a:fillRef idx="0">
-            <a:schemeClr val="accent1"/>
-          </a:fillRef>
-          <a:effectRef idx="0">
-            <a:schemeClr val="accent1"/>
-          </a:effectRef>
-          <a:fontRef idx="minor">
-            <a:schemeClr val="tx1"/>
-          </a:fontRef>
-        </p:style>
-      </p:cxnSp>
-      <p:cxnSp>
-        <p:nvCxnSpPr>
-          <p:cNvPr id="11" name="Gerader Verbinder 10">
-            <a:extLst>
-              <a:ext uri="{FF2B5EF4-FFF2-40B4-BE49-F238E27FC236}">
-                <a16:creationId xmlns:a16="http://schemas.microsoft.com/office/drawing/2014/main" id="{BCFB8EA3-2D88-C97D-BA2D-AAD8B5D8B45E}"/>
-              </a:ext>
-            </a:extLst>
-          </p:cNvPr>
-          <p:cNvCxnSpPr>
-            <a:cxnSpLocks/>
-            <a:stCxn id="8" idx="2"/>
-          </p:cNvCxnSpPr>
-          <p:nvPr/>
-        </p:nvCxnSpPr>
-        <p:spPr>
-          <a:xfrm flipH="1">
-            <a:off x="10131923" y="2129418"/>
-            <a:ext cx="17980" cy="4377858"/>
-          </a:xfrm>
-          <a:prstGeom prst="line">
-            <a:avLst/>
-          </a:prstGeom>
-        </p:spPr>
-        <p:style>
-          <a:lnRef idx="1">
-            <a:schemeClr val="accent1"/>
-          </a:lnRef>
-          <a:fillRef idx="0">
-            <a:schemeClr val="accent1"/>
-          </a:fillRef>
-          <a:effectRef idx="0">
-            <a:schemeClr val="accent1"/>
-          </a:effectRef>
-          <a:fontRef idx="minor">
-            <a:schemeClr val="tx1"/>
-          </a:fontRef>
-        </p:style>
-      </p:cxnSp>
-      <p:cxnSp>
-        <p:nvCxnSpPr>
-          <p:cNvPr id="22" name="Gerade Verbindung mit Pfeil 21">
-            <a:extLst>
-              <a:ext uri="{FF2B5EF4-FFF2-40B4-BE49-F238E27FC236}">
-                <a16:creationId xmlns:a16="http://schemas.microsoft.com/office/drawing/2014/main" id="{6D6A8808-B519-A510-F15A-592AC846CFDD}"/>
-              </a:ext>
-            </a:extLst>
-          </p:cNvPr>
-          <p:cNvCxnSpPr>
-            <a:cxnSpLocks/>
-          </p:cNvCxnSpPr>
-          <p:nvPr/>
-        </p:nvCxnSpPr>
-        <p:spPr>
-          <a:xfrm>
-            <a:off x="2225824" y="2465473"/>
-            <a:ext cx="7906099" cy="0"/>
-          </a:xfrm>
-          <a:prstGeom prst="straightConnector1">
-            <a:avLst/>
-          </a:prstGeom>
-          <a:ln>
-            <a:tailEnd type="triangle"/>
-          </a:ln>
-        </p:spPr>
-        <p:style>
-          <a:lnRef idx="1">
-            <a:schemeClr val="accent1"/>
-          </a:lnRef>
-          <a:fillRef idx="0">
-            <a:schemeClr val="accent1"/>
-          </a:fillRef>
-          <a:effectRef idx="0">
-            <a:schemeClr val="accent1"/>
-          </a:effectRef>
-          <a:fontRef idx="minor">
-            <a:schemeClr val="tx1"/>
-          </a:fontRef>
-        </p:style>
-      </p:cxnSp>
-      <p:cxnSp>
-        <p:nvCxnSpPr>
-          <p:cNvPr id="29" name="Gerade Verbindung mit Pfeil 28">
-            <a:extLst>
-              <a:ext uri="{FF2B5EF4-FFF2-40B4-BE49-F238E27FC236}">
-                <a16:creationId xmlns:a16="http://schemas.microsoft.com/office/drawing/2014/main" id="{62B20FAA-6351-2A57-D3CC-47EF529FF1C8}"/>
-              </a:ext>
-            </a:extLst>
-          </p:cNvPr>
-          <p:cNvCxnSpPr>
-            <a:cxnSpLocks/>
-          </p:cNvCxnSpPr>
-          <p:nvPr/>
-        </p:nvCxnSpPr>
-        <p:spPr>
-          <a:xfrm flipH="1">
-            <a:off x="2222451" y="3632526"/>
-            <a:ext cx="7909472" cy="0"/>
-          </a:xfrm>
-          <a:prstGeom prst="straightConnector1">
-            <a:avLst/>
-          </a:prstGeom>
-          <a:ln>
-            <a:tailEnd type="triangle"/>
-          </a:ln>
-        </p:spPr>
-        <p:style>
-          <a:lnRef idx="1">
-            <a:schemeClr val="accent1"/>
-          </a:lnRef>
-          <a:fillRef idx="0">
-            <a:schemeClr val="accent1"/>
-          </a:fillRef>
-          <a:effectRef idx="0">
-            <a:schemeClr val="accent1"/>
-          </a:effectRef>
-          <a:fontRef idx="minor">
-            <a:schemeClr val="tx1"/>
-          </a:fontRef>
-        </p:style>
-      </p:cxnSp>
-      <p:cxnSp>
-        <p:nvCxnSpPr>
-          <p:cNvPr id="16" name="Gerade Verbindung mit Pfeil 15">
-            <a:extLst>
-              <a:ext uri="{FF2B5EF4-FFF2-40B4-BE49-F238E27FC236}">
-                <a16:creationId xmlns:a16="http://schemas.microsoft.com/office/drawing/2014/main" id="{AEF30826-08A5-B328-0EA9-B63A955EBCF8}"/>
-              </a:ext>
-            </a:extLst>
-          </p:cNvPr>
-          <p:cNvCxnSpPr>
-            <a:cxnSpLocks/>
-          </p:cNvCxnSpPr>
-          <p:nvPr/>
-        </p:nvCxnSpPr>
-        <p:spPr>
-          <a:xfrm>
-            <a:off x="2225824" y="4870492"/>
-            <a:ext cx="7906099" cy="0"/>
-          </a:xfrm>
-          <a:prstGeom prst="straightConnector1">
-            <a:avLst/>
-          </a:prstGeom>
-          <a:ln>
-            <a:tailEnd type="triangle"/>
-          </a:ln>
-        </p:spPr>
-        <p:style>
-          <a:lnRef idx="1">
-            <a:schemeClr val="accent1"/>
-          </a:lnRef>
-          <a:fillRef idx="0">
-            <a:schemeClr val="accent1"/>
-          </a:fillRef>
-          <a:effectRef idx="0">
-            <a:schemeClr val="accent1"/>
-          </a:effectRef>
-          <a:fontRef idx="minor">
-            <a:schemeClr val="tx1"/>
-          </a:fontRef>
-        </p:style>
-      </p:cxnSp>
-      <p:cxnSp>
-        <p:nvCxnSpPr>
-          <p:cNvPr id="17" name="Gerade Verbindung mit Pfeil 16">
-            <a:extLst>
-              <a:ext uri="{FF2B5EF4-FFF2-40B4-BE49-F238E27FC236}">
-                <a16:creationId xmlns:a16="http://schemas.microsoft.com/office/drawing/2014/main" id="{8E080F09-FA68-36CE-BDE9-10553491405A}"/>
-              </a:ext>
-            </a:extLst>
-          </p:cNvPr>
-          <p:cNvCxnSpPr>
-            <a:cxnSpLocks/>
-          </p:cNvCxnSpPr>
-          <p:nvPr/>
-        </p:nvCxnSpPr>
-        <p:spPr>
-          <a:xfrm flipH="1">
-            <a:off x="2222451" y="5537115"/>
-            <a:ext cx="7909472" cy="0"/>
-          </a:xfrm>
-          <a:prstGeom prst="straightConnector1">
-            <a:avLst/>
-          </a:prstGeom>
-          <a:ln>
-            <a:tailEnd type="triangle"/>
-          </a:ln>
-        </p:spPr>
-        <p:style>
-          <a:lnRef idx="1">
-            <a:schemeClr val="accent1"/>
-          </a:lnRef>
-          <a:fillRef idx="0">
-            <a:schemeClr val="accent1"/>
-          </a:fillRef>
-          <a:effectRef idx="0">
-            <a:schemeClr val="accent1"/>
-          </a:effectRef>
-          <a:fontRef idx="minor">
-            <a:schemeClr val="tx1"/>
-          </a:fontRef>
-        </p:style>
-      </p:cxnSp>
-      <p:cxnSp>
-        <p:nvCxnSpPr>
-          <p:cNvPr id="24" name="Gerade Verbindung mit Pfeil 23">
-            <a:extLst>
-              <a:ext uri="{FF2B5EF4-FFF2-40B4-BE49-F238E27FC236}">
-                <a16:creationId xmlns:a16="http://schemas.microsoft.com/office/drawing/2014/main" id="{091F79C6-C48C-4DCE-0169-EC72E7D4A5A7}"/>
-              </a:ext>
-            </a:extLst>
-          </p:cNvPr>
-          <p:cNvCxnSpPr>
-            <a:cxnSpLocks/>
-          </p:cNvCxnSpPr>
-          <p:nvPr/>
-        </p:nvCxnSpPr>
-        <p:spPr>
-          <a:xfrm>
-            <a:off x="2209800" y="5934892"/>
-            <a:ext cx="7922123" cy="0"/>
-          </a:xfrm>
-          <a:prstGeom prst="straightConnector1">
-            <a:avLst/>
-          </a:prstGeom>
-          <a:ln>
-            <a:tailEnd type="triangle"/>
-          </a:ln>
-        </p:spPr>
-        <p:style>
-          <a:lnRef idx="1">
-            <a:schemeClr val="accent1"/>
-          </a:lnRef>
-          <a:fillRef idx="0">
-            <a:schemeClr val="accent1"/>
-          </a:fillRef>
-          <a:effectRef idx="0">
-            <a:schemeClr val="accent1"/>
-          </a:effectRef>
-          <a:fontRef idx="minor">
-            <a:schemeClr val="tx1"/>
-          </a:fontRef>
-        </p:style>
-      </p:cxnSp>
-      <p:cxnSp>
-        <p:nvCxnSpPr>
-          <p:cNvPr id="25" name="Gerade Verbindung mit Pfeil 24">
-            <a:extLst>
-              <a:ext uri="{FF2B5EF4-FFF2-40B4-BE49-F238E27FC236}">
-                <a16:creationId xmlns:a16="http://schemas.microsoft.com/office/drawing/2014/main" id="{68DA8DA6-8894-FA7B-2F43-486F2CBAD58D}"/>
-              </a:ext>
-            </a:extLst>
-          </p:cNvPr>
-          <p:cNvCxnSpPr>
-            <a:cxnSpLocks/>
-          </p:cNvCxnSpPr>
-          <p:nvPr/>
-        </p:nvCxnSpPr>
-        <p:spPr>
-          <a:xfrm flipH="1">
-            <a:off x="2206427" y="6292024"/>
-            <a:ext cx="7925496" cy="0"/>
-          </a:xfrm>
-          <a:prstGeom prst="straightConnector1">
-            <a:avLst/>
-          </a:prstGeom>
-          <a:ln>
-            <a:tailEnd type="triangle"/>
-          </a:ln>
-        </p:spPr>
-        <p:style>
-          <a:lnRef idx="1">
-            <a:schemeClr val="accent1"/>
-          </a:lnRef>
-          <a:fillRef idx="0">
-            <a:schemeClr val="accent1"/>
-          </a:fillRef>
-          <a:effectRef idx="0">
-            <a:schemeClr val="accent1"/>
-          </a:effectRef>
-          <a:fontRef idx="minor">
-            <a:schemeClr val="tx1"/>
-          </a:fontRef>
-        </p:style>
-      </p:cxnSp>
-      <p:sp>
-        <p:nvSpPr>
-          <p:cNvPr id="34" name="Textfeld 33">
-            <a:extLst>
-              <a:ext uri="{FF2B5EF4-FFF2-40B4-BE49-F238E27FC236}">
-                <a16:creationId xmlns:a16="http://schemas.microsoft.com/office/drawing/2014/main" id="{200F6189-FF01-1710-F3E0-28ADC42D4CFC}"/>
-              </a:ext>
-            </a:extLst>
-          </p:cNvPr>
-          <p:cNvSpPr txBox="1"/>
-          <p:nvPr/>
-        </p:nvSpPr>
-        <p:spPr>
-          <a:xfrm>
-            <a:off x="8527406" y="2937106"/>
-            <a:ext cx="3244991" cy="738664"/>
-          </a:xfrm>
-          <a:prstGeom prst="rect">
-            <a:avLst/>
-          </a:prstGeom>
-          <a:noFill/>
-        </p:spPr>
-        <p:txBody>
-          <a:bodyPr wrap="none" rtlCol="0">
-            <a:spAutoFit/>
-          </a:bodyPr>
-          <a:lstStyle/>
-          <a:p>
-            <a:pPr algn="ctr"/>
-            <a:r>
-              <a:rPr lang="en-US" sz="1400" dirty="0"/>
-              <a:t>Validating </a:t>
-            </a:r>
-            <a:r>
-              <a:rPr lang="en-US" sz="1400" dirty="0" err="1"/>
-              <a:t>ClientKEMCert</a:t>
-            </a:r>
-            <a:endParaRPr lang="en-US" sz="1400" dirty="0"/>
-          </a:p>
-          <a:p>
-            <a:pPr algn="ctr"/>
-            <a:r>
-              <a:rPr lang="en-US" sz="1400" dirty="0" err="1"/>
-              <a:t>Kem.encaps</a:t>
-            </a:r>
-            <a:r>
-              <a:rPr lang="en-US" sz="1400" dirty="0"/>
-              <a:t>(</a:t>
-            </a:r>
-            <a:r>
-              <a:rPr lang="en-US" sz="1400" dirty="0" err="1"/>
-              <a:t>clientPubKEMKey</a:t>
-            </a:r>
-            <a:r>
-              <a:rPr lang="en-US" sz="1400" dirty="0"/>
-              <a:t>) </a:t>
-            </a:r>
-            <a:r>
-              <a:rPr lang="en-US" sz="1400" dirty="0">
-                <a:sym typeface="Wingdings" panose="05000000000000000000" pitchFamily="2" charset="2"/>
-              </a:rPr>
-              <a:t> </a:t>
-            </a:r>
-          </a:p>
-          <a:p>
-            <a:pPr algn="ctr"/>
-            <a:r>
-              <a:rPr lang="en-US" sz="1400" dirty="0"/>
-              <a:t>(</a:t>
-            </a:r>
-            <a:r>
-              <a:rPr lang="en-US" sz="1400" dirty="0" err="1"/>
-              <a:t>serverKEMCiphertext</a:t>
-            </a:r>
-            <a:r>
-              <a:rPr lang="en-US" sz="1400" dirty="0"/>
-              <a:t>, </a:t>
-            </a:r>
-            <a:r>
-              <a:rPr lang="en-US" sz="1400" dirty="0" err="1"/>
-              <a:t>sharedServerKey</a:t>
-            </a:r>
-            <a:r>
-              <a:rPr lang="en-US" sz="1400" dirty="0"/>
-              <a:t>)</a:t>
-            </a:r>
-          </a:p>
-        </p:txBody>
-      </p:sp>
-      <p:sp>
-        <p:nvSpPr>
-          <p:cNvPr id="35" name="Textfeld 34">
-            <a:extLst>
-              <a:ext uri="{FF2B5EF4-FFF2-40B4-BE49-F238E27FC236}">
-                <a16:creationId xmlns:a16="http://schemas.microsoft.com/office/drawing/2014/main" id="{6D0677F9-0247-2502-82A9-95E76BADBB89}"/>
-              </a:ext>
-            </a:extLst>
-          </p:cNvPr>
-          <p:cNvSpPr txBox="1"/>
-          <p:nvPr/>
-        </p:nvSpPr>
-        <p:spPr>
-          <a:xfrm>
-            <a:off x="76610" y="3630473"/>
-            <a:ext cx="4291688" cy="738664"/>
-          </a:xfrm>
-          <a:prstGeom prst="rect">
-            <a:avLst/>
-          </a:prstGeom>
-          <a:noFill/>
-        </p:spPr>
-        <p:txBody>
-          <a:bodyPr wrap="none" rtlCol="0">
-            <a:spAutoFit/>
-          </a:bodyPr>
-          <a:lstStyle/>
-          <a:p>
-            <a:pPr algn="ctr"/>
-            <a:r>
-              <a:rPr lang="en-US" sz="1400" dirty="0"/>
-              <a:t>Validating </a:t>
-            </a:r>
-            <a:r>
-              <a:rPr lang="en-US" sz="1400" dirty="0" err="1"/>
-              <a:t>serverSIGCert</a:t>
-            </a:r>
-            <a:endParaRPr lang="en-US" sz="1400" dirty="0"/>
-          </a:p>
-          <a:p>
-            <a:pPr algn="ctr"/>
-            <a:r>
-              <a:rPr lang="en-US" sz="1400" dirty="0" err="1"/>
-              <a:t>Kem.decaps</a:t>
-            </a:r>
-            <a:r>
-              <a:rPr lang="en-US" sz="1400" dirty="0"/>
-              <a:t>(</a:t>
-            </a:r>
-            <a:r>
-              <a:rPr lang="en-US" sz="1400" dirty="0" err="1"/>
-              <a:t>clientPrivKEMKey</a:t>
-            </a:r>
-            <a:r>
-              <a:rPr lang="en-US" sz="1400" dirty="0"/>
-              <a:t>, </a:t>
-            </a:r>
-            <a:r>
-              <a:rPr lang="en-US" sz="1400" dirty="0" err="1"/>
-              <a:t>serverKEMCiphertext</a:t>
-            </a:r>
-            <a:r>
-              <a:rPr lang="en-US" sz="1400" dirty="0"/>
-              <a:t>) </a:t>
-            </a:r>
-            <a:r>
-              <a:rPr lang="en-US" sz="1400" dirty="0">
-                <a:sym typeface="Wingdings" panose="05000000000000000000" pitchFamily="2" charset="2"/>
-              </a:rPr>
-              <a:t></a:t>
-            </a:r>
-          </a:p>
-          <a:p>
-            <a:pPr algn="ctr"/>
-            <a:r>
-              <a:rPr lang="en-US" sz="1400" dirty="0" err="1"/>
-              <a:t>shareServerKey</a:t>
-            </a:r>
-            <a:endParaRPr lang="en-US" sz="1400" dirty="0"/>
-          </a:p>
-        </p:txBody>
-      </p:sp>
-      <p:sp>
-        <p:nvSpPr>
-          <p:cNvPr id="36" name="Textfeld 35">
-            <a:extLst>
-              <a:ext uri="{FF2B5EF4-FFF2-40B4-BE49-F238E27FC236}">
-                <a16:creationId xmlns:a16="http://schemas.microsoft.com/office/drawing/2014/main" id="{932327E6-9DAE-4EC1-F2A0-8B769C52F433}"/>
-              </a:ext>
-            </a:extLst>
-          </p:cNvPr>
-          <p:cNvSpPr txBox="1"/>
-          <p:nvPr/>
-        </p:nvSpPr>
-        <p:spPr>
-          <a:xfrm>
-            <a:off x="4976505" y="1781122"/>
-            <a:ext cx="2496902" cy="738664"/>
-          </a:xfrm>
-          <a:prstGeom prst="rect">
-            <a:avLst/>
-          </a:prstGeom>
-          <a:noFill/>
-        </p:spPr>
-        <p:txBody>
-          <a:bodyPr wrap="none" rtlCol="0">
-            <a:spAutoFit/>
-          </a:bodyPr>
-          <a:lstStyle/>
-          <a:p>
-            <a:pPr algn="ctr"/>
-            <a:r>
-              <a:rPr lang="en-US" sz="1400" err="1"/>
-              <a:t>genm</a:t>
-            </a:r>
-            <a:r>
-              <a:rPr lang="en-US" sz="1400"/>
-              <a:t> message,</a:t>
-            </a:r>
-          </a:p>
-          <a:p>
-            <a:pPr algn="ctr"/>
-            <a:r>
-              <a:rPr lang="en-US" sz="1400" err="1"/>
-              <a:t>PKIBody.KEMCiphertext</a:t>
-            </a:r>
-            <a:r>
-              <a:rPr lang="en-US" sz="1400"/>
-              <a:t> absent,</a:t>
-            </a:r>
-          </a:p>
-          <a:p>
-            <a:pPr algn="ctr"/>
-            <a:r>
-              <a:rPr lang="en-US" sz="1400" err="1"/>
-              <a:t>clientKEMCert</a:t>
-            </a:r>
-            <a:r>
-              <a:rPr lang="en-US" sz="1400"/>
-              <a:t> in </a:t>
-            </a:r>
-            <a:r>
-              <a:rPr lang="en-US" sz="1400" err="1"/>
-              <a:t>extraCerts</a:t>
-            </a:r>
-            <a:endParaRPr lang="en-US" sz="1400"/>
-          </a:p>
-        </p:txBody>
-      </p:sp>
-      <p:sp>
-        <p:nvSpPr>
-          <p:cNvPr id="37" name="Textfeld 36">
-            <a:extLst>
-              <a:ext uri="{FF2B5EF4-FFF2-40B4-BE49-F238E27FC236}">
-                <a16:creationId xmlns:a16="http://schemas.microsoft.com/office/drawing/2014/main" id="{2150A88D-982A-CC47-FB4F-E766AE51969F}"/>
-              </a:ext>
-            </a:extLst>
-          </p:cNvPr>
-          <p:cNvSpPr txBox="1"/>
-          <p:nvPr/>
-        </p:nvSpPr>
-        <p:spPr>
-          <a:xfrm>
-            <a:off x="4304144" y="2510912"/>
-            <a:ext cx="3777636" cy="1169551"/>
-          </a:xfrm>
-          <a:prstGeom prst="rect">
-            <a:avLst/>
-          </a:prstGeom>
-          <a:noFill/>
-        </p:spPr>
-        <p:txBody>
-          <a:bodyPr wrap="none" rtlCol="0">
-            <a:spAutoFit/>
-          </a:bodyPr>
-          <a:lstStyle/>
-          <a:p>
-            <a:pPr algn="ctr"/>
-            <a:r>
-              <a:rPr lang="en-US" sz="1400" dirty="0" err="1"/>
-              <a:t>genp</a:t>
-            </a:r>
-            <a:r>
-              <a:rPr lang="en-US" sz="1400" dirty="0"/>
-              <a:t> message,</a:t>
-            </a:r>
-          </a:p>
-          <a:p>
-            <a:pPr algn="ctr"/>
-            <a:r>
-              <a:rPr lang="en-US" sz="1400" dirty="0" err="1">
-                <a:cs typeface="Calibri"/>
-              </a:rPr>
-              <a:t>serverPubKEMKey</a:t>
-            </a:r>
-            <a:r>
-              <a:rPr lang="en-US" sz="1400" dirty="0">
-                <a:cs typeface="Calibri"/>
-              </a:rPr>
-              <a:t> signed using </a:t>
-            </a:r>
-            <a:r>
-              <a:rPr lang="en-US" sz="1400" dirty="0" err="1">
-                <a:cs typeface="Calibri"/>
-              </a:rPr>
-              <a:t>serverPrivSIGKey</a:t>
-            </a:r>
-            <a:r>
-              <a:rPr lang="en-US" sz="1400" dirty="0">
-                <a:cs typeface="Calibri"/>
-              </a:rPr>
-              <a:t> </a:t>
-            </a:r>
-            <a:br>
-              <a:rPr lang="en-US" sz="1400" dirty="0">
-                <a:cs typeface="Calibri"/>
-              </a:rPr>
-            </a:br>
-            <a:r>
-              <a:rPr lang="en-US" sz="1400" dirty="0">
-                <a:cs typeface="Calibri"/>
-              </a:rPr>
-              <a:t>in </a:t>
-            </a:r>
-            <a:r>
-              <a:rPr lang="en-US" sz="1400" dirty="0" err="1">
-                <a:cs typeface="Calibri"/>
-              </a:rPr>
-              <a:t>generalInfo.sigPubKEMKey</a:t>
-            </a:r>
-            <a:r>
-              <a:rPr lang="en-US" sz="1400" dirty="0">
-                <a:cs typeface="Calibri"/>
-              </a:rPr>
-              <a:t>,</a:t>
-            </a:r>
-            <a:endParaRPr lang="en-US" sz="1400" dirty="0"/>
-          </a:p>
-          <a:p>
-            <a:pPr algn="ctr"/>
-            <a:r>
-              <a:rPr lang="en-US" sz="1400" dirty="0" err="1">
-                <a:cs typeface="Calibri"/>
-              </a:rPr>
-              <a:t>serverKEMCiphertext</a:t>
-            </a:r>
-            <a:r>
-              <a:rPr lang="en-US" sz="1400" dirty="0">
-                <a:cs typeface="Calibri"/>
-              </a:rPr>
-              <a:t> in</a:t>
-            </a:r>
-            <a:r>
-              <a:rPr lang="en-US" sz="1400" dirty="0"/>
-              <a:t> </a:t>
-            </a:r>
-            <a:r>
-              <a:rPr lang="en-US" sz="1400" dirty="0" err="1"/>
-              <a:t>PKIBody.KEMCiphertext</a:t>
-            </a:r>
-            <a:r>
-              <a:rPr lang="en-US" sz="1400" dirty="0"/>
-              <a:t>,</a:t>
-            </a:r>
-          </a:p>
-          <a:p>
-            <a:pPr algn="ctr"/>
-            <a:r>
-              <a:rPr lang="en-US" sz="1400" dirty="0" err="1"/>
-              <a:t>serverSIGCert</a:t>
-            </a:r>
-            <a:r>
-              <a:rPr lang="en-US" sz="1400" dirty="0"/>
-              <a:t> in </a:t>
-            </a:r>
-            <a:r>
-              <a:rPr lang="en-US" sz="1400" dirty="0" err="1"/>
-              <a:t>extraCerts</a:t>
-            </a:r>
-            <a:endParaRPr lang="en-US" sz="1400" dirty="0"/>
-          </a:p>
-        </p:txBody>
-      </p:sp>
-      <p:sp>
-        <p:nvSpPr>
-          <p:cNvPr id="38" name="Textfeld 37">
-            <a:extLst>
-              <a:ext uri="{FF2B5EF4-FFF2-40B4-BE49-F238E27FC236}">
-                <a16:creationId xmlns:a16="http://schemas.microsoft.com/office/drawing/2014/main" id="{5B78DB8A-BC73-AE81-8475-5AED72355169}"/>
-              </a:ext>
-            </a:extLst>
-          </p:cNvPr>
-          <p:cNvSpPr txBox="1"/>
-          <p:nvPr/>
-        </p:nvSpPr>
-        <p:spPr>
-          <a:xfrm>
-            <a:off x="677609" y="4365745"/>
-            <a:ext cx="3060646" cy="523220"/>
-          </a:xfrm>
-          <a:prstGeom prst="rect">
-            <a:avLst/>
-          </a:prstGeom>
-          <a:noFill/>
-        </p:spPr>
-        <p:txBody>
-          <a:bodyPr wrap="none" rtlCol="0">
-            <a:spAutoFit/>
-          </a:bodyPr>
-          <a:lstStyle/>
-          <a:p>
-            <a:pPr algn="ctr"/>
-            <a:r>
-              <a:rPr lang="en-US" sz="1400" err="1"/>
-              <a:t>Kem.encaps</a:t>
-            </a:r>
-            <a:r>
-              <a:rPr lang="en-US" sz="1400"/>
-              <a:t>(</a:t>
-            </a:r>
-            <a:r>
-              <a:rPr lang="en-US" sz="1400" err="1">
-                <a:cs typeface="Calibri"/>
-              </a:rPr>
-              <a:t>serverPubKEMKey</a:t>
-            </a:r>
-            <a:r>
-              <a:rPr lang="en-US" sz="1400"/>
-              <a:t>) </a:t>
-            </a:r>
-            <a:r>
-              <a:rPr lang="en-US" sz="1400">
-                <a:sym typeface="Wingdings" panose="05000000000000000000" pitchFamily="2" charset="2"/>
-              </a:rPr>
-              <a:t></a:t>
-            </a:r>
-          </a:p>
-          <a:p>
-            <a:pPr algn="ctr"/>
-            <a:r>
-              <a:rPr lang="en-US" sz="1400"/>
-              <a:t>(</a:t>
-            </a:r>
-            <a:r>
-              <a:rPr lang="en-US" sz="1400" err="1"/>
-              <a:t>clientKEMCiphertext</a:t>
-            </a:r>
-            <a:r>
-              <a:rPr lang="en-US" sz="1400"/>
-              <a:t>, </a:t>
-            </a:r>
-            <a:r>
-              <a:rPr lang="en-US" sz="1400" err="1"/>
-              <a:t>sharedClientKey</a:t>
-            </a:r>
-            <a:r>
-              <a:rPr lang="en-US" sz="1400"/>
-              <a:t>)</a:t>
-            </a:r>
-          </a:p>
-        </p:txBody>
-      </p:sp>
-      <p:sp>
-        <p:nvSpPr>
-          <p:cNvPr id="39" name="Textfeld 38">
-            <a:extLst>
-              <a:ext uri="{FF2B5EF4-FFF2-40B4-BE49-F238E27FC236}">
-                <a16:creationId xmlns:a16="http://schemas.microsoft.com/office/drawing/2014/main" id="{A00D85E3-6E5A-8990-9429-0BE101918954}"/>
-              </a:ext>
-            </a:extLst>
-          </p:cNvPr>
-          <p:cNvSpPr txBox="1"/>
-          <p:nvPr/>
-        </p:nvSpPr>
-        <p:spPr>
-          <a:xfrm>
-            <a:off x="7989866" y="4836129"/>
-            <a:ext cx="4291688" cy="523220"/>
-          </a:xfrm>
-          <a:prstGeom prst="rect">
-            <a:avLst/>
-          </a:prstGeom>
-          <a:noFill/>
-        </p:spPr>
-        <p:txBody>
-          <a:bodyPr wrap="none" rtlCol="0">
-            <a:spAutoFit/>
-          </a:bodyPr>
-          <a:lstStyle/>
-          <a:p>
-            <a:pPr algn="ctr"/>
-            <a:r>
-              <a:rPr lang="en-US" sz="1400" err="1"/>
-              <a:t>Kem.decaps</a:t>
-            </a:r>
-            <a:r>
-              <a:rPr lang="en-US" sz="1400"/>
-              <a:t>(</a:t>
-            </a:r>
-            <a:r>
-              <a:rPr lang="en-US" sz="1400" err="1"/>
-              <a:t>serverPrivKEMKey</a:t>
-            </a:r>
-            <a:r>
-              <a:rPr lang="en-US" sz="1400"/>
-              <a:t>, </a:t>
-            </a:r>
-            <a:r>
-              <a:rPr lang="en-US" sz="1400" err="1"/>
-              <a:t>clientKEMCiphertext</a:t>
-            </a:r>
-            <a:r>
-              <a:rPr lang="en-US" sz="1400"/>
-              <a:t>) </a:t>
-            </a:r>
-            <a:r>
-              <a:rPr lang="en-US" sz="1400">
-                <a:sym typeface="Wingdings" panose="05000000000000000000" pitchFamily="2" charset="2"/>
-              </a:rPr>
-              <a:t></a:t>
-            </a:r>
-          </a:p>
-          <a:p>
-            <a:pPr algn="ctr"/>
-            <a:r>
-              <a:rPr lang="en-US" sz="1400"/>
-              <a:t>sharedClientKey</a:t>
-            </a:r>
-          </a:p>
-        </p:txBody>
-      </p:sp>
-      <p:sp>
-        <p:nvSpPr>
-          <p:cNvPr id="40" name="Textfeld 39">
-            <a:extLst>
-              <a:ext uri="{FF2B5EF4-FFF2-40B4-BE49-F238E27FC236}">
-                <a16:creationId xmlns:a16="http://schemas.microsoft.com/office/drawing/2014/main" id="{8320E0BC-46D9-D471-126F-E79830DF444C}"/>
-              </a:ext>
-            </a:extLst>
-          </p:cNvPr>
-          <p:cNvSpPr txBox="1"/>
-          <p:nvPr/>
-        </p:nvSpPr>
-        <p:spPr>
-          <a:xfrm>
-            <a:off x="4234704" y="4196007"/>
-            <a:ext cx="3922292" cy="738664"/>
-          </a:xfrm>
-          <a:prstGeom prst="rect">
-            <a:avLst/>
-          </a:prstGeom>
-          <a:noFill/>
-        </p:spPr>
-        <p:txBody>
-          <a:bodyPr wrap="none" rtlCol="0">
-            <a:spAutoFit/>
-          </a:bodyPr>
-          <a:lstStyle/>
-          <a:p>
-            <a:pPr algn="ctr"/>
-            <a:r>
-              <a:rPr lang="en-US" sz="1400" dirty="0" err="1"/>
-              <a:t>kur</a:t>
-            </a:r>
-            <a:r>
-              <a:rPr lang="en-US" sz="1400" dirty="0"/>
-              <a:t> message,</a:t>
-            </a:r>
-          </a:p>
-          <a:p>
-            <a:pPr algn="ctr"/>
-            <a:r>
-              <a:rPr lang="en-US" sz="1400" dirty="0" err="1">
-                <a:cs typeface="Calibri"/>
-              </a:rPr>
-              <a:t>clientKEMCiphertext</a:t>
-            </a:r>
-            <a:r>
-              <a:rPr lang="en-US" sz="1400" dirty="0">
-                <a:cs typeface="Calibri"/>
-              </a:rPr>
-              <a:t> in </a:t>
-            </a:r>
-            <a:r>
-              <a:rPr lang="en-US" sz="1400" dirty="0" err="1">
-                <a:cs typeface="Calibri"/>
-              </a:rPr>
-              <a:t>generalInfo.KEMCiphertext</a:t>
-            </a:r>
-            <a:r>
-              <a:rPr lang="en-US" sz="1400" dirty="0">
-                <a:cs typeface="Calibri"/>
-              </a:rPr>
-              <a:t>,</a:t>
-            </a:r>
-          </a:p>
-          <a:p>
-            <a:pPr algn="ctr"/>
-            <a:r>
-              <a:rPr lang="en-US" sz="1400" dirty="0"/>
-              <a:t>MAC-based protection using </a:t>
-            </a:r>
-            <a:r>
-              <a:rPr lang="en-US" sz="1400" dirty="0" err="1"/>
-              <a:t>shareServerKey</a:t>
-            </a:r>
-            <a:endParaRPr lang="en-US" sz="1400" dirty="0"/>
-          </a:p>
-        </p:txBody>
-      </p:sp>
-      <p:sp>
-        <p:nvSpPr>
-          <p:cNvPr id="41" name="Textfeld 40">
-            <a:extLst>
-              <a:ext uri="{FF2B5EF4-FFF2-40B4-BE49-F238E27FC236}">
-                <a16:creationId xmlns:a16="http://schemas.microsoft.com/office/drawing/2014/main" id="{AE7AEF23-4CD9-090F-085D-CE7EA615DA5C}"/>
-              </a:ext>
-            </a:extLst>
-          </p:cNvPr>
-          <p:cNvSpPr txBox="1"/>
-          <p:nvPr/>
-        </p:nvSpPr>
-        <p:spPr>
-          <a:xfrm>
-            <a:off x="3966608" y="5292093"/>
-            <a:ext cx="4452694" cy="307777"/>
-          </a:xfrm>
-          <a:prstGeom prst="rect">
-            <a:avLst/>
-          </a:prstGeom>
-          <a:noFill/>
-        </p:spPr>
-        <p:txBody>
-          <a:bodyPr wrap="none" rtlCol="0">
-            <a:spAutoFit/>
-          </a:bodyPr>
-          <a:lstStyle/>
-          <a:p>
-            <a:pPr algn="ctr"/>
-            <a:r>
-              <a:rPr lang="en-US" sz="1400" dirty="0" err="1"/>
-              <a:t>kuip</a:t>
-            </a:r>
-            <a:r>
-              <a:rPr lang="en-US" sz="1400" dirty="0"/>
-              <a:t> message, MAC-based protection using </a:t>
-            </a:r>
-            <a:r>
-              <a:rPr lang="en-US" sz="1400" dirty="0" err="1"/>
-              <a:t>shareClientKey</a:t>
-            </a:r>
-            <a:endParaRPr lang="en-US" sz="1400" dirty="0"/>
-          </a:p>
-        </p:txBody>
-      </p:sp>
-      <p:sp>
-        <p:nvSpPr>
-          <p:cNvPr id="42" name="Textfeld 41">
-            <a:extLst>
-              <a:ext uri="{FF2B5EF4-FFF2-40B4-BE49-F238E27FC236}">
-                <a16:creationId xmlns:a16="http://schemas.microsoft.com/office/drawing/2014/main" id="{BD605B4C-D50F-A622-D887-5A5B45E46BAA}"/>
-              </a:ext>
-            </a:extLst>
-          </p:cNvPr>
-          <p:cNvSpPr txBox="1"/>
-          <p:nvPr/>
-        </p:nvSpPr>
-        <p:spPr>
-          <a:xfrm>
-            <a:off x="3772503" y="5666435"/>
-            <a:ext cx="4814651" cy="307777"/>
-          </a:xfrm>
-          <a:prstGeom prst="rect">
-            <a:avLst/>
-          </a:prstGeom>
-          <a:noFill/>
-        </p:spPr>
-        <p:txBody>
-          <a:bodyPr wrap="none" rtlCol="0">
-            <a:spAutoFit/>
-          </a:bodyPr>
-          <a:lstStyle/>
-          <a:p>
-            <a:pPr algn="ctr"/>
-            <a:r>
-              <a:rPr lang="en-US" sz="1400"/>
-              <a:t>certConf message, MAC-based protection using shareServerKey</a:t>
-            </a:r>
-          </a:p>
-        </p:txBody>
-      </p:sp>
-      <p:sp>
-        <p:nvSpPr>
-          <p:cNvPr id="43" name="Textfeld 42">
-            <a:extLst>
-              <a:ext uri="{FF2B5EF4-FFF2-40B4-BE49-F238E27FC236}">
-                <a16:creationId xmlns:a16="http://schemas.microsoft.com/office/drawing/2014/main" id="{BF6961AB-C44B-417E-0542-ABB3F2EA15EB}"/>
-              </a:ext>
-            </a:extLst>
-          </p:cNvPr>
-          <p:cNvSpPr txBox="1"/>
-          <p:nvPr/>
-        </p:nvSpPr>
-        <p:spPr>
-          <a:xfrm>
-            <a:off x="3850484" y="6048573"/>
-            <a:ext cx="4676922" cy="307777"/>
-          </a:xfrm>
-          <a:prstGeom prst="rect">
-            <a:avLst/>
-          </a:prstGeom>
-          <a:noFill/>
-        </p:spPr>
-        <p:txBody>
-          <a:bodyPr wrap="none" rtlCol="0">
-            <a:spAutoFit/>
-          </a:bodyPr>
-          <a:lstStyle/>
-          <a:p>
-            <a:pPr algn="ctr"/>
-            <a:r>
-              <a:rPr lang="en-US" sz="1400" dirty="0" err="1"/>
-              <a:t>pkiconf</a:t>
-            </a:r>
-            <a:r>
-              <a:rPr lang="en-US" sz="1400" dirty="0"/>
-              <a:t> message, MAC-based protection using </a:t>
-            </a:r>
-            <a:r>
-              <a:rPr lang="en-US" sz="1400" dirty="0" err="1"/>
-              <a:t>shareClientKey</a:t>
-            </a:r>
-            <a:endParaRPr lang="en-US" sz="1400" dirty="0"/>
-          </a:p>
-        </p:txBody>
-      </p:sp>
-      <p:sp>
-        <p:nvSpPr>
-          <p:cNvPr id="3" name="Textfeld 2">
-            <a:extLst>
-              <a:ext uri="{FF2B5EF4-FFF2-40B4-BE49-F238E27FC236}">
-                <a16:creationId xmlns:a16="http://schemas.microsoft.com/office/drawing/2014/main" id="{7891A90B-D9BC-E9C3-12F5-87F95EFF25C9}"/>
-              </a:ext>
-            </a:extLst>
-          </p:cNvPr>
-          <p:cNvSpPr txBox="1"/>
-          <p:nvPr/>
-        </p:nvSpPr>
-        <p:spPr>
-          <a:xfrm>
-            <a:off x="58347" y="6590073"/>
-            <a:ext cx="12033038" cy="307777"/>
-          </a:xfrm>
-          <a:prstGeom prst="rect">
-            <a:avLst/>
-          </a:prstGeom>
-          <a:noFill/>
-        </p:spPr>
-        <p:txBody>
-          <a:bodyPr wrap="none" rtlCol="0">
-            <a:spAutoFit/>
-          </a:bodyPr>
-          <a:lstStyle/>
-          <a:p>
-            <a:pPr algn="ctr"/>
-            <a:r>
-              <a:rPr lang="en-US" sz="1400" dirty="0"/>
-              <a:t>*) This is a pseudo-ephemeral KEM key pair to be used by an RA/CA for, e.g., a day. The </a:t>
-            </a:r>
-            <a:r>
-              <a:rPr lang="en-US" sz="1400" dirty="0" err="1">
-                <a:cs typeface="Calibri"/>
-              </a:rPr>
-              <a:t>sigPubKEMKey</a:t>
-            </a:r>
-            <a:r>
-              <a:rPr lang="en-US" sz="1400" dirty="0">
-                <a:cs typeface="Calibri"/>
-              </a:rPr>
-              <a:t> </a:t>
-            </a:r>
-            <a:r>
-              <a:rPr lang="en-US" sz="1400" dirty="0" err="1">
-                <a:cs typeface="Calibri"/>
-              </a:rPr>
-              <a:t>SignedData</a:t>
-            </a:r>
-            <a:r>
-              <a:rPr lang="en-US" sz="1400" dirty="0">
-                <a:cs typeface="Calibri"/>
-              </a:rPr>
-              <a:t> object can also be reused the same time period.</a:t>
-            </a:r>
-            <a:endParaRPr lang="en-US" sz="1400" dirty="0"/>
-          </a:p>
-        </p:txBody>
-      </p:sp>
-    </p:spTree>
-    <p:extLst>
-      <p:ext uri="{BB962C8B-B14F-4D97-AF65-F5344CB8AC3E}">
-        <p14:creationId xmlns:p14="http://schemas.microsoft.com/office/powerpoint/2010/main" val="768142938"/>
+        <p14:creationId xmlns:p14="http://schemas.microsoft.com/office/powerpoint/2010/main" val="3084752667"/>
       </p:ext>
     </p:extLst>
   </p:cSld>
@@ -9613,19 +8243,6 @@
 </file>
 
 <file path=customXml/item2.xml><?xml version="1.0" encoding="utf-8"?>
-<p:properties xmlns:p="http://schemas.microsoft.com/office/2006/metadata/properties" xmlns:xsi="http://www.w3.org/2001/XMLSchema-instance" xmlns:pc="http://schemas.microsoft.com/office/infopath/2007/PartnerControls">
-  <documentManagement>
-    <TaxCatchAll xmlns="56810815-8df0-4f10-8da7-34164765fbe3" xsi:nil="true"/>
-    <lcf76f155ced4ddcb4097134ff3c332f xmlns="a9de424c-86b2-47ed-8d4e-0a9b7010e669">
-      <Terms xmlns="http://schemas.microsoft.com/office/infopath/2007/PartnerControls"/>
-    </lcf76f155ced4ddcb4097134ff3c332f>
-    <_ip_UnifiedCompliancePolicyUIAction xmlns="http://schemas.microsoft.com/sharepoint/v3" xsi:nil="true"/>
-    <_ip_UnifiedCompliancePolicyProperties xmlns="http://schemas.microsoft.com/sharepoint/v3" xsi:nil="true"/>
-  </documentManagement>
-</p:properties>
-</file>
-
-<file path=customXml/item3.xml><?xml version="1.0" encoding="utf-8"?>
 <ct:contentTypeSchema xmlns:ct="http://schemas.microsoft.com/office/2006/metadata/contentType" xmlns:ma="http://schemas.microsoft.com/office/2006/metadata/properties/metaAttributes" ct:_="" ma:_="" ma:contentTypeName="Document" ma:contentTypeID="0x01010035CD6C532085F8449DFAA9E5E2A73509" ma:contentTypeVersion="20" ma:contentTypeDescription="Create a new document." ma:contentTypeScope="" ma:versionID="c8bdef1fc4896ae71e847eb90f6c3082">
   <xsd:schema xmlns:xsd="http://www.w3.org/2001/XMLSchema" xmlns:xs="http://www.w3.org/2001/XMLSchema" xmlns:p="http://schemas.microsoft.com/office/2006/metadata/properties" xmlns:ns1="http://schemas.microsoft.com/sharepoint/v3" xmlns:ns2="ce079751-a51b-4a27-9376-edf93eae18d5" xmlns:ns3="a9de424c-86b2-47ed-8d4e-0a9b7010e669" xmlns:ns4="56810815-8df0-4f10-8da7-34164765fbe3" targetNamespace="http://schemas.microsoft.com/office/2006/metadata/properties" ma:root="true" ma:fieldsID="3fdf977c7d89e1bf9cca898b31dbd6fd" ns1:_="" ns2:_="" ns3:_="" ns4:_="">
     <xsd:import namespace="http://schemas.microsoft.com/sharepoint/v3"/>
@@ -9890,6 +8507,19 @@
 </ct:contentTypeSchema>
 </file>
 
+<file path=customXml/item3.xml><?xml version="1.0" encoding="utf-8"?>
+<p:properties xmlns:p="http://schemas.microsoft.com/office/2006/metadata/properties" xmlns:xsi="http://www.w3.org/2001/XMLSchema-instance" xmlns:pc="http://schemas.microsoft.com/office/infopath/2007/PartnerControls">
+  <documentManagement>
+    <TaxCatchAll xmlns="56810815-8df0-4f10-8da7-34164765fbe3" xsi:nil="true"/>
+    <lcf76f155ced4ddcb4097134ff3c332f xmlns="a9de424c-86b2-47ed-8d4e-0a9b7010e669">
+      <Terms xmlns="http://schemas.microsoft.com/office/infopath/2007/PartnerControls"/>
+    </lcf76f155ced4ddcb4097134ff3c332f>
+    <_ip_UnifiedCompliancePolicyUIAction xmlns="http://schemas.microsoft.com/sharepoint/v3" xsi:nil="true"/>
+    <_ip_UnifiedCompliancePolicyProperties xmlns="http://schemas.microsoft.com/sharepoint/v3" xsi:nil="true"/>
+  </documentManagement>
+</p:properties>
+</file>
+
 <file path=customXml/itemProps1.xml><?xml version="1.0" encoding="utf-8"?>
 <ds:datastoreItem xmlns:ds="http://schemas.openxmlformats.org/officeDocument/2006/customXml" ds:itemID="{9501A43D-8237-498C-9A2A-123DDBDF4659}">
   <ds:schemaRefs>
@@ -9899,6 +8529,27 @@
 </file>
 
 <file path=customXml/itemProps2.xml><?xml version="1.0" encoding="utf-8"?>
+<ds:datastoreItem xmlns:ds="http://schemas.openxmlformats.org/officeDocument/2006/customXml" ds:itemID="{4B6340D3-F6C3-4ECA-BE26-78263F08276B}">
+  <ds:schemaRefs>
+    <ds:schemaRef ds:uri="56810815-8df0-4f10-8da7-34164765fbe3"/>
+    <ds:schemaRef ds:uri="a9de424c-86b2-47ed-8d4e-0a9b7010e669"/>
+    <ds:schemaRef ds:uri="ce079751-a51b-4a27-9376-edf93eae18d5"/>
+    <ds:schemaRef ds:uri="http://purl.org/dc/elements/1.1/"/>
+    <ds:schemaRef ds:uri="http://purl.org/dc/terms/"/>
+    <ds:schemaRef ds:uri="http://schemas.microsoft.com/internal/obd"/>
+    <ds:schemaRef ds:uri="http://schemas.microsoft.com/office/2006/documentManagement/types"/>
+    <ds:schemaRef ds:uri="http://schemas.microsoft.com/office/2006/metadata/contentType"/>
+    <ds:schemaRef ds:uri="http://schemas.microsoft.com/office/2006/metadata/properties"/>
+    <ds:schemaRef ds:uri="http://schemas.microsoft.com/office/2006/metadata/properties/metaAttributes"/>
+    <ds:schemaRef ds:uri="http://schemas.microsoft.com/office/infopath/2007/PartnerControls"/>
+    <ds:schemaRef ds:uri="http://schemas.microsoft.com/sharepoint/v3"/>
+    <ds:schemaRef ds:uri="http://schemas.openxmlformats.org/package/2006/metadata/core-properties"/>
+    <ds:schemaRef ds:uri="http://www.w3.org/2001/XMLSchema"/>
+  </ds:schemaRefs>
+</ds:datastoreItem>
+</file>
+
+<file path=customXml/itemProps3.xml><?xml version="1.0" encoding="utf-8"?>
 <ds:datastoreItem xmlns:ds="http://schemas.openxmlformats.org/officeDocument/2006/customXml" ds:itemID="{E23F686D-1EE3-4CAC-A091-719663F4C43E}">
   <ds:schemaRefs>
     <ds:schemaRef ds:uri="56810815-8df0-4f10-8da7-34164765fbe3"/>
@@ -9917,23 +8568,8 @@
 </ds:datastoreItem>
 </file>
 
-<file path=customXml/itemProps3.xml><?xml version="1.0" encoding="utf-8"?>
-<ds:datastoreItem xmlns:ds="http://schemas.openxmlformats.org/officeDocument/2006/customXml" ds:itemID="{4B6340D3-F6C3-4ECA-BE26-78263F08276B}">
-  <ds:schemaRefs>
-    <ds:schemaRef ds:uri="56810815-8df0-4f10-8da7-34164765fbe3"/>
-    <ds:schemaRef ds:uri="a9de424c-86b2-47ed-8d4e-0a9b7010e669"/>
-    <ds:schemaRef ds:uri="ce079751-a51b-4a27-9376-edf93eae18d5"/>
-    <ds:schemaRef ds:uri="http://purl.org/dc/elements/1.1/"/>
-    <ds:schemaRef ds:uri="http://purl.org/dc/terms/"/>
-    <ds:schemaRef ds:uri="http://schemas.microsoft.com/internal/obd"/>
-    <ds:schemaRef ds:uri="http://schemas.microsoft.com/office/2006/documentManagement/types"/>
-    <ds:schemaRef ds:uri="http://schemas.microsoft.com/office/2006/metadata/contentType"/>
-    <ds:schemaRef ds:uri="http://schemas.microsoft.com/office/2006/metadata/properties"/>
-    <ds:schemaRef ds:uri="http://schemas.microsoft.com/office/2006/metadata/properties/metaAttributes"/>
-    <ds:schemaRef ds:uri="http://schemas.microsoft.com/office/infopath/2007/PartnerControls"/>
-    <ds:schemaRef ds:uri="http://schemas.microsoft.com/sharepoint/v3"/>
-    <ds:schemaRef ds:uri="http://schemas.openxmlformats.org/package/2006/metadata/core-properties"/>
-    <ds:schemaRef ds:uri="http://www.w3.org/2001/XMLSchema"/>
-  </ds:schemaRefs>
-</ds:datastoreItem>
+<file path=docMetadata/LabelInfo.xml><?xml version="1.0" encoding="utf-8"?>
+<clbl:labelList xmlns:clbl="http://schemas.microsoft.com/office/2020/mipLabelMetadata">
+  <clbl:label id="{6f75f480-7803-4ee9-bb54-84d0635fdbe7}" enabled="1" method="Standard" siteId="{38ae3bcd-9579-4fd4-adda-b42e1495d55a}" contentBits="0" removed="0"/>
+</clbl:labelList>
 </file>